--- a/tarea/Spotify.pptx
+++ b/tarea/Spotify.pptx
@@ -1,17 +1,17 @@
 
 <file path=ppt/presentation.xml><?xml version="1.0" encoding="utf-8"?>
-<p:presentation xmlns:a="http://schemas.openxmlformats.org/drawingml/2006/main" xmlns:r="http://schemas.openxmlformats.org/officeDocument/2006/relationships" xmlns:p="http://schemas.openxmlformats.org/presentationml/2006/main" saveSubsetFonts="1">
+<p:presentation xmlns:a="http://schemas.openxmlformats.org/drawingml/2006/main" xmlns:r="http://schemas.openxmlformats.org/officeDocument/2006/relationships" xmlns:p="http://schemas.openxmlformats.org/presentationml/2006/main">
   <p:sldMasterIdLst>
-    <p:sldMasterId id="2147483695" r:id="rId1"/>
+    <p:sldMasterId id="2147483648" r:id="rId1"/>
   </p:sldMasterIdLst>
   <p:sldIdLst>
-    <p:sldId id="256" r:id="rId2"/>
-    <p:sldId id="258" r:id="rId3"/>
-    <p:sldId id="257" r:id="rId4"/>
-    <p:sldId id="260" r:id="rId5"/>
-    <p:sldId id="259" r:id="rId6"/>
-    <p:sldId id="261" r:id="rId7"/>
-    <p:sldId id="262" r:id="rId8"/>
+    <p:sldId id="256" r:id="rId3"/>
+    <p:sldId id="258" r:id="rId4"/>
+    <p:sldId id="257" r:id="rId5"/>
+    <p:sldId id="260" r:id="rId6"/>
+    <p:sldId id="259" r:id="rId7"/>
+    <p:sldId id="261" r:id="rId8"/>
+    <p:sldId id="262" r:id="rId9"/>
   </p:sldIdLst>
   <p:sldSz cx="12192000" cy="6858000"/>
   <p:notesSz cx="6858000" cy="9144000"/>
@@ -110,16 +110,11 @@
       </a:defRPr>
     </a:lvl9pPr>
   </p:defaultTextStyle>
-  <p:extLst>
-    <p:ext uri="{EFAFB233-063F-42B5-8137-9DF3F51BA10A}">
-      <p15:sldGuideLst xmlns:p15="http://schemas.microsoft.com/office/powerpoint/2012/main"/>
-    </p:ext>
-  </p:extLst>
 </p:presentation>
 </file>
 
 <file path=ppt/slideLayouts/slideLayout1.xml><?xml version="1.0" encoding="utf-8"?>
-<p:sldLayout xmlns:a="http://schemas.openxmlformats.org/drawingml/2006/main" xmlns:r="http://schemas.openxmlformats.org/officeDocument/2006/relationships" xmlns:p="http://schemas.openxmlformats.org/presentationml/2006/main" showMasterSp="0" type="title" preserve="1">
+<p:sldLayout xmlns:a="http://schemas.openxmlformats.org/drawingml/2006/main" xmlns:r="http://schemas.openxmlformats.org/officeDocument/2006/relationships" xmlns:p="http://schemas.openxmlformats.org/presentationml/2006/main" type="title" preserve="1" showMasterSp="0">
   <p:cSld name="Diapositiva de título">
     <p:spTree>
       <p:nvGrpSpPr>
@@ -712,7 +707,7 @@
             <a:spLocks noGrp="1"/>
           </p:cNvSpPr>
           <p:nvPr>
-            <p:ph type="subTitle" idx="1"/>
+            <p:ph type="subTitle" idx="1" hasCustomPrompt="1"/>
           </p:nvPr>
         </p:nvSpPr>
         <p:spPr>
@@ -842,7 +837,6 @@
           <a:p>
             <a:fld id="{849D8D26-A748-46E9-A542-215C52EC9E7C}" type="datetimeFigureOut">
               <a:rPr lang="en-US" smtClean="0"/>
-              <a:t>10/3/2019</a:t>
             </a:fld>
             <a:endParaRPr lang="en-US"/>
           </a:p>
@@ -884,27 +878,33 @@
           <a:p>
             <a:fld id="{24130969-5BD5-4700-B021-68CBC9F29885}" type="slidenum">
               <a:rPr lang="en-US" smtClean="0"/>
-              <a:t>‹Nº›</a:t>
             </a:fld>
             <a:endParaRPr lang="en-US"/>
           </a:p>
         </p:txBody>
       </p:sp>
     </p:spTree>
-    <p:extLst>
-      <p:ext uri="{BB962C8B-B14F-4D97-AF65-F5344CB8AC3E}">
-        <p14:creationId xmlns:p14="http://schemas.microsoft.com/office/powerpoint/2010/main" val="4004061804"/>
-      </p:ext>
-    </p:extLst>
   </p:cSld>
   <p:clrMapOvr>
     <a:masterClrMapping/>
   </p:clrMapOvr>
+  <mc:AlternateContent xmlns:mc="http://schemas.openxmlformats.org/markup-compatibility/2006">
+    <mc:Choice xmlns:p14="http://schemas.microsoft.com/office/powerpoint/2010/main" Requires="p14">
+      <p:transition p14:dur="500">
+        <p:fade thruBlk="1"/>
+      </p:transition>
+    </mc:Choice>
+    <mc:Fallback>
+      <p:transition>
+        <p:fade thruBlk="1"/>
+      </p:transition>
+    </mc:Fallback>
+  </mc:AlternateContent>
 </p:sldLayout>
 </file>
 
 <file path=ppt/slideLayouts/slideLayout10.xml><?xml version="1.0" encoding="utf-8"?>
-<p:sldLayout xmlns:a="http://schemas.openxmlformats.org/drawingml/2006/main" xmlns:r="http://schemas.openxmlformats.org/officeDocument/2006/relationships" xmlns:p="http://schemas.openxmlformats.org/presentationml/2006/main" preserve="1">
+<p:sldLayout xmlns:a="http://schemas.openxmlformats.org/drawingml/2006/main" xmlns:r="http://schemas.openxmlformats.org/officeDocument/2006/relationships" xmlns:p="http://schemas.openxmlformats.org/presentationml/2006/main" preserve="1" showMasterSp="0">
   <p:cSld name="Título y descripción">
     <p:spTree>
       <p:nvGrpSpPr>
@@ -961,7 +961,7 @@
             <a:spLocks noGrp="1"/>
           </p:cNvSpPr>
           <p:nvPr>
-            <p:ph type="body" idx="1"/>
+            <p:ph type="body" idx="1" hasCustomPrompt="1"/>
           </p:nvPr>
         </p:nvSpPr>
         <p:spPr>
@@ -1073,6 +1073,7 @@
               <a:rPr lang="es-ES" smtClean="0"/>
               <a:t>Haga clic para modificar el estilo de texto del patrón</a:t>
             </a:r>
+            <a:endParaRPr lang="es-ES" smtClean="0"/>
           </a:p>
         </p:txBody>
       </p:sp>
@@ -1093,7 +1094,6 @@
           <a:p>
             <a:fld id="{849D8D26-A748-46E9-A542-215C52EC9E7C}" type="datetimeFigureOut">
               <a:rPr lang="en-US" smtClean="0"/>
-              <a:t>10/3/2019</a:t>
             </a:fld>
             <a:endParaRPr lang="en-US"/>
           </a:p>
@@ -1135,27 +1135,33 @@
           <a:p>
             <a:fld id="{24130969-5BD5-4700-B021-68CBC9F29885}" type="slidenum">
               <a:rPr lang="en-US" smtClean="0"/>
-              <a:t>‹Nº›</a:t>
             </a:fld>
             <a:endParaRPr lang="en-US"/>
           </a:p>
         </p:txBody>
       </p:sp>
     </p:spTree>
-    <p:extLst>
-      <p:ext uri="{BB962C8B-B14F-4D97-AF65-F5344CB8AC3E}">
-        <p14:creationId xmlns:p14="http://schemas.microsoft.com/office/powerpoint/2010/main" val="1059734517"/>
-      </p:ext>
-    </p:extLst>
   </p:cSld>
   <p:clrMapOvr>
     <a:masterClrMapping/>
   </p:clrMapOvr>
+  <mc:AlternateContent xmlns:mc="http://schemas.openxmlformats.org/markup-compatibility/2006">
+    <mc:Choice xmlns:p14="http://schemas.microsoft.com/office/powerpoint/2010/main" Requires="p14">
+      <p:transition p14:dur="500">
+        <p:fade thruBlk="1"/>
+      </p:transition>
+    </mc:Choice>
+    <mc:Fallback>
+      <p:transition>
+        <p:fade thruBlk="1"/>
+      </p:transition>
+    </mc:Fallback>
+  </mc:AlternateContent>
 </p:sldLayout>
 </file>
 
 <file path=ppt/slideLayouts/slideLayout11.xml><?xml version="1.0" encoding="utf-8"?>
-<p:sldLayout xmlns:a="http://schemas.openxmlformats.org/drawingml/2006/main" xmlns:r="http://schemas.openxmlformats.org/officeDocument/2006/relationships" xmlns:p="http://schemas.openxmlformats.org/presentationml/2006/main" preserve="1">
+<p:sldLayout xmlns:a="http://schemas.openxmlformats.org/drawingml/2006/main" xmlns:r="http://schemas.openxmlformats.org/officeDocument/2006/relationships" xmlns:p="http://schemas.openxmlformats.org/presentationml/2006/main" preserve="1" showMasterSp="0">
   <p:cSld name="Cita con descripción">
     <p:spTree>
       <p:nvGrpSpPr>
@@ -1212,7 +1218,7 @@
             <a:spLocks noGrp="1"/>
           </p:cNvSpPr>
           <p:nvPr>
-            <p:ph type="body" sz="quarter" idx="13"/>
+            <p:ph type="body" sz="quarter" idx="13" hasCustomPrompt="1"/>
           </p:nvPr>
         </p:nvSpPr>
         <p:spPr>
@@ -1265,6 +1271,7 @@
               <a:rPr lang="es-ES" smtClean="0"/>
               <a:t>Haga clic para modificar el estilo de texto del patrón</a:t>
             </a:r>
+            <a:endParaRPr lang="es-ES" smtClean="0"/>
           </a:p>
         </p:txBody>
       </p:sp>
@@ -1275,7 +1282,7 @@
             <a:spLocks noGrp="1"/>
           </p:cNvSpPr>
           <p:nvPr>
-            <p:ph type="body" idx="1"/>
+            <p:ph type="body" idx="1" hasCustomPrompt="1"/>
           </p:nvPr>
         </p:nvSpPr>
         <p:spPr>
@@ -1387,6 +1394,7 @@
               <a:rPr lang="es-ES" smtClean="0"/>
               <a:t>Haga clic para modificar el estilo de texto del patrón</a:t>
             </a:r>
+            <a:endParaRPr lang="es-ES" smtClean="0"/>
           </a:p>
         </p:txBody>
       </p:sp>
@@ -1407,7 +1415,6 @@
           <a:p>
             <a:fld id="{849D8D26-A748-46E9-A542-215C52EC9E7C}" type="datetimeFigureOut">
               <a:rPr lang="en-US" smtClean="0"/>
-              <a:t>10/3/2019</a:t>
             </a:fld>
             <a:endParaRPr lang="en-US"/>
           </a:p>
@@ -1449,7 +1456,6 @@
           <a:p>
             <a:fld id="{24130969-5BD5-4700-B021-68CBC9F29885}" type="slidenum">
               <a:rPr lang="en-US" smtClean="0"/>
-              <a:t>‹Nº›</a:t>
             </a:fld>
             <a:endParaRPr lang="en-US"/>
           </a:p>
@@ -1486,10 +1492,20 @@
                   <a:schemeClr val="accent1"/>
                 </a:solidFill>
                 <a:effectLst/>
-                <a:latin typeface="Arial"/>
+                <a:latin typeface="Arial" panose="020B0604020202020204"/>
               </a:rPr>
               <a:t>“</a:t>
             </a:r>
+            <a:endParaRPr lang="en-US" sz="8000" baseline="0" dirty="0">
+              <a:ln w="3175" cmpd="sng">
+                <a:noFill/>
+              </a:ln>
+              <a:solidFill>
+                <a:schemeClr val="accent1"/>
+              </a:solidFill>
+              <a:effectLst/>
+              <a:latin typeface="Arial" panose="020B0604020202020204"/>
+            </a:endParaRPr>
           </a:p>
         </p:txBody>
       </p:sp>
@@ -1524,28 +1540,45 @@
                   <a:schemeClr val="accent1"/>
                 </a:solidFill>
                 <a:effectLst/>
-                <a:latin typeface="Arial"/>
+                <a:latin typeface="Arial" panose="020B0604020202020204"/>
               </a:rPr>
               <a:t>”</a:t>
             </a:r>
+            <a:endParaRPr lang="en-US" sz="8000" baseline="0" dirty="0">
+              <a:ln w="3175" cmpd="sng">
+                <a:noFill/>
+              </a:ln>
+              <a:solidFill>
+                <a:schemeClr val="accent1"/>
+              </a:solidFill>
+              <a:effectLst/>
+              <a:latin typeface="Arial" panose="020B0604020202020204"/>
+            </a:endParaRPr>
           </a:p>
         </p:txBody>
       </p:sp>
     </p:spTree>
-    <p:extLst>
-      <p:ext uri="{BB962C8B-B14F-4D97-AF65-F5344CB8AC3E}">
-        <p14:creationId xmlns:p14="http://schemas.microsoft.com/office/powerpoint/2010/main" val="3437349882"/>
-      </p:ext>
-    </p:extLst>
   </p:cSld>
   <p:clrMapOvr>
     <a:masterClrMapping/>
   </p:clrMapOvr>
+  <mc:AlternateContent xmlns:mc="http://schemas.openxmlformats.org/markup-compatibility/2006">
+    <mc:Choice xmlns:p14="http://schemas.microsoft.com/office/powerpoint/2010/main" Requires="p14">
+      <p:transition p14:dur="500">
+        <p:fade thruBlk="1"/>
+      </p:transition>
+    </mc:Choice>
+    <mc:Fallback>
+      <p:transition>
+        <p:fade thruBlk="1"/>
+      </p:transition>
+    </mc:Fallback>
+  </mc:AlternateContent>
 </p:sldLayout>
 </file>
 
 <file path=ppt/slideLayouts/slideLayout12.xml><?xml version="1.0" encoding="utf-8"?>
-<p:sldLayout xmlns:a="http://schemas.openxmlformats.org/drawingml/2006/main" xmlns:r="http://schemas.openxmlformats.org/officeDocument/2006/relationships" xmlns:p="http://schemas.openxmlformats.org/presentationml/2006/main" preserve="1">
+<p:sldLayout xmlns:a="http://schemas.openxmlformats.org/drawingml/2006/main" xmlns:r="http://schemas.openxmlformats.org/officeDocument/2006/relationships" xmlns:p="http://schemas.openxmlformats.org/presentationml/2006/main" preserve="1" showMasterSp="0">
   <p:cSld name="Tarjeta de nombre">
     <p:spTree>
       <p:nvGrpSpPr>
@@ -1602,7 +1635,7 @@
             <a:spLocks noGrp="1"/>
           </p:cNvSpPr>
           <p:nvPr>
-            <p:ph type="body" idx="1"/>
+            <p:ph type="body" idx="1" hasCustomPrompt="1"/>
           </p:nvPr>
         </p:nvSpPr>
         <p:spPr>
@@ -1714,6 +1747,7 @@
               <a:rPr lang="es-ES" smtClean="0"/>
               <a:t>Haga clic para modificar el estilo de texto del patrón</a:t>
             </a:r>
+            <a:endParaRPr lang="es-ES" smtClean="0"/>
           </a:p>
         </p:txBody>
       </p:sp>
@@ -1734,7 +1768,6 @@
           <a:p>
             <a:fld id="{849D8D26-A748-46E9-A542-215C52EC9E7C}" type="datetimeFigureOut">
               <a:rPr lang="en-US" smtClean="0"/>
-              <a:t>10/3/2019</a:t>
             </a:fld>
             <a:endParaRPr lang="en-US"/>
           </a:p>
@@ -1776,27 +1809,33 @@
           <a:p>
             <a:fld id="{24130969-5BD5-4700-B021-68CBC9F29885}" type="slidenum">
               <a:rPr lang="en-US" smtClean="0"/>
-              <a:t>‹Nº›</a:t>
             </a:fld>
             <a:endParaRPr lang="en-US"/>
           </a:p>
         </p:txBody>
       </p:sp>
     </p:spTree>
-    <p:extLst>
-      <p:ext uri="{BB962C8B-B14F-4D97-AF65-F5344CB8AC3E}">
-        <p14:creationId xmlns:p14="http://schemas.microsoft.com/office/powerpoint/2010/main" val="1847565188"/>
-      </p:ext>
-    </p:extLst>
   </p:cSld>
   <p:clrMapOvr>
     <a:masterClrMapping/>
   </p:clrMapOvr>
+  <mc:AlternateContent xmlns:mc="http://schemas.openxmlformats.org/markup-compatibility/2006">
+    <mc:Choice xmlns:p14="http://schemas.microsoft.com/office/powerpoint/2010/main" Requires="p14">
+      <p:transition p14:dur="500">
+        <p:fade thruBlk="1"/>
+      </p:transition>
+    </mc:Choice>
+    <mc:Fallback>
+      <p:transition>
+        <p:fade thruBlk="1"/>
+      </p:transition>
+    </mc:Fallback>
+  </mc:AlternateContent>
 </p:sldLayout>
 </file>
 
 <file path=ppt/slideLayouts/slideLayout13.xml><?xml version="1.0" encoding="utf-8"?>
-<p:sldLayout xmlns:a="http://schemas.openxmlformats.org/drawingml/2006/main" xmlns:r="http://schemas.openxmlformats.org/officeDocument/2006/relationships" xmlns:p="http://schemas.openxmlformats.org/presentationml/2006/main" preserve="1">
+<p:sldLayout xmlns:a="http://schemas.openxmlformats.org/drawingml/2006/main" xmlns:r="http://schemas.openxmlformats.org/officeDocument/2006/relationships" xmlns:p="http://schemas.openxmlformats.org/presentationml/2006/main" preserve="1" showMasterSp="0">
   <p:cSld name="Citar la tarjeta de nombre">
     <p:spTree>
       <p:nvGrpSpPr>
@@ -1853,7 +1892,7 @@
             <a:spLocks noGrp="1"/>
           </p:cNvSpPr>
           <p:nvPr>
-            <p:ph type="body" sz="quarter" idx="13"/>
+            <p:ph type="body" sz="quarter" idx="13" hasCustomPrompt="1"/>
           </p:nvPr>
         </p:nvSpPr>
         <p:spPr>
@@ -1906,6 +1945,7 @@
               <a:rPr lang="es-ES" smtClean="0"/>
               <a:t>Haga clic para modificar el estilo de texto del patrón</a:t>
             </a:r>
+            <a:endParaRPr lang="es-ES" smtClean="0"/>
           </a:p>
         </p:txBody>
       </p:sp>
@@ -1916,7 +1956,7 @@
             <a:spLocks noGrp="1"/>
           </p:cNvSpPr>
           <p:nvPr>
-            <p:ph type="body" idx="1"/>
+            <p:ph type="body" idx="1" hasCustomPrompt="1"/>
           </p:nvPr>
         </p:nvSpPr>
         <p:spPr>
@@ -2028,6 +2068,7 @@
               <a:rPr lang="es-ES" smtClean="0"/>
               <a:t>Haga clic para modificar el estilo de texto del patrón</a:t>
             </a:r>
+            <a:endParaRPr lang="es-ES" smtClean="0"/>
           </a:p>
         </p:txBody>
       </p:sp>
@@ -2048,7 +2089,6 @@
           <a:p>
             <a:fld id="{849D8D26-A748-46E9-A542-215C52EC9E7C}" type="datetimeFigureOut">
               <a:rPr lang="en-US" smtClean="0"/>
-              <a:t>10/3/2019</a:t>
             </a:fld>
             <a:endParaRPr lang="en-US"/>
           </a:p>
@@ -2090,7 +2130,6 @@
           <a:p>
             <a:fld id="{24130969-5BD5-4700-B021-68CBC9F29885}" type="slidenum">
               <a:rPr lang="en-US" smtClean="0"/>
-              <a:t>‹Nº›</a:t>
             </a:fld>
             <a:endParaRPr lang="en-US"/>
           </a:p>
@@ -2127,10 +2166,20 @@
                   <a:schemeClr val="accent1"/>
                 </a:solidFill>
                 <a:effectLst/>
-                <a:latin typeface="Arial"/>
+                <a:latin typeface="Arial" panose="020B0604020202020204"/>
               </a:rPr>
               <a:t>“</a:t>
             </a:r>
+            <a:endParaRPr lang="en-US" sz="8000" baseline="0" dirty="0">
+              <a:ln w="3175" cmpd="sng">
+                <a:noFill/>
+              </a:ln>
+              <a:solidFill>
+                <a:schemeClr val="accent1"/>
+              </a:solidFill>
+              <a:effectLst/>
+              <a:latin typeface="Arial" panose="020B0604020202020204"/>
+            </a:endParaRPr>
           </a:p>
         </p:txBody>
       </p:sp>
@@ -2165,28 +2214,45 @@
                   <a:schemeClr val="accent1"/>
                 </a:solidFill>
                 <a:effectLst/>
-                <a:latin typeface="Arial"/>
+                <a:latin typeface="Arial" panose="020B0604020202020204"/>
               </a:rPr>
               <a:t>”</a:t>
             </a:r>
+            <a:endParaRPr lang="en-US" sz="8000" baseline="0" dirty="0">
+              <a:ln w="3175" cmpd="sng">
+                <a:noFill/>
+              </a:ln>
+              <a:solidFill>
+                <a:schemeClr val="accent1"/>
+              </a:solidFill>
+              <a:effectLst/>
+              <a:latin typeface="Arial" panose="020B0604020202020204"/>
+            </a:endParaRPr>
           </a:p>
         </p:txBody>
       </p:sp>
     </p:spTree>
-    <p:extLst>
-      <p:ext uri="{BB962C8B-B14F-4D97-AF65-F5344CB8AC3E}">
-        <p14:creationId xmlns:p14="http://schemas.microsoft.com/office/powerpoint/2010/main" val="2597927853"/>
-      </p:ext>
-    </p:extLst>
   </p:cSld>
   <p:clrMapOvr>
     <a:masterClrMapping/>
   </p:clrMapOvr>
+  <mc:AlternateContent xmlns:mc="http://schemas.openxmlformats.org/markup-compatibility/2006">
+    <mc:Choice xmlns:p14="http://schemas.microsoft.com/office/powerpoint/2010/main" Requires="p14">
+      <p:transition p14:dur="500">
+        <p:fade thruBlk="1"/>
+      </p:transition>
+    </mc:Choice>
+    <mc:Fallback>
+      <p:transition>
+        <p:fade thruBlk="1"/>
+      </p:transition>
+    </mc:Fallback>
+  </mc:AlternateContent>
 </p:sldLayout>
 </file>
 
 <file path=ppt/slideLayouts/slideLayout14.xml><?xml version="1.0" encoding="utf-8"?>
-<p:sldLayout xmlns:a="http://schemas.openxmlformats.org/drawingml/2006/main" xmlns:r="http://schemas.openxmlformats.org/officeDocument/2006/relationships" xmlns:p="http://schemas.openxmlformats.org/presentationml/2006/main" preserve="1">
+<p:sldLayout xmlns:a="http://schemas.openxmlformats.org/drawingml/2006/main" xmlns:r="http://schemas.openxmlformats.org/officeDocument/2006/relationships" xmlns:p="http://schemas.openxmlformats.org/presentationml/2006/main" preserve="1" showMasterSp="0">
   <p:cSld name="Verdadero o falso">
     <p:spTree>
       <p:nvGrpSpPr>
@@ -2243,7 +2309,7 @@
             <a:spLocks noGrp="1"/>
           </p:cNvSpPr>
           <p:nvPr>
-            <p:ph type="body" sz="quarter" idx="13"/>
+            <p:ph type="body" sz="quarter" idx="13" hasCustomPrompt="1"/>
           </p:nvPr>
         </p:nvSpPr>
         <p:spPr>
@@ -2293,6 +2359,7 @@
               <a:rPr lang="es-ES" smtClean="0"/>
               <a:t>Haga clic para modificar el estilo de texto del patrón</a:t>
             </a:r>
+            <a:endParaRPr lang="es-ES" smtClean="0"/>
           </a:p>
         </p:txBody>
       </p:sp>
@@ -2303,7 +2370,7 @@
             <a:spLocks noGrp="1"/>
           </p:cNvSpPr>
           <p:nvPr>
-            <p:ph type="body" idx="1"/>
+            <p:ph type="body" idx="1" hasCustomPrompt="1"/>
           </p:nvPr>
         </p:nvSpPr>
         <p:spPr>
@@ -2415,6 +2482,7 @@
               <a:rPr lang="es-ES" smtClean="0"/>
               <a:t>Haga clic para modificar el estilo de texto del patrón</a:t>
             </a:r>
+            <a:endParaRPr lang="es-ES" smtClean="0"/>
           </a:p>
         </p:txBody>
       </p:sp>
@@ -2435,7 +2503,6 @@
           <a:p>
             <a:fld id="{849D8D26-A748-46E9-A542-215C52EC9E7C}" type="datetimeFigureOut">
               <a:rPr lang="en-US" smtClean="0"/>
-              <a:t>10/3/2019</a:t>
             </a:fld>
             <a:endParaRPr lang="en-US"/>
           </a:p>
@@ -2477,27 +2544,33 @@
           <a:p>
             <a:fld id="{24130969-5BD5-4700-B021-68CBC9F29885}" type="slidenum">
               <a:rPr lang="en-US" smtClean="0"/>
-              <a:t>‹Nº›</a:t>
             </a:fld>
             <a:endParaRPr lang="en-US"/>
           </a:p>
         </p:txBody>
       </p:sp>
     </p:spTree>
-    <p:extLst>
-      <p:ext uri="{BB962C8B-B14F-4D97-AF65-F5344CB8AC3E}">
-        <p14:creationId xmlns:p14="http://schemas.microsoft.com/office/powerpoint/2010/main" val="2107238316"/>
-      </p:ext>
-    </p:extLst>
   </p:cSld>
   <p:clrMapOvr>
     <a:masterClrMapping/>
   </p:clrMapOvr>
+  <mc:AlternateContent xmlns:mc="http://schemas.openxmlformats.org/markup-compatibility/2006">
+    <mc:Choice xmlns:p14="http://schemas.microsoft.com/office/powerpoint/2010/main" Requires="p14">
+      <p:transition p14:dur="500">
+        <p:fade thruBlk="1"/>
+      </p:transition>
+    </mc:Choice>
+    <mc:Fallback>
+      <p:transition>
+        <p:fade thruBlk="1"/>
+      </p:transition>
+    </mc:Fallback>
+  </mc:AlternateContent>
 </p:sldLayout>
 </file>
 
 <file path=ppt/slideLayouts/slideLayout15.xml><?xml version="1.0" encoding="utf-8"?>
-<p:sldLayout xmlns:a="http://schemas.openxmlformats.org/drawingml/2006/main" xmlns:r="http://schemas.openxmlformats.org/officeDocument/2006/relationships" xmlns:p="http://schemas.openxmlformats.org/presentationml/2006/main" type="vertTx" preserve="1">
+<p:sldLayout xmlns:a="http://schemas.openxmlformats.org/drawingml/2006/main" xmlns:r="http://schemas.openxmlformats.org/officeDocument/2006/relationships" xmlns:p="http://schemas.openxmlformats.org/presentationml/2006/main" type="vertTx" preserve="1" showMasterSp="0">
   <p:cSld name="Título y texto vertical">
     <p:spTree>
       <p:nvGrpSpPr>
@@ -2543,7 +2616,7 @@
             <a:spLocks noGrp="1"/>
           </p:cNvSpPr>
           <p:nvPr>
-            <p:ph type="body" orient="vert" idx="1"/>
+            <p:ph type="body" orient="vert" idx="1" hasCustomPrompt="1"/>
           </p:nvPr>
         </p:nvSpPr>
         <p:spPr/>
@@ -2556,6 +2629,7 @@
               <a:rPr lang="es-ES" smtClean="0"/>
               <a:t>Haga clic para modificar el estilo de texto del patrón</a:t>
             </a:r>
+            <a:endParaRPr lang="es-ES" smtClean="0"/>
           </a:p>
           <a:p>
             <a:pPr lvl="1"/>
@@ -2563,6 +2637,7 @@
               <a:rPr lang="es-ES" smtClean="0"/>
               <a:t>Segundo nivel</a:t>
             </a:r>
+            <a:endParaRPr lang="es-ES" smtClean="0"/>
           </a:p>
           <a:p>
             <a:pPr lvl="2"/>
@@ -2570,6 +2645,7 @@
               <a:rPr lang="es-ES" smtClean="0"/>
               <a:t>Tercer nivel</a:t>
             </a:r>
+            <a:endParaRPr lang="es-ES" smtClean="0"/>
           </a:p>
           <a:p>
             <a:pPr lvl="3"/>
@@ -2577,6 +2653,7 @@
               <a:rPr lang="es-ES" smtClean="0"/>
               <a:t>Cuarto nivel</a:t>
             </a:r>
+            <a:endParaRPr lang="es-ES" smtClean="0"/>
           </a:p>
           <a:p>
             <a:pPr lvl="4"/>
@@ -2605,7 +2682,6 @@
           <a:p>
             <a:fld id="{849D8D26-A748-46E9-A542-215C52EC9E7C}" type="datetimeFigureOut">
               <a:rPr lang="en-US" smtClean="0"/>
-              <a:t>10/3/2019</a:t>
             </a:fld>
             <a:endParaRPr lang="en-US"/>
           </a:p>
@@ -2647,27 +2723,33 @@
           <a:p>
             <a:fld id="{24130969-5BD5-4700-B021-68CBC9F29885}" type="slidenum">
               <a:rPr lang="en-US" smtClean="0"/>
-              <a:t>‹Nº›</a:t>
             </a:fld>
             <a:endParaRPr lang="en-US"/>
           </a:p>
         </p:txBody>
       </p:sp>
     </p:spTree>
-    <p:extLst>
-      <p:ext uri="{BB962C8B-B14F-4D97-AF65-F5344CB8AC3E}">
-        <p14:creationId xmlns:p14="http://schemas.microsoft.com/office/powerpoint/2010/main" val="384078623"/>
-      </p:ext>
-    </p:extLst>
   </p:cSld>
   <p:clrMapOvr>
     <a:masterClrMapping/>
   </p:clrMapOvr>
+  <mc:AlternateContent xmlns:mc="http://schemas.openxmlformats.org/markup-compatibility/2006">
+    <mc:Choice xmlns:p14="http://schemas.microsoft.com/office/powerpoint/2010/main" Requires="p14">
+      <p:transition p14:dur="500">
+        <p:fade thruBlk="1"/>
+      </p:transition>
+    </mc:Choice>
+    <mc:Fallback>
+      <p:transition>
+        <p:fade thruBlk="1"/>
+      </p:transition>
+    </mc:Fallback>
+  </mc:AlternateContent>
 </p:sldLayout>
 </file>
 
 <file path=ppt/slideLayouts/slideLayout16.xml><?xml version="1.0" encoding="utf-8"?>
-<p:sldLayout xmlns:a="http://schemas.openxmlformats.org/drawingml/2006/main" xmlns:r="http://schemas.openxmlformats.org/officeDocument/2006/relationships" xmlns:p="http://schemas.openxmlformats.org/presentationml/2006/main" type="vertTitleAndTx" preserve="1">
+<p:sldLayout xmlns:a="http://schemas.openxmlformats.org/drawingml/2006/main" xmlns:r="http://schemas.openxmlformats.org/officeDocument/2006/relationships" xmlns:p="http://schemas.openxmlformats.org/presentationml/2006/main" type="vertTitleAndTx" preserve="1" showMasterSp="0">
   <p:cSld name="Título vertical y texto">
     <p:spTree>
       <p:nvGrpSpPr>
@@ -2718,7 +2800,7 @@
             <a:spLocks noGrp="1"/>
           </p:cNvSpPr>
           <p:nvPr>
-            <p:ph type="body" orient="vert" idx="1"/>
+            <p:ph type="body" orient="vert" idx="1" hasCustomPrompt="1"/>
           </p:nvPr>
         </p:nvSpPr>
         <p:spPr>
@@ -2736,6 +2818,7 @@
               <a:rPr lang="es-ES" smtClean="0"/>
               <a:t>Haga clic para modificar el estilo de texto del patrón</a:t>
             </a:r>
+            <a:endParaRPr lang="es-ES" smtClean="0"/>
           </a:p>
           <a:p>
             <a:pPr lvl="1"/>
@@ -2743,6 +2826,7 @@
               <a:rPr lang="es-ES" smtClean="0"/>
               <a:t>Segundo nivel</a:t>
             </a:r>
+            <a:endParaRPr lang="es-ES" smtClean="0"/>
           </a:p>
           <a:p>
             <a:pPr lvl="2"/>
@@ -2750,6 +2834,7 @@
               <a:rPr lang="es-ES" smtClean="0"/>
               <a:t>Tercer nivel</a:t>
             </a:r>
+            <a:endParaRPr lang="es-ES" smtClean="0"/>
           </a:p>
           <a:p>
             <a:pPr lvl="3"/>
@@ -2757,6 +2842,7 @@
               <a:rPr lang="es-ES" smtClean="0"/>
               <a:t>Cuarto nivel</a:t>
             </a:r>
+            <a:endParaRPr lang="es-ES" smtClean="0"/>
           </a:p>
           <a:p>
             <a:pPr lvl="4"/>
@@ -2785,7 +2871,6 @@
           <a:p>
             <a:fld id="{849D8D26-A748-46E9-A542-215C52EC9E7C}" type="datetimeFigureOut">
               <a:rPr lang="en-US" smtClean="0"/>
-              <a:t>10/3/2019</a:t>
             </a:fld>
             <a:endParaRPr lang="en-US"/>
           </a:p>
@@ -2827,27 +2912,33 @@
           <a:p>
             <a:fld id="{24130969-5BD5-4700-B021-68CBC9F29885}" type="slidenum">
               <a:rPr lang="en-US" smtClean="0"/>
-              <a:t>‹Nº›</a:t>
             </a:fld>
             <a:endParaRPr lang="en-US"/>
           </a:p>
         </p:txBody>
       </p:sp>
     </p:spTree>
-    <p:extLst>
-      <p:ext uri="{BB962C8B-B14F-4D97-AF65-F5344CB8AC3E}">
-        <p14:creationId xmlns:p14="http://schemas.microsoft.com/office/powerpoint/2010/main" val="3512610264"/>
-      </p:ext>
-    </p:extLst>
   </p:cSld>
   <p:clrMapOvr>
     <a:masterClrMapping/>
   </p:clrMapOvr>
+  <mc:AlternateContent xmlns:mc="http://schemas.openxmlformats.org/markup-compatibility/2006">
+    <mc:Choice xmlns:p14="http://schemas.microsoft.com/office/powerpoint/2010/main" Requires="p14">
+      <p:transition p14:dur="500">
+        <p:fade thruBlk="1"/>
+      </p:transition>
+    </mc:Choice>
+    <mc:Fallback>
+      <p:transition>
+        <p:fade thruBlk="1"/>
+      </p:transition>
+    </mc:Fallback>
+  </mc:AlternateContent>
 </p:sldLayout>
 </file>
 
 <file path=ppt/slideLayouts/slideLayout2.xml><?xml version="1.0" encoding="utf-8"?>
-<p:sldLayout xmlns:a="http://schemas.openxmlformats.org/drawingml/2006/main" xmlns:r="http://schemas.openxmlformats.org/officeDocument/2006/relationships" xmlns:p="http://schemas.openxmlformats.org/presentationml/2006/main" type="obj" preserve="1">
+<p:sldLayout xmlns:a="http://schemas.openxmlformats.org/drawingml/2006/main" xmlns:r="http://schemas.openxmlformats.org/officeDocument/2006/relationships" xmlns:p="http://schemas.openxmlformats.org/presentationml/2006/main" type="obj" preserve="1" showMasterSp="0">
   <p:cSld name="Título y objetos">
     <p:spTree>
       <p:nvGrpSpPr>
@@ -2899,7 +2990,7 @@
             <a:spLocks noGrp="1"/>
           </p:cNvSpPr>
           <p:nvPr>
-            <p:ph idx="1"/>
+            <p:ph idx="1" hasCustomPrompt="1"/>
           </p:nvPr>
         </p:nvSpPr>
         <p:spPr/>
@@ -2912,6 +3003,7 @@
               <a:rPr lang="es-ES" smtClean="0"/>
               <a:t>Haga clic para modificar el estilo de texto del patrón</a:t>
             </a:r>
+            <a:endParaRPr lang="es-ES" smtClean="0"/>
           </a:p>
           <a:p>
             <a:pPr lvl="1"/>
@@ -2919,6 +3011,7 @@
               <a:rPr lang="es-ES" smtClean="0"/>
               <a:t>Segundo nivel</a:t>
             </a:r>
+            <a:endParaRPr lang="es-ES" smtClean="0"/>
           </a:p>
           <a:p>
             <a:pPr lvl="2"/>
@@ -2926,6 +3019,7 @@
               <a:rPr lang="es-ES" smtClean="0"/>
               <a:t>Tercer nivel</a:t>
             </a:r>
+            <a:endParaRPr lang="es-ES" smtClean="0"/>
           </a:p>
           <a:p>
             <a:pPr lvl="3"/>
@@ -2933,6 +3027,7 @@
               <a:rPr lang="es-ES" smtClean="0"/>
               <a:t>Cuarto nivel</a:t>
             </a:r>
+            <a:endParaRPr lang="es-ES" smtClean="0"/>
           </a:p>
           <a:p>
             <a:pPr lvl="4"/>
@@ -2961,7 +3056,6 @@
           <a:p>
             <a:fld id="{849D8D26-A748-46E9-A542-215C52EC9E7C}" type="datetimeFigureOut">
               <a:rPr lang="en-US" smtClean="0"/>
-              <a:t>10/3/2019</a:t>
             </a:fld>
             <a:endParaRPr lang="en-US"/>
           </a:p>
@@ -3003,27 +3097,33 @@
           <a:p>
             <a:fld id="{24130969-5BD5-4700-B021-68CBC9F29885}" type="slidenum">
               <a:rPr lang="en-US" smtClean="0"/>
-              <a:t>‹Nº›</a:t>
             </a:fld>
             <a:endParaRPr lang="en-US"/>
           </a:p>
         </p:txBody>
       </p:sp>
     </p:spTree>
-    <p:extLst>
-      <p:ext uri="{BB962C8B-B14F-4D97-AF65-F5344CB8AC3E}">
-        <p14:creationId xmlns:p14="http://schemas.microsoft.com/office/powerpoint/2010/main" val="810151469"/>
-      </p:ext>
-    </p:extLst>
   </p:cSld>
   <p:clrMapOvr>
     <a:masterClrMapping/>
   </p:clrMapOvr>
+  <mc:AlternateContent xmlns:mc="http://schemas.openxmlformats.org/markup-compatibility/2006">
+    <mc:Choice xmlns:p14="http://schemas.microsoft.com/office/powerpoint/2010/main" Requires="p14">
+      <p:transition p14:dur="500">
+        <p:fade thruBlk="1"/>
+      </p:transition>
+    </mc:Choice>
+    <mc:Fallback>
+      <p:transition>
+        <p:fade thruBlk="1"/>
+      </p:transition>
+    </mc:Fallback>
+  </mc:AlternateContent>
 </p:sldLayout>
 </file>
 
 <file path=ppt/slideLayouts/slideLayout3.xml><?xml version="1.0" encoding="utf-8"?>
-<p:sldLayout xmlns:a="http://schemas.openxmlformats.org/drawingml/2006/main" xmlns:r="http://schemas.openxmlformats.org/officeDocument/2006/relationships" xmlns:p="http://schemas.openxmlformats.org/presentationml/2006/main" type="secHead" preserve="1">
+<p:sldLayout xmlns:a="http://schemas.openxmlformats.org/drawingml/2006/main" xmlns:r="http://schemas.openxmlformats.org/officeDocument/2006/relationships" xmlns:p="http://schemas.openxmlformats.org/presentationml/2006/main" type="secHead" preserve="1" showMasterSp="0">
   <p:cSld name="Encabezado de sección">
     <p:spTree>
       <p:nvGrpSpPr>
@@ -3078,7 +3178,7 @@
             <a:spLocks noGrp="1"/>
           </p:cNvSpPr>
           <p:nvPr>
-            <p:ph type="body" idx="1"/>
+            <p:ph type="body" idx="1" hasCustomPrompt="1"/>
           </p:nvPr>
         </p:nvSpPr>
         <p:spPr>
@@ -3188,6 +3288,7 @@
               <a:rPr lang="es-ES" smtClean="0"/>
               <a:t>Haga clic para modificar el estilo de texto del patrón</a:t>
             </a:r>
+            <a:endParaRPr lang="es-ES" smtClean="0"/>
           </a:p>
         </p:txBody>
       </p:sp>
@@ -3208,7 +3309,6 @@
           <a:p>
             <a:fld id="{849D8D26-A748-46E9-A542-215C52EC9E7C}" type="datetimeFigureOut">
               <a:rPr lang="en-US" smtClean="0"/>
-              <a:t>10/3/2019</a:t>
             </a:fld>
             <a:endParaRPr lang="en-US"/>
           </a:p>
@@ -3250,27 +3350,33 @@
           <a:p>
             <a:fld id="{24130969-5BD5-4700-B021-68CBC9F29885}" type="slidenum">
               <a:rPr lang="en-US" smtClean="0"/>
-              <a:t>‹Nº›</a:t>
             </a:fld>
             <a:endParaRPr lang="en-US"/>
           </a:p>
         </p:txBody>
       </p:sp>
     </p:spTree>
-    <p:extLst>
-      <p:ext uri="{BB962C8B-B14F-4D97-AF65-F5344CB8AC3E}">
-        <p14:creationId xmlns:p14="http://schemas.microsoft.com/office/powerpoint/2010/main" val="4042885774"/>
-      </p:ext>
-    </p:extLst>
   </p:cSld>
   <p:clrMapOvr>
     <a:masterClrMapping/>
   </p:clrMapOvr>
+  <mc:AlternateContent xmlns:mc="http://schemas.openxmlformats.org/markup-compatibility/2006">
+    <mc:Choice xmlns:p14="http://schemas.microsoft.com/office/powerpoint/2010/main" Requires="p14">
+      <p:transition p14:dur="500">
+        <p:fade thruBlk="1"/>
+      </p:transition>
+    </mc:Choice>
+    <mc:Fallback>
+      <p:transition>
+        <p:fade thruBlk="1"/>
+      </p:transition>
+    </mc:Fallback>
+  </mc:AlternateContent>
 </p:sldLayout>
 </file>
 
 <file path=ppt/slideLayouts/slideLayout4.xml><?xml version="1.0" encoding="utf-8"?>
-<p:sldLayout xmlns:a="http://schemas.openxmlformats.org/drawingml/2006/main" xmlns:r="http://schemas.openxmlformats.org/officeDocument/2006/relationships" xmlns:p="http://schemas.openxmlformats.org/presentationml/2006/main" type="twoObj" preserve="1">
+<p:sldLayout xmlns:a="http://schemas.openxmlformats.org/drawingml/2006/main" xmlns:r="http://schemas.openxmlformats.org/officeDocument/2006/relationships" xmlns:p="http://schemas.openxmlformats.org/presentationml/2006/main" type="twoObj" preserve="1" showMasterSp="0">
   <p:cSld name="Dos objetos">
     <p:spTree>
       <p:nvGrpSpPr>
@@ -3316,7 +3422,7 @@
             <a:spLocks noGrp="1"/>
           </p:cNvSpPr>
           <p:nvPr>
-            <p:ph sz="half" idx="1"/>
+            <p:ph sz="half" idx="1" hasCustomPrompt="1"/>
           </p:nvPr>
         </p:nvSpPr>
         <p:spPr>
@@ -3334,6 +3440,7 @@
               <a:rPr lang="es-ES" smtClean="0"/>
               <a:t>Haga clic para modificar el estilo de texto del patrón</a:t>
             </a:r>
+            <a:endParaRPr lang="es-ES" smtClean="0"/>
           </a:p>
           <a:p>
             <a:pPr lvl="1"/>
@@ -3341,6 +3448,7 @@
               <a:rPr lang="es-ES" smtClean="0"/>
               <a:t>Segundo nivel</a:t>
             </a:r>
+            <a:endParaRPr lang="es-ES" smtClean="0"/>
           </a:p>
           <a:p>
             <a:pPr lvl="2"/>
@@ -3348,6 +3456,7 @@
               <a:rPr lang="es-ES" smtClean="0"/>
               <a:t>Tercer nivel</a:t>
             </a:r>
+            <a:endParaRPr lang="es-ES" smtClean="0"/>
           </a:p>
           <a:p>
             <a:pPr lvl="3"/>
@@ -3355,6 +3464,7 @@
               <a:rPr lang="es-ES" smtClean="0"/>
               <a:t>Cuarto nivel</a:t>
             </a:r>
+            <a:endParaRPr lang="es-ES" smtClean="0"/>
           </a:p>
           <a:p>
             <a:pPr lvl="4"/>
@@ -3373,7 +3483,7 @@
             <a:spLocks noGrp="1"/>
           </p:cNvSpPr>
           <p:nvPr>
-            <p:ph sz="half" idx="2"/>
+            <p:ph sz="half" idx="2" hasCustomPrompt="1"/>
           </p:nvPr>
         </p:nvSpPr>
         <p:spPr>
@@ -3391,6 +3501,7 @@
               <a:rPr lang="es-ES" smtClean="0"/>
               <a:t>Haga clic para modificar el estilo de texto del patrón</a:t>
             </a:r>
+            <a:endParaRPr lang="es-ES" smtClean="0"/>
           </a:p>
           <a:p>
             <a:pPr lvl="1"/>
@@ -3398,6 +3509,7 @@
               <a:rPr lang="es-ES" smtClean="0"/>
               <a:t>Segundo nivel</a:t>
             </a:r>
+            <a:endParaRPr lang="es-ES" smtClean="0"/>
           </a:p>
           <a:p>
             <a:pPr lvl="2"/>
@@ -3405,6 +3517,7 @@
               <a:rPr lang="es-ES" smtClean="0"/>
               <a:t>Tercer nivel</a:t>
             </a:r>
+            <a:endParaRPr lang="es-ES" smtClean="0"/>
           </a:p>
           <a:p>
             <a:pPr lvl="3"/>
@@ -3412,6 +3525,7 @@
               <a:rPr lang="es-ES" smtClean="0"/>
               <a:t>Cuarto nivel</a:t>
             </a:r>
+            <a:endParaRPr lang="es-ES" smtClean="0"/>
           </a:p>
           <a:p>
             <a:pPr lvl="4"/>
@@ -3440,7 +3554,6 @@
           <a:p>
             <a:fld id="{849D8D26-A748-46E9-A542-215C52EC9E7C}" type="datetimeFigureOut">
               <a:rPr lang="en-US" smtClean="0"/>
-              <a:t>10/3/2019</a:t>
             </a:fld>
             <a:endParaRPr lang="en-US"/>
           </a:p>
@@ -3482,27 +3595,33 @@
           <a:p>
             <a:fld id="{24130969-5BD5-4700-B021-68CBC9F29885}" type="slidenum">
               <a:rPr lang="en-US" smtClean="0"/>
-              <a:t>‹Nº›</a:t>
             </a:fld>
             <a:endParaRPr lang="en-US"/>
           </a:p>
         </p:txBody>
       </p:sp>
     </p:spTree>
-    <p:extLst>
-      <p:ext uri="{BB962C8B-B14F-4D97-AF65-F5344CB8AC3E}">
-        <p14:creationId xmlns:p14="http://schemas.microsoft.com/office/powerpoint/2010/main" val="3604237001"/>
-      </p:ext>
-    </p:extLst>
   </p:cSld>
   <p:clrMapOvr>
     <a:masterClrMapping/>
   </p:clrMapOvr>
+  <mc:AlternateContent xmlns:mc="http://schemas.openxmlformats.org/markup-compatibility/2006">
+    <mc:Choice xmlns:p14="http://schemas.microsoft.com/office/powerpoint/2010/main" Requires="p14">
+      <p:transition p14:dur="500">
+        <p:fade thruBlk="1"/>
+      </p:transition>
+    </mc:Choice>
+    <mc:Fallback>
+      <p:transition>
+        <p:fade thruBlk="1"/>
+      </p:transition>
+    </mc:Fallback>
+  </mc:AlternateContent>
 </p:sldLayout>
 </file>
 
 <file path=ppt/slideLayouts/slideLayout5.xml><?xml version="1.0" encoding="utf-8"?>
-<p:sldLayout xmlns:a="http://schemas.openxmlformats.org/drawingml/2006/main" xmlns:r="http://schemas.openxmlformats.org/officeDocument/2006/relationships" xmlns:p="http://schemas.openxmlformats.org/presentationml/2006/main" type="twoTxTwoObj" preserve="1">
+<p:sldLayout xmlns:a="http://schemas.openxmlformats.org/drawingml/2006/main" xmlns:r="http://schemas.openxmlformats.org/officeDocument/2006/relationships" xmlns:p="http://schemas.openxmlformats.org/presentationml/2006/main" type="twoTxTwoObj" preserve="1" showMasterSp="0">
   <p:cSld name="Comparación">
     <p:spTree>
       <p:nvGrpSpPr>
@@ -3552,7 +3671,7 @@
             <a:spLocks noGrp="1"/>
           </p:cNvSpPr>
           <p:nvPr>
-            <p:ph type="body" idx="1"/>
+            <p:ph type="body" idx="1" hasCustomPrompt="1"/>
           </p:nvPr>
         </p:nvSpPr>
         <p:spPr>
@@ -3609,6 +3728,7 @@
               <a:rPr lang="es-ES" smtClean="0"/>
               <a:t>Haga clic para modificar el estilo de texto del patrón</a:t>
             </a:r>
+            <a:endParaRPr lang="es-ES" smtClean="0"/>
           </a:p>
         </p:txBody>
       </p:sp>
@@ -3619,7 +3739,7 @@
             <a:spLocks noGrp="1"/>
           </p:cNvSpPr>
           <p:nvPr>
-            <p:ph sz="half" idx="2"/>
+            <p:ph sz="half" idx="2" hasCustomPrompt="1"/>
           </p:nvPr>
         </p:nvSpPr>
         <p:spPr>
@@ -3639,6 +3759,7 @@
               <a:rPr lang="es-ES" smtClean="0"/>
               <a:t>Haga clic para modificar el estilo de texto del patrón</a:t>
             </a:r>
+            <a:endParaRPr lang="es-ES" smtClean="0"/>
           </a:p>
           <a:p>
             <a:pPr lvl="1"/>
@@ -3646,6 +3767,7 @@
               <a:rPr lang="es-ES" smtClean="0"/>
               <a:t>Segundo nivel</a:t>
             </a:r>
+            <a:endParaRPr lang="es-ES" smtClean="0"/>
           </a:p>
           <a:p>
             <a:pPr lvl="2"/>
@@ -3653,6 +3775,7 @@
               <a:rPr lang="es-ES" smtClean="0"/>
               <a:t>Tercer nivel</a:t>
             </a:r>
+            <a:endParaRPr lang="es-ES" smtClean="0"/>
           </a:p>
           <a:p>
             <a:pPr lvl="3"/>
@@ -3660,6 +3783,7 @@
               <a:rPr lang="es-ES" smtClean="0"/>
               <a:t>Cuarto nivel</a:t>
             </a:r>
+            <a:endParaRPr lang="es-ES" smtClean="0"/>
           </a:p>
           <a:p>
             <a:pPr lvl="4"/>
@@ -3678,7 +3802,7 @@
             <a:spLocks noGrp="1"/>
           </p:cNvSpPr>
           <p:nvPr>
-            <p:ph type="body" sz="quarter" idx="3"/>
+            <p:ph type="body" sz="quarter" idx="3" hasCustomPrompt="1"/>
           </p:nvPr>
         </p:nvSpPr>
         <p:spPr>
@@ -3735,6 +3859,7 @@
               <a:rPr lang="es-ES" smtClean="0"/>
               <a:t>Haga clic para modificar el estilo de texto del patrón</a:t>
             </a:r>
+            <a:endParaRPr lang="es-ES" smtClean="0"/>
           </a:p>
         </p:txBody>
       </p:sp>
@@ -3745,7 +3870,7 @@
             <a:spLocks noGrp="1"/>
           </p:cNvSpPr>
           <p:nvPr>
-            <p:ph sz="quarter" idx="4"/>
+            <p:ph sz="quarter" idx="4" hasCustomPrompt="1"/>
           </p:nvPr>
         </p:nvSpPr>
         <p:spPr>
@@ -3765,6 +3890,7 @@
               <a:rPr lang="es-ES" smtClean="0"/>
               <a:t>Haga clic para modificar el estilo de texto del patrón</a:t>
             </a:r>
+            <a:endParaRPr lang="es-ES" smtClean="0"/>
           </a:p>
           <a:p>
             <a:pPr lvl="1"/>
@@ -3772,6 +3898,7 @@
               <a:rPr lang="es-ES" smtClean="0"/>
               <a:t>Segundo nivel</a:t>
             </a:r>
+            <a:endParaRPr lang="es-ES" smtClean="0"/>
           </a:p>
           <a:p>
             <a:pPr lvl="2"/>
@@ -3779,6 +3906,7 @@
               <a:rPr lang="es-ES" smtClean="0"/>
               <a:t>Tercer nivel</a:t>
             </a:r>
+            <a:endParaRPr lang="es-ES" smtClean="0"/>
           </a:p>
           <a:p>
             <a:pPr lvl="3"/>
@@ -3786,6 +3914,7 @@
               <a:rPr lang="es-ES" smtClean="0"/>
               <a:t>Cuarto nivel</a:t>
             </a:r>
+            <a:endParaRPr lang="es-ES" smtClean="0"/>
           </a:p>
           <a:p>
             <a:pPr lvl="4"/>
@@ -3814,7 +3943,6 @@
           <a:p>
             <a:fld id="{849D8D26-A748-46E9-A542-215C52EC9E7C}" type="datetimeFigureOut">
               <a:rPr lang="en-US" smtClean="0"/>
-              <a:t>10/3/2019</a:t>
             </a:fld>
             <a:endParaRPr lang="en-US"/>
           </a:p>
@@ -3856,27 +3984,33 @@
           <a:p>
             <a:fld id="{24130969-5BD5-4700-B021-68CBC9F29885}" type="slidenum">
               <a:rPr lang="en-US" smtClean="0"/>
-              <a:t>‹Nº›</a:t>
             </a:fld>
             <a:endParaRPr lang="en-US"/>
           </a:p>
         </p:txBody>
       </p:sp>
     </p:spTree>
-    <p:extLst>
-      <p:ext uri="{BB962C8B-B14F-4D97-AF65-F5344CB8AC3E}">
-        <p14:creationId xmlns:p14="http://schemas.microsoft.com/office/powerpoint/2010/main" val="3123781408"/>
-      </p:ext>
-    </p:extLst>
   </p:cSld>
   <p:clrMapOvr>
     <a:masterClrMapping/>
   </p:clrMapOvr>
+  <mc:AlternateContent xmlns:mc="http://schemas.openxmlformats.org/markup-compatibility/2006">
+    <mc:Choice xmlns:p14="http://schemas.microsoft.com/office/powerpoint/2010/main" Requires="p14">
+      <p:transition p14:dur="500">
+        <p:fade thruBlk="1"/>
+      </p:transition>
+    </mc:Choice>
+    <mc:Fallback>
+      <p:transition>
+        <p:fade thruBlk="1"/>
+      </p:transition>
+    </mc:Fallback>
+  </mc:AlternateContent>
 </p:sldLayout>
 </file>
 
 <file path=ppt/slideLayouts/slideLayout6.xml><?xml version="1.0" encoding="utf-8"?>
-<p:sldLayout xmlns:a="http://schemas.openxmlformats.org/drawingml/2006/main" xmlns:r="http://schemas.openxmlformats.org/officeDocument/2006/relationships" xmlns:p="http://schemas.openxmlformats.org/presentationml/2006/main" type="titleOnly" preserve="1">
+<p:sldLayout xmlns:a="http://schemas.openxmlformats.org/drawingml/2006/main" xmlns:r="http://schemas.openxmlformats.org/officeDocument/2006/relationships" xmlns:p="http://schemas.openxmlformats.org/presentationml/2006/main" type="titleOnly" preserve="1" showMasterSp="0">
   <p:cSld name="Solo el título">
     <p:spTree>
       <p:nvGrpSpPr>
@@ -3937,7 +4071,6 @@
           <a:p>
             <a:fld id="{849D8D26-A748-46E9-A542-215C52EC9E7C}" type="datetimeFigureOut">
               <a:rPr lang="en-US" smtClean="0"/>
-              <a:t>10/3/2019</a:t>
             </a:fld>
             <a:endParaRPr lang="en-US"/>
           </a:p>
@@ -3979,27 +4112,33 @@
           <a:p>
             <a:fld id="{24130969-5BD5-4700-B021-68CBC9F29885}" type="slidenum">
               <a:rPr lang="en-US" smtClean="0"/>
-              <a:t>‹Nº›</a:t>
             </a:fld>
             <a:endParaRPr lang="en-US"/>
           </a:p>
         </p:txBody>
       </p:sp>
     </p:spTree>
-    <p:extLst>
-      <p:ext uri="{BB962C8B-B14F-4D97-AF65-F5344CB8AC3E}">
-        <p14:creationId xmlns:p14="http://schemas.microsoft.com/office/powerpoint/2010/main" val="4217064652"/>
-      </p:ext>
-    </p:extLst>
   </p:cSld>
   <p:clrMapOvr>
     <a:masterClrMapping/>
   </p:clrMapOvr>
+  <mc:AlternateContent xmlns:mc="http://schemas.openxmlformats.org/markup-compatibility/2006">
+    <mc:Choice xmlns:p14="http://schemas.microsoft.com/office/powerpoint/2010/main" Requires="p14">
+      <p:transition p14:dur="500">
+        <p:fade thruBlk="1"/>
+      </p:transition>
+    </mc:Choice>
+    <mc:Fallback>
+      <p:transition>
+        <p:fade thruBlk="1"/>
+      </p:transition>
+    </mc:Fallback>
+  </mc:AlternateContent>
 </p:sldLayout>
 </file>
 
 <file path=ppt/slideLayouts/slideLayout7.xml><?xml version="1.0" encoding="utf-8"?>
-<p:sldLayout xmlns:a="http://schemas.openxmlformats.org/drawingml/2006/main" xmlns:r="http://schemas.openxmlformats.org/officeDocument/2006/relationships" xmlns:p="http://schemas.openxmlformats.org/presentationml/2006/main" type="blank" preserve="1">
+<p:sldLayout xmlns:a="http://schemas.openxmlformats.org/drawingml/2006/main" xmlns:r="http://schemas.openxmlformats.org/officeDocument/2006/relationships" xmlns:p="http://schemas.openxmlformats.org/presentationml/2006/main" type="blank" preserve="1" showMasterSp="0">
   <p:cSld name="En blanco">
     <p:spTree>
       <p:nvGrpSpPr>
@@ -4032,7 +4171,6 @@
           <a:p>
             <a:fld id="{849D8D26-A748-46E9-A542-215C52EC9E7C}" type="datetimeFigureOut">
               <a:rPr lang="en-US" smtClean="0"/>
-              <a:t>10/3/2019</a:t>
             </a:fld>
             <a:endParaRPr lang="en-US"/>
           </a:p>
@@ -4074,27 +4212,33 @@
           <a:p>
             <a:fld id="{24130969-5BD5-4700-B021-68CBC9F29885}" type="slidenum">
               <a:rPr lang="en-US" smtClean="0"/>
-              <a:t>‹Nº›</a:t>
             </a:fld>
             <a:endParaRPr lang="en-US"/>
           </a:p>
         </p:txBody>
       </p:sp>
     </p:spTree>
-    <p:extLst>
-      <p:ext uri="{BB962C8B-B14F-4D97-AF65-F5344CB8AC3E}">
-        <p14:creationId xmlns:p14="http://schemas.microsoft.com/office/powerpoint/2010/main" val="158918788"/>
-      </p:ext>
-    </p:extLst>
   </p:cSld>
   <p:clrMapOvr>
     <a:masterClrMapping/>
   </p:clrMapOvr>
+  <mc:AlternateContent xmlns:mc="http://schemas.openxmlformats.org/markup-compatibility/2006">
+    <mc:Choice xmlns:p14="http://schemas.microsoft.com/office/powerpoint/2010/main" Requires="p14">
+      <p:transition p14:dur="500">
+        <p:fade thruBlk="1"/>
+      </p:transition>
+    </mc:Choice>
+    <mc:Fallback>
+      <p:transition>
+        <p:fade thruBlk="1"/>
+      </p:transition>
+    </mc:Fallback>
+  </mc:AlternateContent>
 </p:sldLayout>
 </file>
 
 <file path=ppt/slideLayouts/slideLayout8.xml><?xml version="1.0" encoding="utf-8"?>
-<p:sldLayout xmlns:a="http://schemas.openxmlformats.org/drawingml/2006/main" xmlns:r="http://schemas.openxmlformats.org/officeDocument/2006/relationships" xmlns:p="http://schemas.openxmlformats.org/presentationml/2006/main" type="objTx" preserve="1">
+<p:sldLayout xmlns:a="http://schemas.openxmlformats.org/drawingml/2006/main" xmlns:r="http://schemas.openxmlformats.org/officeDocument/2006/relationships" xmlns:p="http://schemas.openxmlformats.org/presentationml/2006/main" type="objTx" preserve="1" showMasterSp="0">
   <p:cSld name="Contenido con título">
     <p:spTree>
       <p:nvGrpSpPr>
@@ -4151,7 +4295,7 @@
             <a:spLocks noGrp="1"/>
           </p:cNvSpPr>
           <p:nvPr>
-            <p:ph idx="1"/>
+            <p:ph idx="1" hasCustomPrompt="1"/>
           </p:nvPr>
         </p:nvSpPr>
         <p:spPr>
@@ -4171,6 +4315,7 @@
               <a:rPr lang="es-ES" smtClean="0"/>
               <a:t>Haga clic para modificar el estilo de texto del patrón</a:t>
             </a:r>
+            <a:endParaRPr lang="es-ES" smtClean="0"/>
           </a:p>
           <a:p>
             <a:pPr lvl="1"/>
@@ -4178,6 +4323,7 @@
               <a:rPr lang="es-ES" smtClean="0"/>
               <a:t>Segundo nivel</a:t>
             </a:r>
+            <a:endParaRPr lang="es-ES" smtClean="0"/>
           </a:p>
           <a:p>
             <a:pPr lvl="2"/>
@@ -4185,6 +4331,7 @@
               <a:rPr lang="es-ES" smtClean="0"/>
               <a:t>Tercer nivel</a:t>
             </a:r>
+            <a:endParaRPr lang="es-ES" smtClean="0"/>
           </a:p>
           <a:p>
             <a:pPr lvl="3"/>
@@ -4192,6 +4339,7 @@
               <a:rPr lang="es-ES" smtClean="0"/>
               <a:t>Cuarto nivel</a:t>
             </a:r>
+            <a:endParaRPr lang="es-ES" smtClean="0"/>
           </a:p>
           <a:p>
             <a:pPr lvl="4"/>
@@ -4210,7 +4358,7 @@
             <a:spLocks noGrp="1"/>
           </p:cNvSpPr>
           <p:nvPr>
-            <p:ph type="body" sz="half" idx="2"/>
+            <p:ph type="body" sz="half" idx="2" hasCustomPrompt="1"/>
           </p:nvPr>
         </p:nvSpPr>
         <p:spPr>
@@ -4228,35 +4376,35 @@
               <a:buNone/>
               <a:defRPr sz="1400"/>
             </a:lvl1pPr>
-            <a:lvl2pPr marL="457063" indent="0">
+            <a:lvl2pPr marL="457200" indent="0">
               <a:buNone/>
               <a:defRPr sz="1400"/>
             </a:lvl2pPr>
-            <a:lvl3pPr marL="914126" indent="0">
+            <a:lvl3pPr marL="914400" indent="0">
               <a:buNone/>
               <a:defRPr sz="1200"/>
             </a:lvl3pPr>
-            <a:lvl4pPr marL="1371189" indent="0">
+            <a:lvl4pPr marL="1370965" indent="0">
               <a:buNone/>
               <a:defRPr sz="1000"/>
             </a:lvl4pPr>
-            <a:lvl5pPr marL="1828251" indent="0">
+            <a:lvl5pPr marL="1828165" indent="0">
               <a:buNone/>
               <a:defRPr sz="1000"/>
             </a:lvl5pPr>
-            <a:lvl6pPr marL="2285314" indent="0">
+            <a:lvl6pPr marL="2285365" indent="0">
               <a:buNone/>
               <a:defRPr sz="1000"/>
             </a:lvl6pPr>
-            <a:lvl7pPr marL="2742377" indent="0">
+            <a:lvl7pPr marL="2742565" indent="0">
               <a:buNone/>
               <a:defRPr sz="1000"/>
             </a:lvl7pPr>
-            <a:lvl8pPr marL="3199440" indent="0">
+            <a:lvl8pPr marL="3199130" indent="0">
               <a:buNone/>
               <a:defRPr sz="1000"/>
             </a:lvl8pPr>
-            <a:lvl9pPr marL="3656503" indent="0">
+            <a:lvl9pPr marL="3656330" indent="0">
               <a:buNone/>
               <a:defRPr sz="1000"/>
             </a:lvl9pPr>
@@ -4267,6 +4415,7 @@
               <a:rPr lang="es-ES" smtClean="0"/>
               <a:t>Haga clic para modificar el estilo de texto del patrón</a:t>
             </a:r>
+            <a:endParaRPr lang="es-ES" smtClean="0"/>
           </a:p>
         </p:txBody>
       </p:sp>
@@ -4287,7 +4436,6 @@
           <a:p>
             <a:fld id="{849D8D26-A748-46E9-A542-215C52EC9E7C}" type="datetimeFigureOut">
               <a:rPr lang="en-US" smtClean="0"/>
-              <a:t>10/3/2019</a:t>
             </a:fld>
             <a:endParaRPr lang="en-US"/>
           </a:p>
@@ -4329,27 +4477,33 @@
           <a:p>
             <a:fld id="{24130969-5BD5-4700-B021-68CBC9F29885}" type="slidenum">
               <a:rPr lang="en-US" smtClean="0"/>
-              <a:t>‹Nº›</a:t>
             </a:fld>
             <a:endParaRPr lang="en-US"/>
           </a:p>
         </p:txBody>
       </p:sp>
     </p:spTree>
-    <p:extLst>
-      <p:ext uri="{BB962C8B-B14F-4D97-AF65-F5344CB8AC3E}">
-        <p14:creationId xmlns:p14="http://schemas.microsoft.com/office/powerpoint/2010/main" val="759391140"/>
-      </p:ext>
-    </p:extLst>
   </p:cSld>
   <p:clrMapOvr>
     <a:masterClrMapping/>
   </p:clrMapOvr>
+  <mc:AlternateContent xmlns:mc="http://schemas.openxmlformats.org/markup-compatibility/2006">
+    <mc:Choice xmlns:p14="http://schemas.microsoft.com/office/powerpoint/2010/main" Requires="p14">
+      <p:transition p14:dur="500">
+        <p:fade thruBlk="1"/>
+      </p:transition>
+    </mc:Choice>
+    <mc:Fallback>
+      <p:transition>
+        <p:fade thruBlk="1"/>
+      </p:transition>
+    </mc:Fallback>
+  </mc:AlternateContent>
 </p:sldLayout>
 </file>
 
 <file path=ppt/slideLayouts/slideLayout9.xml><?xml version="1.0" encoding="utf-8"?>
-<p:sldLayout xmlns:a="http://schemas.openxmlformats.org/drawingml/2006/main" xmlns:r="http://schemas.openxmlformats.org/officeDocument/2006/relationships" xmlns:p="http://schemas.openxmlformats.org/presentationml/2006/main" type="picTx" preserve="1">
+<p:sldLayout xmlns:a="http://schemas.openxmlformats.org/drawingml/2006/main" xmlns:r="http://schemas.openxmlformats.org/officeDocument/2006/relationships" xmlns:p="http://schemas.openxmlformats.org/presentationml/2006/main" type="picTx" preserve="1" showMasterSp="0">
   <p:cSld name="Imagen con título">
     <p:spTree>
       <p:nvGrpSpPr>
@@ -4473,7 +4627,7 @@
             <a:spLocks noGrp="1"/>
           </p:cNvSpPr>
           <p:nvPr>
-            <p:ph type="body" sz="half" idx="2"/>
+            <p:ph type="body" sz="half" idx="2" hasCustomPrompt="1"/>
           </p:nvPr>
         </p:nvSpPr>
         <p:spPr>
@@ -4530,6 +4684,7 @@
               <a:rPr lang="es-ES" smtClean="0"/>
               <a:t>Haga clic para modificar el estilo de texto del patrón</a:t>
             </a:r>
+            <a:endParaRPr lang="es-ES" smtClean="0"/>
           </a:p>
         </p:txBody>
       </p:sp>
@@ -4550,7 +4705,6 @@
           <a:p>
             <a:fld id="{849D8D26-A748-46E9-A542-215C52EC9E7C}" type="datetimeFigureOut">
               <a:rPr lang="en-US" smtClean="0"/>
-              <a:t>10/3/2019</a:t>
             </a:fld>
             <a:endParaRPr lang="en-US"/>
           </a:p>
@@ -4592,22 +4746,28 @@
           <a:p>
             <a:fld id="{24130969-5BD5-4700-B021-68CBC9F29885}" type="slidenum">
               <a:rPr lang="en-US" smtClean="0"/>
-              <a:t>‹Nº›</a:t>
             </a:fld>
             <a:endParaRPr lang="en-US"/>
           </a:p>
         </p:txBody>
       </p:sp>
     </p:spTree>
-    <p:extLst>
-      <p:ext uri="{BB962C8B-B14F-4D97-AF65-F5344CB8AC3E}">
-        <p14:creationId xmlns:p14="http://schemas.microsoft.com/office/powerpoint/2010/main" val="1254095913"/>
-      </p:ext>
-    </p:extLst>
   </p:cSld>
   <p:clrMapOvr>
     <a:masterClrMapping/>
   </p:clrMapOvr>
+  <mc:AlternateContent xmlns:mc="http://schemas.openxmlformats.org/markup-compatibility/2006">
+    <mc:Choice xmlns:p14="http://schemas.microsoft.com/office/powerpoint/2010/main" Requires="p14">
+      <p:transition p14:dur="500">
+        <p:fade thruBlk="1"/>
+      </p:transition>
+    </mc:Choice>
+    <mc:Fallback>
+      <p:transition>
+        <p:fade thruBlk="1"/>
+      </p:transition>
+    </mc:Fallback>
+  </mc:AlternateContent>
 </p:sldLayout>
 </file>
 
@@ -4615,9 +4775,15 @@
 <p:sldMaster xmlns:a="http://schemas.openxmlformats.org/drawingml/2006/main" xmlns:r="http://schemas.openxmlformats.org/officeDocument/2006/relationships" xmlns:p="http://schemas.openxmlformats.org/presentationml/2006/main">
   <p:cSld>
     <p:bg>
-      <p:bgRef idx="1001">
-        <a:schemeClr val="bg2"/>
-      </p:bgRef>
+      <p:bgPr>
+        <a:blipFill rotWithShape="0">
+          <a:blip r:embed="rId17"/>
+          <a:stretch>
+            <a:fillRect/>
+          </a:stretch>
+        </a:blipFill>
+        <a:effectLst/>
+      </p:bgPr>
     </p:bg>
     <p:spTree>
       <p:nvGrpSpPr>
@@ -5228,6 +5394,7 @@
               <a:rPr lang="es-ES" smtClean="0"/>
               <a:t>Haga clic para modificar el estilo de texto del patrón</a:t>
             </a:r>
+            <a:endParaRPr lang="es-ES" smtClean="0"/>
           </a:p>
           <a:p>
             <a:pPr lvl="1"/>
@@ -5235,6 +5402,7 @@
               <a:rPr lang="es-ES" smtClean="0"/>
               <a:t>Segundo nivel</a:t>
             </a:r>
+            <a:endParaRPr lang="es-ES" smtClean="0"/>
           </a:p>
           <a:p>
             <a:pPr lvl="2"/>
@@ -5242,6 +5410,7 @@
               <a:rPr lang="es-ES" smtClean="0"/>
               <a:t>Tercer nivel</a:t>
             </a:r>
+            <a:endParaRPr lang="es-ES" smtClean="0"/>
           </a:p>
           <a:p>
             <a:pPr lvl="3"/>
@@ -5249,6 +5418,7 @@
               <a:rPr lang="es-ES" smtClean="0"/>
               <a:t>Cuarto nivel</a:t>
             </a:r>
+            <a:endParaRPr lang="es-ES" smtClean="0"/>
           </a:p>
           <a:p>
             <a:pPr lvl="4"/>
@@ -5295,7 +5465,6 @@
           <a:p>
             <a:fld id="{849D8D26-A748-46E9-A542-215C52EC9E7C}" type="datetimeFigureOut">
               <a:rPr lang="en-US" smtClean="0"/>
-              <a:t>10/3/2019</a:t>
             </a:fld>
             <a:endParaRPr lang="en-US"/>
           </a:p>
@@ -5371,38 +5540,44 @@
           <a:p>
             <a:fld id="{24130969-5BD5-4700-B021-68CBC9F29885}" type="slidenum">
               <a:rPr lang="en-US" smtClean="0"/>
-              <a:t>‹Nº›</a:t>
             </a:fld>
             <a:endParaRPr lang="en-US"/>
           </a:p>
         </p:txBody>
       </p:sp>
     </p:spTree>
-    <p:extLst>
-      <p:ext uri="{BB962C8B-B14F-4D97-AF65-F5344CB8AC3E}">
-        <p14:creationId xmlns:p14="http://schemas.microsoft.com/office/powerpoint/2010/main" val="3555056779"/>
-      </p:ext>
-    </p:extLst>
   </p:cSld>
   <p:clrMap bg1="dk1" tx1="lt1" bg2="dk2" tx2="lt2" accent1="accent1" accent2="accent2" accent3="accent3" accent4="accent4" accent5="accent5" accent6="accent6" hlink="hlink" folHlink="folHlink"/>
   <p:sldLayoutIdLst>
-    <p:sldLayoutId id="2147483696" r:id="rId1"/>
-    <p:sldLayoutId id="2147483697" r:id="rId2"/>
-    <p:sldLayoutId id="2147483698" r:id="rId3"/>
-    <p:sldLayoutId id="2147483699" r:id="rId4"/>
-    <p:sldLayoutId id="2147483700" r:id="rId5"/>
-    <p:sldLayoutId id="2147483701" r:id="rId6"/>
-    <p:sldLayoutId id="2147483702" r:id="rId7"/>
-    <p:sldLayoutId id="2147483703" r:id="rId8"/>
-    <p:sldLayoutId id="2147483704" r:id="rId9"/>
-    <p:sldLayoutId id="2147483705" r:id="rId10"/>
-    <p:sldLayoutId id="2147483706" r:id="rId11"/>
-    <p:sldLayoutId id="2147483707" r:id="rId12"/>
-    <p:sldLayoutId id="2147483708" r:id="rId13"/>
-    <p:sldLayoutId id="2147483709" r:id="rId14"/>
-    <p:sldLayoutId id="2147483710" r:id="rId15"/>
-    <p:sldLayoutId id="2147483711" r:id="rId16"/>
+    <p:sldLayoutId id="2147483649" r:id="rId1"/>
+    <p:sldLayoutId id="2147483650" r:id="rId2"/>
+    <p:sldLayoutId id="2147483651" r:id="rId3"/>
+    <p:sldLayoutId id="2147483652" r:id="rId4"/>
+    <p:sldLayoutId id="2147483653" r:id="rId5"/>
+    <p:sldLayoutId id="2147483654" r:id="rId6"/>
+    <p:sldLayoutId id="2147483655" r:id="rId7"/>
+    <p:sldLayoutId id="2147483656" r:id="rId8"/>
+    <p:sldLayoutId id="2147483657" r:id="rId9"/>
+    <p:sldLayoutId id="2147483658" r:id="rId10"/>
+    <p:sldLayoutId id="2147483659" r:id="rId11"/>
+    <p:sldLayoutId id="2147483660" r:id="rId12"/>
+    <p:sldLayoutId id="2147483661" r:id="rId13"/>
+    <p:sldLayoutId id="2147483662" r:id="rId14"/>
+    <p:sldLayoutId id="2147483663" r:id="rId15"/>
+    <p:sldLayoutId id="2147483664" r:id="rId16"/>
   </p:sldLayoutIdLst>
+  <mc:AlternateContent xmlns:mc="http://schemas.openxmlformats.org/markup-compatibility/2006">
+    <mc:Choice xmlns:p14="http://schemas.microsoft.com/office/powerpoint/2010/main" Requires="p14">
+      <p:transition p14:dur="500">
+        <p:fade thruBlk="1"/>
+      </p:transition>
+    </mc:Choice>
+    <mc:Fallback>
+      <p:transition>
+        <p:fade thruBlk="1"/>
+      </p:transition>
+    </mc:Fallback>
+  </mc:AlternateContent>
   <p:txStyles>
     <p:titleStyle>
       <a:lvl1pPr algn="l" defTabSz="457200" rtl="0" eaLnBrk="1" latinLnBrk="0" hangingPunct="1">
@@ -5803,7 +5978,7 @@
 </file>
 
 <file path=ppt/slides/slide1.xml><?xml version="1.0" encoding="utf-8"?>
-<p:sld xmlns:a="http://schemas.openxmlformats.org/drawingml/2006/main" xmlns:r="http://schemas.openxmlformats.org/officeDocument/2006/relationships" xmlns:p="http://schemas.openxmlformats.org/presentationml/2006/main">
+<p:sld xmlns:a="http://schemas.openxmlformats.org/drawingml/2006/main" xmlns:r="http://schemas.openxmlformats.org/officeDocument/2006/relationships" xmlns:p="http://schemas.openxmlformats.org/presentationml/2006/main" showMasterSp="0">
   <p:cSld>
     <p:spTree>
       <p:nvGrpSpPr>
@@ -5821,47 +5996,903 @@
       </p:grpSpPr>
       <p:sp>
         <p:nvSpPr>
-          <p:cNvPr id="2" name="Título 1"/>
-          <p:cNvSpPr>
-            <a:spLocks noGrp="1"/>
-          </p:cNvSpPr>
-          <p:nvPr>
-            <p:ph type="ctrTitle"/>
+          <p:cNvPr id="3" name="Subtítulo 2"/>
+          <p:cNvSpPr>
+            <a:spLocks noGrp="1"/>
+          </p:cNvSpPr>
+          <p:nvPr>
+            <p:ph type="subTitle" idx="1"/>
           </p:nvPr>
         </p:nvSpPr>
         <p:spPr>
           <a:xfrm>
-            <a:off x="1627383" y="106502"/>
-            <a:ext cx="7766936" cy="1646302"/>
+            <a:off x="2438400" y="5393055"/>
+            <a:ext cx="3900805" cy="1155700"/>
           </a:xfrm>
         </p:spPr>
         <p:txBody>
+          <a:bodyPr>
+            <a:normAutofit lnSpcReduction="20000"/>
+          </a:bodyPr>
+          <a:lstStyle/>
+          <a:p>
+            <a:pPr algn="l"/>
+            <a:r>
+              <a:rPr lang="es-MX" sz="2400" b="1" u="sng" dirty="0" smtClean="0"/>
+              <a:t>EQUIPO</a:t>
+            </a:r>
+            <a:endParaRPr lang="es-MX" dirty="0" smtClean="0"/>
+          </a:p>
+          <a:p>
+            <a:pPr algn="l"/>
+            <a:r>
+              <a:rPr lang="es-MX" dirty="0" smtClean="0"/>
+              <a:t>Juan Enrique Espinoza de los Santos</a:t>
+            </a:r>
+            <a:endParaRPr lang="es-MX" dirty="0" smtClean="0"/>
+          </a:p>
+          <a:p>
+            <a:pPr algn="l"/>
+            <a:r>
+              <a:rPr lang="es-MX" dirty="0" smtClean="0"/>
+              <a:t>Juan Angel Reyes Lira</a:t>
+            </a:r>
+            <a:endParaRPr lang="en-US" dirty="0" smtClean="0"/>
+          </a:p>
+        </p:txBody>
+      </p:sp>
+      <p:pic>
+        <p:nvPicPr>
+          <p:cNvPr id="5" name="Imagen 4"/>
+          <p:cNvPicPr>
+            <a:picLocks noChangeAspect="1"/>
+          </p:cNvPicPr>
+          <p:nvPr/>
+        </p:nvPicPr>
+        <p:blipFill>
+          <a:blip r:embed="rId1"/>
+          <a:srcRect t="32845" b="30294"/>
+          <a:stretch>
+            <a:fillRect/>
+          </a:stretch>
+        </p:blipFill>
+        <p:spPr>
+          <a:xfrm>
+            <a:off x="2438400" y="831215"/>
+            <a:ext cx="7315200" cy="2110105"/>
+          </a:xfrm>
+          <a:prstGeom prst="rect">
+            <a:avLst/>
+          </a:prstGeom>
+        </p:spPr>
+      </p:pic>
+      <p:sp>
+        <p:nvSpPr>
+          <p:cNvPr id="7" name="Subtítulo 2"/>
+          <p:cNvSpPr>
+            <a:spLocks noGrp="1"/>
+          </p:cNvSpPr>
+          <p:nvPr/>
+        </p:nvSpPr>
+        <p:spPr>
+          <a:xfrm>
+            <a:off x="6298565" y="5392420"/>
+            <a:ext cx="3380740" cy="1156335"/>
+          </a:xfrm>
+          <a:prstGeom prst="rect">
+            <a:avLst/>
+          </a:prstGeom>
+        </p:spPr>
+        <p:txBody>
+          <a:bodyPr vert="horz" lIns="91440" tIns="45720" rIns="91440" bIns="45720" rtlCol="0" anchor="t">
+            <a:normAutofit lnSpcReduction="10000"/>
+          </a:bodyPr>
+          <a:lstStyle>
+            <a:lvl1pPr marL="0" indent="0" algn="r" defTabSz="457200" rtl="0" eaLnBrk="1" latinLnBrk="0" hangingPunct="1">
+              <a:spcBef>
+                <a:spcPts val="1000"/>
+              </a:spcBef>
+              <a:spcAft>
+                <a:spcPts val="0"/>
+              </a:spcAft>
+              <a:buClr>
+                <a:schemeClr val="accent1"/>
+              </a:buClr>
+              <a:buSzPct val="80000"/>
+              <a:buFont typeface="Wingdings 3" charset="2"/>
+              <a:buNone/>
+              <a:defRPr sz="1800" kern="1200">
+                <a:solidFill>
+                  <a:schemeClr val="tx1">
+                    <a:lumMod val="50000"/>
+                    <a:lumOff val="50000"/>
+                  </a:schemeClr>
+                </a:solidFill>
+                <a:latin typeface="+mn-lt"/>
+                <a:ea typeface="+mn-ea"/>
+                <a:cs typeface="+mn-cs"/>
+              </a:defRPr>
+            </a:lvl1pPr>
+            <a:lvl2pPr marL="457200" indent="0" algn="ctr" defTabSz="457200" rtl="0" eaLnBrk="1" latinLnBrk="0" hangingPunct="1">
+              <a:spcBef>
+                <a:spcPts val="1000"/>
+              </a:spcBef>
+              <a:spcAft>
+                <a:spcPts val="0"/>
+              </a:spcAft>
+              <a:buClr>
+                <a:schemeClr val="accent1"/>
+              </a:buClr>
+              <a:buSzPct val="80000"/>
+              <a:buFont typeface="Wingdings 3" charset="2"/>
+              <a:buNone/>
+              <a:defRPr sz="1600" kern="1200">
+                <a:solidFill>
+                  <a:schemeClr val="tx1">
+                    <a:tint val="75000"/>
+                  </a:schemeClr>
+                </a:solidFill>
+                <a:latin typeface="+mn-lt"/>
+                <a:ea typeface="+mn-ea"/>
+                <a:cs typeface="+mn-cs"/>
+              </a:defRPr>
+            </a:lvl2pPr>
+            <a:lvl3pPr marL="914400" indent="0" algn="ctr" defTabSz="457200" rtl="0" eaLnBrk="1" latinLnBrk="0" hangingPunct="1">
+              <a:spcBef>
+                <a:spcPts val="1000"/>
+              </a:spcBef>
+              <a:spcAft>
+                <a:spcPts val="0"/>
+              </a:spcAft>
+              <a:buClr>
+                <a:schemeClr val="accent1"/>
+              </a:buClr>
+              <a:buSzPct val="80000"/>
+              <a:buFont typeface="Wingdings 3" charset="2"/>
+              <a:buNone/>
+              <a:defRPr sz="1400" kern="1200">
+                <a:solidFill>
+                  <a:schemeClr val="tx1">
+                    <a:tint val="75000"/>
+                  </a:schemeClr>
+                </a:solidFill>
+                <a:latin typeface="+mn-lt"/>
+                <a:ea typeface="+mn-ea"/>
+                <a:cs typeface="+mn-cs"/>
+              </a:defRPr>
+            </a:lvl3pPr>
+            <a:lvl4pPr marL="1371600" indent="0" algn="ctr" defTabSz="457200" rtl="0" eaLnBrk="1" latinLnBrk="0" hangingPunct="1">
+              <a:spcBef>
+                <a:spcPts val="1000"/>
+              </a:spcBef>
+              <a:spcAft>
+                <a:spcPts val="0"/>
+              </a:spcAft>
+              <a:buClr>
+                <a:schemeClr val="accent1"/>
+              </a:buClr>
+              <a:buSzPct val="80000"/>
+              <a:buFont typeface="Wingdings 3" charset="2"/>
+              <a:buNone/>
+              <a:defRPr sz="1200" kern="1200">
+                <a:solidFill>
+                  <a:schemeClr val="tx1">
+                    <a:tint val="75000"/>
+                  </a:schemeClr>
+                </a:solidFill>
+                <a:latin typeface="+mn-lt"/>
+                <a:ea typeface="+mn-ea"/>
+                <a:cs typeface="+mn-cs"/>
+              </a:defRPr>
+            </a:lvl4pPr>
+            <a:lvl5pPr marL="1828800" indent="0" algn="ctr" defTabSz="457200" rtl="0" eaLnBrk="1" latinLnBrk="0" hangingPunct="1">
+              <a:spcBef>
+                <a:spcPts val="1000"/>
+              </a:spcBef>
+              <a:spcAft>
+                <a:spcPts val="0"/>
+              </a:spcAft>
+              <a:buClr>
+                <a:schemeClr val="accent1"/>
+              </a:buClr>
+              <a:buSzPct val="80000"/>
+              <a:buFont typeface="Wingdings 3" charset="2"/>
+              <a:buNone/>
+              <a:defRPr sz="1200" kern="1200">
+                <a:solidFill>
+                  <a:schemeClr val="tx1">
+                    <a:tint val="75000"/>
+                  </a:schemeClr>
+                </a:solidFill>
+                <a:latin typeface="+mn-lt"/>
+                <a:ea typeface="+mn-ea"/>
+                <a:cs typeface="+mn-cs"/>
+              </a:defRPr>
+            </a:lvl5pPr>
+            <a:lvl6pPr marL="2286000" indent="0" algn="ctr" defTabSz="457200" rtl="0" eaLnBrk="1" latinLnBrk="0" hangingPunct="1">
+              <a:spcBef>
+                <a:spcPts val="1000"/>
+              </a:spcBef>
+              <a:spcAft>
+                <a:spcPts val="0"/>
+              </a:spcAft>
+              <a:buClr>
+                <a:schemeClr val="accent1"/>
+              </a:buClr>
+              <a:buSzPct val="80000"/>
+              <a:buFont typeface="Wingdings 3" charset="2"/>
+              <a:buNone/>
+              <a:defRPr sz="1200" kern="1200">
+                <a:solidFill>
+                  <a:schemeClr val="tx1">
+                    <a:tint val="75000"/>
+                  </a:schemeClr>
+                </a:solidFill>
+                <a:latin typeface="+mn-lt"/>
+                <a:ea typeface="+mn-ea"/>
+                <a:cs typeface="+mn-cs"/>
+              </a:defRPr>
+            </a:lvl6pPr>
+            <a:lvl7pPr marL="2743200" indent="0" algn="ctr" defTabSz="457200" rtl="0" eaLnBrk="1" latinLnBrk="0" hangingPunct="1">
+              <a:spcBef>
+                <a:spcPts val="1000"/>
+              </a:spcBef>
+              <a:spcAft>
+                <a:spcPts val="0"/>
+              </a:spcAft>
+              <a:buClr>
+                <a:schemeClr val="accent1"/>
+              </a:buClr>
+              <a:buSzPct val="80000"/>
+              <a:buFont typeface="Wingdings 3" charset="2"/>
+              <a:buNone/>
+              <a:defRPr sz="1200" kern="1200">
+                <a:solidFill>
+                  <a:schemeClr val="tx1">
+                    <a:tint val="75000"/>
+                  </a:schemeClr>
+                </a:solidFill>
+                <a:latin typeface="+mn-lt"/>
+                <a:ea typeface="+mn-ea"/>
+                <a:cs typeface="+mn-cs"/>
+              </a:defRPr>
+            </a:lvl7pPr>
+            <a:lvl8pPr marL="3200400" indent="0" algn="ctr" defTabSz="457200" rtl="0" eaLnBrk="1" latinLnBrk="0" hangingPunct="1">
+              <a:spcBef>
+                <a:spcPts val="1000"/>
+              </a:spcBef>
+              <a:spcAft>
+                <a:spcPts val="0"/>
+              </a:spcAft>
+              <a:buClr>
+                <a:schemeClr val="accent1"/>
+              </a:buClr>
+              <a:buSzPct val="80000"/>
+              <a:buFont typeface="Wingdings 3" charset="2"/>
+              <a:buNone/>
+              <a:defRPr sz="1200" kern="1200">
+                <a:solidFill>
+                  <a:schemeClr val="tx1">
+                    <a:tint val="75000"/>
+                  </a:schemeClr>
+                </a:solidFill>
+                <a:latin typeface="+mn-lt"/>
+                <a:ea typeface="+mn-ea"/>
+                <a:cs typeface="+mn-cs"/>
+              </a:defRPr>
+            </a:lvl8pPr>
+            <a:lvl9pPr marL="3657600" indent="0" algn="ctr" defTabSz="457200" rtl="0" eaLnBrk="1" latinLnBrk="0" hangingPunct="1">
+              <a:spcBef>
+                <a:spcPts val="1000"/>
+              </a:spcBef>
+              <a:spcAft>
+                <a:spcPts val="0"/>
+              </a:spcAft>
+              <a:buClr>
+                <a:schemeClr val="accent1"/>
+              </a:buClr>
+              <a:buSzPct val="80000"/>
+              <a:buFont typeface="Wingdings 3" charset="2"/>
+              <a:buNone/>
+              <a:defRPr sz="1200" kern="1200">
+                <a:solidFill>
+                  <a:schemeClr val="tx1">
+                    <a:tint val="75000"/>
+                  </a:schemeClr>
+                </a:solidFill>
+                <a:latin typeface="+mn-lt"/>
+                <a:ea typeface="+mn-ea"/>
+                <a:cs typeface="+mn-cs"/>
+              </a:defRPr>
+            </a:lvl9pPr>
+          </a:lstStyle>
+          <a:p>
+            <a:pPr algn="l"/>
+            <a:r>
+              <a:rPr lang="es-MX" dirty="0" smtClean="0"/>
+              <a:t>Juan Daniel Cano Pasillas</a:t>
+            </a:r>
+            <a:endParaRPr lang="es-MX" dirty="0" smtClean="0"/>
+          </a:p>
+          <a:p>
+            <a:pPr algn="l"/>
+            <a:r>
+              <a:rPr lang="es-MX" dirty="0" smtClean="0"/>
+              <a:t>Juan Gerardo Adame Torres</a:t>
+            </a:r>
+            <a:endParaRPr lang="es-MX" dirty="0" smtClean="0"/>
+          </a:p>
+          <a:p>
+            <a:pPr algn="l"/>
+            <a:r>
+              <a:rPr lang="es-MX" dirty="0" smtClean="0"/>
+              <a:t>Raúl </a:t>
+            </a:r>
+            <a:r>
+              <a:rPr lang="es-MX" dirty="0" smtClean="0"/>
+              <a:t>Alejandro Lira Mesta</a:t>
+            </a:r>
+            <a:endParaRPr lang="es-MX" dirty="0" smtClean="0"/>
+          </a:p>
+          <a:p>
+            <a:pPr algn="l"/>
+            <a:endParaRPr lang="en-US" dirty="0" smtClean="0"/>
+          </a:p>
+        </p:txBody>
+      </p:sp>
+      <p:sp>
+        <p:nvSpPr>
+          <p:cNvPr id="8" name="Cuadro de texto 7"/>
+          <p:cNvSpPr txBox="1"/>
+          <p:nvPr/>
+        </p:nvSpPr>
+        <p:spPr>
+          <a:xfrm>
+            <a:off x="1303020" y="2941320"/>
+            <a:ext cx="9585960" cy="1322070"/>
+          </a:xfrm>
+          <a:prstGeom prst="rect">
+            <a:avLst/>
+          </a:prstGeom>
+          <a:noFill/>
+        </p:spPr>
+        <p:txBody>
+          <a:bodyPr wrap="square" rtlCol="0">
+            <a:spAutoFit/>
+          </a:bodyPr>
+          <a:p>
+            <a:pPr algn="ctr"/>
+            <a:r>
+              <a:rPr lang="es-MX" altLang="en-US" sz="4000">
+                <a:latin typeface="Bahnschrift Light SemiCondensed" panose="020B0502040204020203" charset="0"/>
+                <a:cs typeface="Bahnschrift Light SemiCondensed" panose="020B0502040204020203" charset="0"/>
+              </a:rPr>
+              <a:t>ANÁLISIS DE USER INTERFACE Y USER EXPERIENCE DE SPOTIFY</a:t>
+            </a:r>
+            <a:endParaRPr lang="es-MX" altLang="en-US" sz="4000">
+              <a:latin typeface="Bahnschrift Light SemiCondensed" panose="020B0502040204020203" charset="0"/>
+              <a:cs typeface="Bahnschrift Light SemiCondensed" panose="020B0502040204020203" charset="0"/>
+            </a:endParaRPr>
+          </a:p>
+        </p:txBody>
+      </p:sp>
+    </p:spTree>
+  </p:cSld>
+  <p:clrMapOvr>
+    <a:masterClrMapping/>
+  </p:clrMapOvr>
+  <p:transition>
+    <p:fade thruBlk="1"/>
+  </p:transition>
+  <p:timing>
+    <p:tnLst>
+      <p:par>
+        <p:cTn id="1" dur="indefinite" restart="never" nodeType="tmRoot">
+          <p:childTnLst>
+            <p:seq concurrent="1" nextAc="seek">
+              <p:cTn id="2" dur="indefinite" nodeType="mainSeq">
+                <p:childTnLst>
+                  <p:par>
+                    <p:cTn id="3" fill="hold">
+                      <p:stCondLst>
+                        <p:cond delay="indefinite"/>
+                        <p:cond evt="onBegin" delay="0">
+                          <p:tn val="2"/>
+                        </p:cond>
+                      </p:stCondLst>
+                      <p:childTnLst>
+                        <p:par>
+                          <p:cTn id="4" fill="hold">
+                            <p:stCondLst>
+                              <p:cond delay="0"/>
+                            </p:stCondLst>
+                            <p:childTnLst>
+                              <p:par>
+                                <p:cTn id="5" presetID="10" presetClass="entr" presetSubtype="0" fill="hold" nodeType="withEffect">
+                                  <p:stCondLst>
+                                    <p:cond delay="400"/>
+                                  </p:stCondLst>
+                                  <p:childTnLst>
+                                    <p:set>
+                                      <p:cBhvr>
+                                        <p:cTn id="6" dur="1" fill="hold">
+                                          <p:stCondLst>
+                                            <p:cond delay="0"/>
+                                          </p:stCondLst>
+                                        </p:cTn>
+                                        <p:tgtEl>
+                                          <p:spTgt spid="5"/>
+                                        </p:tgtEl>
+                                        <p:attrNameLst>
+                                          <p:attrName>style.visibility</p:attrName>
+                                        </p:attrNameLst>
+                                      </p:cBhvr>
+                                      <p:to>
+                                        <p:strVal val="visible"/>
+                                      </p:to>
+                                    </p:set>
+                                    <p:animEffect transition="in" filter="fade">
+                                      <p:cBhvr>
+                                        <p:cTn id="7" dur="500"/>
+                                        <p:tgtEl>
+                                          <p:spTgt spid="5"/>
+                                        </p:tgtEl>
+                                      </p:cBhvr>
+                                    </p:animEffect>
+                                  </p:childTnLst>
+                                </p:cTn>
+                              </p:par>
+                              <p:par>
+                                <p:cTn id="8" presetID="10" presetClass="entr" presetSubtype="0" fill="hold" grpId="1" nodeType="withEffect">
+                                  <p:stCondLst>
+                                    <p:cond delay="400"/>
+                                  </p:stCondLst>
+                                  <p:childTnLst>
+                                    <p:set>
+                                      <p:cBhvr>
+                                        <p:cTn id="9" dur="1" fill="hold">
+                                          <p:stCondLst>
+                                            <p:cond delay="0"/>
+                                          </p:stCondLst>
+                                        </p:cTn>
+                                        <p:tgtEl>
+                                          <p:spTgt spid="8"/>
+                                        </p:tgtEl>
+                                        <p:attrNameLst>
+                                          <p:attrName>style.visibility</p:attrName>
+                                        </p:attrNameLst>
+                                      </p:cBhvr>
+                                      <p:to>
+                                        <p:strVal val="visible"/>
+                                      </p:to>
+                                    </p:set>
+                                    <p:animEffect transition="in" filter="fade">
+                                      <p:cBhvr>
+                                        <p:cTn id="10" dur="500"/>
+                                        <p:tgtEl>
+                                          <p:spTgt spid="8"/>
+                                        </p:tgtEl>
+                                      </p:cBhvr>
+                                    </p:animEffect>
+                                  </p:childTnLst>
+                                </p:cTn>
+                              </p:par>
+                            </p:childTnLst>
+                          </p:cTn>
+                        </p:par>
+                        <p:par>
+                          <p:cTn id="11" fill="hold">
+                            <p:stCondLst>
+                              <p:cond delay="900"/>
+                            </p:stCondLst>
+                            <p:childTnLst>
+                              <p:par>
+                                <p:cTn id="12" presetID="10" presetClass="entr" presetSubtype="0" fill="hold" grpId="0" nodeType="afterEffect">
+                                  <p:stCondLst>
+                                    <p:cond delay="0"/>
+                                  </p:stCondLst>
+                                  <p:childTnLst>
+                                    <p:set>
+                                      <p:cBhvr>
+                                        <p:cTn id="13" dur="1" fill="hold">
+                                          <p:stCondLst>
+                                            <p:cond delay="0"/>
+                                          </p:stCondLst>
+                                        </p:cTn>
+                                        <p:tgtEl>
+                                          <p:spTgt spid="3">
+                                            <p:txEl>
+                                              <p:pRg st="0" end="0"/>
+                                            </p:txEl>
+                                          </p:spTgt>
+                                        </p:tgtEl>
+                                        <p:attrNameLst>
+                                          <p:attrName>style.visibility</p:attrName>
+                                        </p:attrNameLst>
+                                      </p:cBhvr>
+                                      <p:to>
+                                        <p:strVal val="visible"/>
+                                      </p:to>
+                                    </p:set>
+                                    <p:animEffect transition="in" filter="fade">
+                                      <p:cBhvr>
+                                        <p:cTn id="14" dur="500"/>
+                                        <p:tgtEl>
+                                          <p:spTgt spid="3">
+                                            <p:txEl>
+                                              <p:pRg st="0" end="0"/>
+                                            </p:txEl>
+                                          </p:spTgt>
+                                        </p:tgtEl>
+                                      </p:cBhvr>
+                                    </p:animEffect>
+                                  </p:childTnLst>
+                                </p:cTn>
+                              </p:par>
+                            </p:childTnLst>
+                          </p:cTn>
+                        </p:par>
+                        <p:par>
+                          <p:cTn id="15" fill="hold">
+                            <p:stCondLst>
+                              <p:cond delay="1400"/>
+                            </p:stCondLst>
+                            <p:childTnLst>
+                              <p:par>
+                                <p:cTn id="16" presetID="10" presetClass="entr" presetSubtype="0" fill="hold" grpId="0" nodeType="afterEffect">
+                                  <p:stCondLst>
+                                    <p:cond delay="0"/>
+                                  </p:stCondLst>
+                                  <p:childTnLst>
+                                    <p:set>
+                                      <p:cBhvr>
+                                        <p:cTn id="17" dur="1" fill="hold">
+                                          <p:stCondLst>
+                                            <p:cond delay="0"/>
+                                          </p:stCondLst>
+                                        </p:cTn>
+                                        <p:tgtEl>
+                                          <p:spTgt spid="3">
+                                            <p:txEl>
+                                              <p:pRg st="1" end="1"/>
+                                            </p:txEl>
+                                          </p:spTgt>
+                                        </p:tgtEl>
+                                        <p:attrNameLst>
+                                          <p:attrName>style.visibility</p:attrName>
+                                        </p:attrNameLst>
+                                      </p:cBhvr>
+                                      <p:to>
+                                        <p:strVal val="visible"/>
+                                      </p:to>
+                                    </p:set>
+                                    <p:animEffect transition="in" filter="fade">
+                                      <p:cBhvr>
+                                        <p:cTn id="18" dur="500"/>
+                                        <p:tgtEl>
+                                          <p:spTgt spid="3">
+                                            <p:txEl>
+                                              <p:pRg st="1" end="1"/>
+                                            </p:txEl>
+                                          </p:spTgt>
+                                        </p:tgtEl>
+                                      </p:cBhvr>
+                                    </p:animEffect>
+                                  </p:childTnLst>
+                                </p:cTn>
+                              </p:par>
+                            </p:childTnLst>
+                          </p:cTn>
+                        </p:par>
+                        <p:par>
+                          <p:cTn id="19" fill="hold">
+                            <p:stCondLst>
+                              <p:cond delay="1900"/>
+                            </p:stCondLst>
+                            <p:childTnLst>
+                              <p:par>
+                                <p:cTn id="20" presetID="10" presetClass="entr" presetSubtype="0" fill="hold" grpId="0" nodeType="afterEffect">
+                                  <p:stCondLst>
+                                    <p:cond delay="0"/>
+                                  </p:stCondLst>
+                                  <p:childTnLst>
+                                    <p:set>
+                                      <p:cBhvr>
+                                        <p:cTn id="21" dur="1" fill="hold">
+                                          <p:stCondLst>
+                                            <p:cond delay="0"/>
+                                          </p:stCondLst>
+                                        </p:cTn>
+                                        <p:tgtEl>
+                                          <p:spTgt spid="3">
+                                            <p:txEl>
+                                              <p:pRg st="2" end="2"/>
+                                            </p:txEl>
+                                          </p:spTgt>
+                                        </p:tgtEl>
+                                        <p:attrNameLst>
+                                          <p:attrName>style.visibility</p:attrName>
+                                        </p:attrNameLst>
+                                      </p:cBhvr>
+                                      <p:to>
+                                        <p:strVal val="visible"/>
+                                      </p:to>
+                                    </p:set>
+                                    <p:animEffect transition="in" filter="fade">
+                                      <p:cBhvr>
+                                        <p:cTn id="22" dur="500"/>
+                                        <p:tgtEl>
+                                          <p:spTgt spid="3">
+                                            <p:txEl>
+                                              <p:pRg st="2" end="2"/>
+                                            </p:txEl>
+                                          </p:spTgt>
+                                        </p:tgtEl>
+                                      </p:cBhvr>
+                                    </p:animEffect>
+                                  </p:childTnLst>
+                                </p:cTn>
+                              </p:par>
+                              <p:par>
+                                <p:cTn id="23" presetID="10" presetClass="entr" presetSubtype="0" fill="hold" grpId="0" nodeType="withEffect">
+                                  <p:stCondLst>
+                                    <p:cond delay="0"/>
+                                  </p:stCondLst>
+                                  <p:childTnLst>
+                                    <p:set>
+                                      <p:cBhvr>
+                                        <p:cTn id="24" dur="1" fill="hold">
+                                          <p:stCondLst>
+                                            <p:cond delay="0"/>
+                                          </p:stCondLst>
+                                        </p:cTn>
+                                        <p:tgtEl>
+                                          <p:spTgt spid="7"/>
+                                        </p:tgtEl>
+                                        <p:attrNameLst>
+                                          <p:attrName>style.visibility</p:attrName>
+                                        </p:attrNameLst>
+                                      </p:cBhvr>
+                                      <p:to>
+                                        <p:strVal val="visible"/>
+                                      </p:to>
+                                    </p:set>
+                                    <p:animEffect transition="in" filter="fade">
+                                      <p:cBhvr>
+                                        <p:cTn id="25" dur="500"/>
+                                        <p:tgtEl>
+                                          <p:spTgt spid="7"/>
+                                        </p:tgtEl>
+                                      </p:cBhvr>
+                                    </p:animEffect>
+                                  </p:childTnLst>
+                                </p:cTn>
+                              </p:par>
+                            </p:childTnLst>
+                          </p:cTn>
+                        </p:par>
+                      </p:childTnLst>
+                    </p:cTn>
+                  </p:par>
+                </p:childTnLst>
+              </p:cTn>
+              <p:prevCondLst>
+                <p:cond evt="onPrev" delay="0">
+                  <p:tgtEl>
+                    <p:sldTgt/>
+                  </p:tgtEl>
+                </p:cond>
+              </p:prevCondLst>
+              <p:nextCondLst>
+                <p:cond evt="onNext" delay="0">
+                  <p:tgtEl>
+                    <p:sldTgt/>
+                  </p:tgtEl>
+                </p:cond>
+              </p:nextCondLst>
+            </p:seq>
+          </p:childTnLst>
+        </p:cTn>
+      </p:par>
+    </p:tnLst>
+    <p:bldLst>
+      <p:bldP spid="8" grpId="1"/>
+      <p:bldP spid="3" grpId="0" uiExpand="1" build="p"/>
+      <p:bldP spid="7" grpId="0"/>
+    </p:bldLst>
+  </p:timing>
+</p:sld>
+</file>
+
+<file path=ppt/slides/slide2.xml><?xml version="1.0" encoding="utf-8"?>
+<p:sld xmlns:a="http://schemas.openxmlformats.org/drawingml/2006/main" xmlns:r="http://schemas.openxmlformats.org/officeDocument/2006/relationships" xmlns:p="http://schemas.openxmlformats.org/presentationml/2006/main" showMasterSp="0">
+  <p:cSld>
+    <p:spTree>
+      <p:nvGrpSpPr>
+        <p:cNvPr id="1" name=""/>
+        <p:cNvGrpSpPr/>
+        <p:nvPr/>
+      </p:nvGrpSpPr>
+      <p:grpSpPr>
+        <a:xfrm>
+          <a:off x="0" y="0"/>
+          <a:ext cx="0" cy="0"/>
+          <a:chOff x="0" y="0"/>
+          <a:chExt cx="0" cy="0"/>
+        </a:xfrm>
+      </p:grpSpPr>
+      <p:sp>
+        <p:nvSpPr>
+          <p:cNvPr id="2" name="Título 1"/>
+          <p:cNvSpPr>
+            <a:spLocks noGrp="1"/>
+          </p:cNvSpPr>
+          <p:nvPr>
+            <p:ph type="title"/>
+          </p:nvPr>
+        </p:nvSpPr>
+        <p:spPr>
+          <a:xfrm>
+            <a:off x="610870" y="540385"/>
+            <a:ext cx="3671570" cy="859155"/>
+          </a:xfrm>
+        </p:spPr>
+        <p:txBody>
           <a:bodyPr/>
           <a:lstStyle/>
           <a:p>
-            <a:pPr algn="ctr"/>
-            <a:r>
-              <a:rPr lang="en-US" dirty="0" smtClean="0"/>
-              <a:t>Spotify</a:t>
-            </a:r>
-            <a:endParaRPr lang="en-US" dirty="0"/>
-          </a:p>
-        </p:txBody>
-      </p:sp>
-      <p:sp>
-        <p:nvSpPr>
-          <p:cNvPr id="3" name="Subtítulo 2"/>
-          <p:cNvSpPr>
-            <a:spLocks noGrp="1"/>
-          </p:cNvSpPr>
-          <p:nvPr>
-            <p:ph type="subTitle" idx="1"/>
-          </p:nvPr>
-        </p:nvSpPr>
+            <a:r>
+              <a:rPr lang="es-MX" u="sng" dirty="0" smtClean="0">
+                <a:solidFill>
+                  <a:schemeClr val="tx1"/>
+                </a:solidFill>
+                <a:latin typeface="Bahnschrift Light SemiCondensed" panose="020B0502040204020203" charset="0"/>
+                <a:cs typeface="Bahnschrift Light SemiCondensed" panose="020B0502040204020203" charset="0"/>
+              </a:rPr>
+              <a:t>Página principal</a:t>
+            </a:r>
+            <a:endParaRPr lang="es-MX" u="sng" dirty="0" smtClean="0">
+              <a:solidFill>
+                <a:schemeClr val="tx1"/>
+              </a:solidFill>
+              <a:latin typeface="Bahnschrift Light SemiCondensed" panose="020B0502040204020203" charset="0"/>
+              <a:cs typeface="Bahnschrift Light SemiCondensed" panose="020B0502040204020203" charset="0"/>
+            </a:endParaRPr>
+          </a:p>
+        </p:txBody>
+      </p:sp>
+      <p:pic>
+        <p:nvPicPr>
+          <p:cNvPr id="4" name="Marcador de contenido 3"/>
+          <p:cNvPicPr>
+            <a:picLocks noGrp="1" noChangeAspect="1"/>
+          </p:cNvPicPr>
+          <p:nvPr>
+            <p:ph idx="1"/>
+          </p:nvPr>
+        </p:nvPicPr>
+        <p:blipFill>
+          <a:blip r:embed="rId1" cstate="print">
+            <a:extLst>
+              <a:ext uri="{28A0092B-C50C-407E-A947-70E740481C1C}">
+                <a14:useLocalDpi xmlns:a14="http://schemas.microsoft.com/office/drawing/2010/main" val="0"/>
+              </a:ext>
+            </a:extLst>
+          </a:blip>
+          <a:stretch>
+            <a:fillRect/>
+          </a:stretch>
+        </p:blipFill>
         <p:spPr>
           <a:xfrm>
-            <a:off x="1507067" y="4050833"/>
-            <a:ext cx="7766936" cy="2494346"/>
+            <a:off x="4812665" y="10160"/>
+            <a:ext cx="7371080" cy="6830060"/>
+          </a:xfrm>
+        </p:spPr>
+      </p:pic>
+      <p:sp>
+        <p:nvSpPr>
+          <p:cNvPr id="5" name="CuadroTexto 4"/>
+          <p:cNvSpPr txBox="1"/>
+          <p:nvPr/>
+        </p:nvSpPr>
+        <p:spPr>
+          <a:xfrm>
+            <a:off x="610870" y="1398905"/>
+            <a:ext cx="3444240" cy="4831080"/>
+          </a:xfrm>
+          <a:prstGeom prst="rect">
+            <a:avLst/>
+          </a:prstGeom>
+          <a:noFill/>
+        </p:spPr>
+        <p:txBody>
+          <a:bodyPr wrap="square" rtlCol="0">
+            <a:spAutoFit/>
+          </a:bodyPr>
+          <a:lstStyle/>
+          <a:p>
+            <a:r>
+              <a:rPr lang="es-MX" sz="2400" dirty="0" smtClean="0"/>
+              <a:t>UX</a:t>
+            </a:r>
+            <a:endParaRPr lang="es-MX" sz="2000" dirty="0" smtClean="0"/>
+          </a:p>
+          <a:p>
+            <a:r>
+              <a:rPr lang="es-MX" sz="2000" dirty="0" smtClean="0"/>
+              <a:t>Tiene una gamma de colores llamativos y un acceso fácil para crear una cuenta nueva o iniciar una cuenta existente, además de una interfaz limpia.</a:t>
+            </a:r>
+            <a:endParaRPr lang="es-MX" sz="2000" dirty="0" smtClean="0"/>
+          </a:p>
+          <a:p>
+            <a:endParaRPr lang="es-MX" sz="2000" dirty="0" smtClean="0"/>
+          </a:p>
+          <a:p>
+            <a:r>
+              <a:rPr lang="es-MX" sz="2400" dirty="0" smtClean="0"/>
+              <a:t>UI</a:t>
+            </a:r>
+            <a:endParaRPr lang="es-MX" sz="2000" dirty="0" smtClean="0"/>
+          </a:p>
+          <a:p>
+            <a:r>
+              <a:rPr lang="es-MX" sz="2000" dirty="0" smtClean="0"/>
+              <a:t>Tiene una barra de navegación con las opciones mas imprescindibles, un botón, pie de página con opciones más información sobre la compañía</a:t>
+            </a:r>
+            <a:endParaRPr lang="es-MX" sz="2000" dirty="0"/>
+          </a:p>
+        </p:txBody>
+      </p:sp>
+    </p:spTree>
+  </p:cSld>
+  <p:clrMapOvr>
+    <a:masterClrMapping/>
+  </p:clrMapOvr>
+  <p:transition>
+    <p:fade thruBlk="1"/>
+  </p:transition>
+  <p:timing>
+    <p:tnLst>
+      <p:par>
+        <p:cTn id="1" dur="indefinite" restart="never" nodeType="tmRoot"/>
+      </p:par>
+    </p:tnLst>
+  </p:timing>
+</p:sld>
+</file>
+
+<file path=ppt/slides/slide3.xml><?xml version="1.0" encoding="utf-8"?>
+<p:sld xmlns:a="http://schemas.openxmlformats.org/drawingml/2006/main" xmlns:r="http://schemas.openxmlformats.org/officeDocument/2006/relationships" xmlns:p="http://schemas.openxmlformats.org/presentationml/2006/main" showMasterSp="0">
+  <p:cSld>
+    <p:spTree>
+      <p:nvGrpSpPr>
+        <p:cNvPr id="1" name=""/>
+        <p:cNvGrpSpPr/>
+        <p:nvPr/>
+      </p:nvGrpSpPr>
+      <p:grpSpPr>
+        <a:xfrm>
+          <a:off x="0" y="0"/>
+          <a:ext cx="0" cy="0"/>
+          <a:chOff x="0" y="0"/>
+          <a:chExt cx="0" cy="0"/>
+        </a:xfrm>
+      </p:grpSpPr>
+      <p:sp>
+        <p:nvSpPr>
+          <p:cNvPr id="2" name="Título 1"/>
+          <p:cNvSpPr>
+            <a:spLocks noGrp="1"/>
+          </p:cNvSpPr>
+          <p:nvPr>
+            <p:ph type="title"/>
+          </p:nvPr>
+        </p:nvSpPr>
+        <p:spPr>
+          <a:xfrm>
+            <a:off x="4001135" y="132715"/>
+            <a:ext cx="4159885" cy="923290"/>
           </a:xfrm>
         </p:spPr>
         <p:txBody>
@@ -5870,54 +6901,178 @@
           </a:bodyPr>
           <a:lstStyle/>
           <a:p>
-            <a:r>
-              <a:rPr lang="es-MX" dirty="0" smtClean="0"/>
-              <a:t>Presentación:</a:t>
-            </a:r>
-            <a:endParaRPr lang="es-MX" dirty="0" smtClean="0"/>
-          </a:p>
-          <a:p>
-            <a:r>
-              <a:rPr lang="es-MX" dirty="0" smtClean="0"/>
-              <a:t>Juan Enrique Espinoza de los Santos</a:t>
-            </a:r>
-          </a:p>
-          <a:p>
-            <a:r>
-              <a:rPr lang="es-MX" dirty="0" smtClean="0"/>
-              <a:t>Juan Angel Reyes Lista</a:t>
-            </a:r>
-          </a:p>
-          <a:p>
-            <a:r>
-              <a:rPr lang="es-MX" dirty="0" smtClean="0"/>
-              <a:t>Juan Daniel Cano Pasillas</a:t>
-            </a:r>
-          </a:p>
-          <a:p>
-            <a:r>
-              <a:rPr lang="es-MX" dirty="0" smtClean="0"/>
-              <a:t>Juan Gerardo Adame Torres</a:t>
-            </a:r>
-          </a:p>
-          <a:p>
-            <a:r>
-              <a:rPr lang="es-MX" dirty="0" smtClean="0"/>
-              <a:t>Raúl </a:t>
-            </a:r>
-            <a:r>
-              <a:rPr lang="es-MX" dirty="0" smtClean="0"/>
-              <a:t>Alejandro Lira Mesta</a:t>
-            </a:r>
-          </a:p>
-          <a:p>
-            <a:endParaRPr lang="en-US" dirty="0" smtClean="0"/>
+            <a:pPr algn="ctr"/>
+            <a:r>
+              <a:rPr lang="es-MX" sz="4000" u="sng" dirty="0" smtClean="0">
+                <a:solidFill>
+                  <a:schemeClr val="tx1"/>
+                </a:solidFill>
+                <a:effectLst/>
+              </a:rPr>
+              <a:t>Interfaz</a:t>
+            </a:r>
+            <a:endParaRPr lang="es-MX" sz="4000" u="sng" dirty="0" smtClean="0">
+              <a:solidFill>
+                <a:schemeClr val="tx1"/>
+              </a:solidFill>
+              <a:effectLst/>
+            </a:endParaRPr>
           </a:p>
         </p:txBody>
       </p:sp>
       <p:pic>
         <p:nvPicPr>
-          <p:cNvPr id="4" name="Imagen 3"/>
+          <p:cNvPr id="4" name="Marcador de contenido 3"/>
+          <p:cNvPicPr>
+            <a:picLocks noGrp="1" noChangeAspect="1"/>
+          </p:cNvPicPr>
+          <p:nvPr>
+            <p:ph idx="1"/>
+          </p:nvPr>
+        </p:nvPicPr>
+        <p:blipFill>
+          <a:blip r:embed="rId1" cstate="print">
+            <a:extLst>
+              <a:ext uri="{28A0092B-C50C-407E-A947-70E740481C1C}">
+                <a14:useLocalDpi xmlns:a14="http://schemas.microsoft.com/office/drawing/2010/main" val="0"/>
+              </a:ext>
+            </a:extLst>
+          </a:blip>
+          <a:stretch>
+            <a:fillRect/>
+          </a:stretch>
+        </p:blipFill>
+        <p:spPr>
+          <a:xfrm>
+            <a:off x="6191885" y="902335"/>
+            <a:ext cx="6033135" cy="3060700"/>
+          </a:xfrm>
+        </p:spPr>
+      </p:pic>
+      <p:sp>
+        <p:nvSpPr>
+          <p:cNvPr id="7" name="CuadroTexto 6"/>
+          <p:cNvSpPr txBox="1"/>
+          <p:nvPr/>
+        </p:nvSpPr>
+        <p:spPr>
+          <a:xfrm>
+            <a:off x="200660" y="4052570"/>
+            <a:ext cx="5711825" cy="2368550"/>
+          </a:xfrm>
+          <a:prstGeom prst="rect">
+            <a:avLst/>
+          </a:prstGeom>
+          <a:noFill/>
+        </p:spPr>
+        <p:txBody>
+          <a:bodyPr wrap="square" rtlCol="0">
+            <a:spAutoFit/>
+          </a:bodyPr>
+          <a:lstStyle/>
+          <a:p>
+            <a:r>
+              <a:rPr lang="es-MX" sz="2000" dirty="0" smtClean="0"/>
+              <a:t>UX</a:t>
+            </a:r>
+            <a:endParaRPr lang="es-MX" dirty="0" smtClean="0"/>
+          </a:p>
+          <a:p>
+            <a:r>
+              <a:rPr lang="es-MX" dirty="0" smtClean="0"/>
+              <a:t>Cuenta con un inicio fácil de comprender. Los apartados de la parte superior brindan accesos claros y la interfaz muestra recomendaciones acordes.</a:t>
+            </a:r>
+            <a:endParaRPr lang="es-MX" dirty="0" smtClean="0"/>
+          </a:p>
+          <a:p>
+            <a:r>
+              <a:rPr lang="es-MX" sz="2000" dirty="0" smtClean="0"/>
+              <a:t>UI</a:t>
+            </a:r>
+            <a:endParaRPr lang="es-MX" dirty="0" smtClean="0"/>
+          </a:p>
+          <a:p>
+            <a:r>
+              <a:rPr lang="es-MX" dirty="0" smtClean="0">
+                <a:sym typeface="+mn-ea"/>
+              </a:rPr>
+              <a:t>Se muestran de forma directa f</a:t>
+            </a:r>
+            <a:r>
+              <a:rPr lang="es-MX" dirty="0" smtClean="0"/>
+              <a:t>unciones como el inicio de sesión y registro de nueva cuenta y muestra que </a:t>
+            </a:r>
+            <a:r>
+              <a:rPr lang="es-MX" dirty="0" smtClean="0">
+                <a:sym typeface="+mn-ea"/>
+              </a:rPr>
+              <a:t>el registro</a:t>
+            </a:r>
+            <a:r>
+              <a:rPr lang="es-MX" dirty="0" smtClean="0"/>
+              <a:t> es gratuito.</a:t>
+            </a:r>
+            <a:endParaRPr lang="es-MX" dirty="0"/>
+          </a:p>
+        </p:txBody>
+      </p:sp>
+      <p:sp>
+        <p:nvSpPr>
+          <p:cNvPr id="8" name="Rectángulo 7"/>
+          <p:cNvSpPr/>
+          <p:nvPr/>
+        </p:nvSpPr>
+        <p:spPr>
+          <a:xfrm>
+            <a:off x="6191885" y="4051300"/>
+            <a:ext cx="5822950" cy="2122805"/>
+          </a:xfrm>
+          <a:prstGeom prst="rect">
+            <a:avLst/>
+          </a:prstGeom>
+        </p:spPr>
+        <p:txBody>
+          <a:bodyPr wrap="square">
+            <a:spAutoFit/>
+          </a:bodyPr>
+          <a:lstStyle/>
+          <a:p>
+            <a:r>
+              <a:rPr lang="es-MX" sz="2000" dirty="0" smtClean="0"/>
+              <a:t>UX</a:t>
+            </a:r>
+            <a:endParaRPr lang="es-MX" sz="2000" dirty="0" smtClean="0"/>
+          </a:p>
+          <a:p>
+            <a:r>
+              <a:rPr lang="es-MX" dirty="0" smtClean="0"/>
+              <a:t>Brinda fácil acceso a las listas de reproducción personalizadas del usuario y recomendaciones.</a:t>
+            </a:r>
+            <a:endParaRPr lang="es-MX" dirty="0" smtClean="0"/>
+          </a:p>
+          <a:p>
+            <a:r>
+              <a:rPr lang="es-MX" sz="2000" dirty="0" smtClean="0"/>
+              <a:t>UI</a:t>
+            </a:r>
+            <a:endParaRPr lang="es-MX" sz="2000" dirty="0" smtClean="0"/>
+          </a:p>
+          <a:p>
+            <a:r>
+              <a:rPr lang="es-MX" sz="2000" dirty="0" smtClean="0"/>
+              <a:t>L</a:t>
+            </a:r>
+            <a:r>
+              <a:rPr lang="es-MX" dirty="0" smtClean="0"/>
+              <a:t>a interfaz muestra listas creadas en base a los gustos del usuario, listas creadas o guardadas por el mismo, su biblioteca personal y un buscador.</a:t>
+            </a:r>
+            <a:endParaRPr lang="es-MX" dirty="0"/>
+          </a:p>
+        </p:txBody>
+      </p:sp>
+      <p:pic>
+        <p:nvPicPr>
+          <p:cNvPr id="9" name="Imagen 8"/>
           <p:cNvPicPr>
             <a:picLocks noChangeAspect="1"/>
           </p:cNvPicPr>
@@ -5937,8 +7092,8 @@
         </p:blipFill>
         <p:spPr>
           <a:xfrm>
-            <a:off x="4327353" y="1752804"/>
-            <a:ext cx="2370221" cy="2370221"/>
+            <a:off x="-17780" y="902335"/>
+            <a:ext cx="6033135" cy="3060700"/>
           </a:xfrm>
           <a:prstGeom prst="rect">
             <a:avLst/>
@@ -5946,15 +7101,13 @@
         </p:spPr>
       </p:pic>
     </p:spTree>
-    <p:extLst>
-      <p:ext uri="{BB962C8B-B14F-4D97-AF65-F5344CB8AC3E}">
-        <p14:creationId xmlns:p14="http://schemas.microsoft.com/office/powerpoint/2010/main" val="1067535454"/>
-      </p:ext>
-    </p:extLst>
   </p:cSld>
   <p:clrMapOvr>
     <a:masterClrMapping/>
   </p:clrMapOvr>
+  <p:transition>
+    <p:fade thruBlk="1"/>
+  </p:transition>
   <p:timing>
     <p:tnLst>
       <p:par>
@@ -5965,8 +7118,8 @@
 </p:sld>
 </file>
 
-<file path=ppt/slides/slide2.xml><?xml version="1.0" encoding="utf-8"?>
-<p:sld xmlns:a="http://schemas.openxmlformats.org/drawingml/2006/main" xmlns:r="http://schemas.openxmlformats.org/officeDocument/2006/relationships" xmlns:p="http://schemas.openxmlformats.org/presentationml/2006/main">
+<file path=ppt/slides/slide4.xml><?xml version="1.0" encoding="utf-8"?>
+<p:sld xmlns:a="http://schemas.openxmlformats.org/drawingml/2006/main" xmlns:r="http://schemas.openxmlformats.org/officeDocument/2006/relationships" xmlns:p="http://schemas.openxmlformats.org/presentationml/2006/main" showMasterSp="0">
   <p:cSld>
     <p:spTree>
       <p:nvGrpSpPr>
@@ -5992,16 +7145,33 @@
             <p:ph type="title"/>
           </p:nvPr>
         </p:nvSpPr>
-        <p:spPr/>
+        <p:spPr>
+          <a:xfrm>
+            <a:off x="677334" y="845185"/>
+            <a:ext cx="8596668" cy="1320800"/>
+          </a:xfrm>
+        </p:spPr>
         <p:txBody>
           <a:bodyPr/>
           <a:lstStyle/>
           <a:p>
             <a:r>
-              <a:rPr lang="es-MX" dirty="0" smtClean="0"/>
-              <a:t>Pagina principal</a:t>
-            </a:r>
-            <a:endParaRPr lang="es-MX" dirty="0"/>
+              <a:rPr lang="es-MX" u="sng" dirty="0" smtClean="0">
+                <a:solidFill>
+                  <a:schemeClr val="tx1"/>
+                </a:solidFill>
+                <a:latin typeface="Bahnschrift Light SemiCondensed" panose="020B0502040204020203" charset="0"/>
+                <a:cs typeface="Bahnschrift Light SemiCondensed" panose="020B0502040204020203" charset="0"/>
+              </a:rPr>
+              <a:t>Crear cuenta</a:t>
+            </a:r>
+            <a:endParaRPr lang="es-MX" u="sng" dirty="0" smtClean="0">
+              <a:solidFill>
+                <a:schemeClr val="tx1"/>
+              </a:solidFill>
+              <a:latin typeface="Bahnschrift Light SemiCondensed" panose="020B0502040204020203" charset="0"/>
+              <a:cs typeface="Bahnschrift Light SemiCondensed" panose="020B0502040204020203" charset="0"/>
+            </a:endParaRPr>
           </a:p>
         </p:txBody>
       </p:sp>
@@ -6014,6 +7184,586 @@
           <p:nvPr>
             <p:ph idx="1"/>
           </p:nvPr>
+        </p:nvPicPr>
+        <p:blipFill rotWithShape="1">
+          <a:blip r:embed="rId1" cstate="print">
+            <a:extLst>
+              <a:ext uri="{28A0092B-C50C-407E-A947-70E740481C1C}">
+                <a14:useLocalDpi xmlns:a14="http://schemas.microsoft.com/office/drawing/2010/main" val="0"/>
+              </a:ext>
+            </a:extLst>
+          </a:blip>
+          <a:srcRect l="13505" r="13205"/>
+          <a:stretch>
+            <a:fillRect/>
+          </a:stretch>
+        </p:blipFill>
+        <p:spPr>
+          <a:xfrm>
+            <a:off x="5730240" y="5715"/>
+            <a:ext cx="6449060" cy="6823710"/>
+          </a:xfrm>
+        </p:spPr>
+      </p:pic>
+      <p:sp>
+        <p:nvSpPr>
+          <p:cNvPr id="5" name="CuadroTexto 4"/>
+          <p:cNvSpPr txBox="1"/>
+          <p:nvPr/>
+        </p:nvSpPr>
+        <p:spPr>
+          <a:xfrm>
+            <a:off x="677545" y="1930400"/>
+            <a:ext cx="4531360" cy="3753485"/>
+          </a:xfrm>
+          <a:prstGeom prst="rect">
+            <a:avLst/>
+          </a:prstGeom>
+          <a:noFill/>
+        </p:spPr>
+        <p:txBody>
+          <a:bodyPr wrap="square" rtlCol="0">
+            <a:spAutoFit/>
+          </a:bodyPr>
+          <a:lstStyle/>
+          <a:p>
+            <a:r>
+              <a:rPr lang="es-MX" sz="2000" dirty="0" smtClean="0"/>
+              <a:t>UX</a:t>
+            </a:r>
+            <a:endParaRPr lang="es-MX" dirty="0" smtClean="0"/>
+          </a:p>
+          <a:p>
+            <a:r>
+              <a:rPr lang="es-MX" dirty="0" smtClean="0"/>
+              <a:t>La creación de una nueva cuenta es sencilla pero muy completa además de contar con la opcion de registrarse a </a:t>
+            </a:r>
+            <a:r>
+              <a:rPr lang="es-MX" dirty="0" err="1" smtClean="0"/>
+              <a:t>travez</a:t>
+            </a:r>
+            <a:r>
+              <a:rPr lang="es-MX" dirty="0" smtClean="0"/>
+              <a:t> de una cuenta de Facebook.</a:t>
+            </a:r>
+            <a:endParaRPr lang="es-MX" dirty="0" smtClean="0"/>
+          </a:p>
+          <a:p>
+            <a:endParaRPr lang="es-MX" dirty="0" smtClean="0"/>
+          </a:p>
+          <a:p>
+            <a:r>
+              <a:rPr lang="es-MX" sz="2000" dirty="0" smtClean="0"/>
+              <a:t>UI</a:t>
+            </a:r>
+            <a:endParaRPr lang="es-MX" dirty="0" smtClean="0"/>
+          </a:p>
+          <a:p>
+            <a:r>
+              <a:rPr lang="es-MX" dirty="0" smtClean="0"/>
+              <a:t>Principalmente cuenta un botón para ligar una nueva cuenta </a:t>
+            </a:r>
+            <a:r>
+              <a:rPr lang="es-MX" dirty="0" err="1" smtClean="0"/>
+              <a:t>spotify</a:t>
+            </a:r>
+            <a:r>
+              <a:rPr lang="es-MX" dirty="0" smtClean="0"/>
+              <a:t> con una cuenta de Facebook ya existente, el registro requiere datos básicos como e-mail, contraseña, sexo, </a:t>
+            </a:r>
+            <a:r>
+              <a:rPr lang="es-MX" dirty="0" err="1" smtClean="0"/>
+              <a:t>etc</a:t>
+            </a:r>
+            <a:r>
+              <a:rPr lang="es-MX" dirty="0" smtClean="0"/>
+              <a:t>, además de la confirmación de “no soy un robot”</a:t>
+            </a:r>
+            <a:endParaRPr lang="es-MX" dirty="0"/>
+          </a:p>
+        </p:txBody>
+      </p:sp>
+    </p:spTree>
+  </p:cSld>
+  <p:clrMapOvr>
+    <a:masterClrMapping/>
+  </p:clrMapOvr>
+  <p:transition>
+    <p:fade thruBlk="1"/>
+  </p:transition>
+  <p:timing>
+    <p:tnLst>
+      <p:par>
+        <p:cTn id="1" dur="indefinite" restart="never" nodeType="tmRoot"/>
+      </p:par>
+    </p:tnLst>
+  </p:timing>
+</p:sld>
+</file>
+
+<file path=ppt/slides/slide5.xml><?xml version="1.0" encoding="utf-8"?>
+<p:sld xmlns:a="http://schemas.openxmlformats.org/drawingml/2006/main" xmlns:r="http://schemas.openxmlformats.org/officeDocument/2006/relationships" xmlns:p="http://schemas.openxmlformats.org/presentationml/2006/main" showMasterSp="0">
+  <p:cSld>
+    <p:spTree>
+      <p:nvGrpSpPr>
+        <p:cNvPr id="1" name=""/>
+        <p:cNvGrpSpPr/>
+        <p:nvPr/>
+      </p:nvGrpSpPr>
+      <p:grpSpPr>
+        <a:xfrm>
+          <a:off x="0" y="0"/>
+          <a:ext cx="0" cy="0"/>
+          <a:chOff x="0" y="0"/>
+          <a:chExt cx="0" cy="0"/>
+        </a:xfrm>
+      </p:grpSpPr>
+      <p:sp>
+        <p:nvSpPr>
+          <p:cNvPr id="2" name="Título 1"/>
+          <p:cNvSpPr>
+            <a:spLocks noGrp="1"/>
+          </p:cNvSpPr>
+          <p:nvPr>
+            <p:ph type="title"/>
+          </p:nvPr>
+        </p:nvSpPr>
+        <p:spPr>
+          <a:xfrm>
+            <a:off x="323850" y="730885"/>
+            <a:ext cx="3658235" cy="1159510"/>
+          </a:xfrm>
+        </p:spPr>
+        <p:txBody>
+          <a:bodyPr/>
+          <a:lstStyle/>
+          <a:p>
+            <a:pPr algn="ctr"/>
+            <a:r>
+              <a:rPr lang="es-MX" u="sng" dirty="0" smtClean="0">
+                <a:solidFill>
+                  <a:schemeClr val="tx1"/>
+                </a:solidFill>
+                <a:latin typeface="Bahnschrift Light SemiCondensed" panose="020B0502040204020203" charset="0"/>
+                <a:cs typeface="Bahnschrift Light SemiCondensed" panose="020B0502040204020203" charset="0"/>
+              </a:rPr>
+              <a:t>Inicio de sesión</a:t>
+            </a:r>
+            <a:endParaRPr lang="es-MX" u="sng" dirty="0" smtClean="0">
+              <a:solidFill>
+                <a:schemeClr val="tx1"/>
+              </a:solidFill>
+              <a:latin typeface="Bahnschrift Light SemiCondensed" panose="020B0502040204020203" charset="0"/>
+              <a:cs typeface="Bahnschrift Light SemiCondensed" panose="020B0502040204020203" charset="0"/>
+            </a:endParaRPr>
+          </a:p>
+        </p:txBody>
+      </p:sp>
+      <p:pic>
+        <p:nvPicPr>
+          <p:cNvPr id="4" name="Marcador de contenido 3"/>
+          <p:cNvPicPr>
+            <a:picLocks noGrp="1" noChangeAspect="1"/>
+          </p:cNvPicPr>
+          <p:nvPr>
+            <p:ph idx="1"/>
+          </p:nvPr>
+        </p:nvPicPr>
+        <p:blipFill>
+          <a:blip r:embed="rId1">
+            <a:extLst>
+              <a:ext uri="{28A0092B-C50C-407E-A947-70E740481C1C}">
+                <a14:useLocalDpi xmlns:a14="http://schemas.microsoft.com/office/drawing/2010/main" val="0"/>
+              </a:ext>
+            </a:extLst>
+          </a:blip>
+          <a:stretch>
+            <a:fillRect/>
+          </a:stretch>
+        </p:blipFill>
+        <p:spPr>
+          <a:xfrm>
+            <a:off x="4225925" y="1268730"/>
+            <a:ext cx="7792085" cy="4320540"/>
+          </a:xfrm>
+        </p:spPr>
+      </p:pic>
+      <p:sp>
+        <p:nvSpPr>
+          <p:cNvPr id="5" name="CuadroTexto 4"/>
+          <p:cNvSpPr txBox="1"/>
+          <p:nvPr/>
+        </p:nvSpPr>
+        <p:spPr>
+          <a:xfrm>
+            <a:off x="600499" y="1890149"/>
+            <a:ext cx="3104148" cy="4092575"/>
+          </a:xfrm>
+          <a:prstGeom prst="rect">
+            <a:avLst/>
+          </a:prstGeom>
+          <a:noFill/>
+        </p:spPr>
+        <p:txBody>
+          <a:bodyPr wrap="square" rtlCol="0">
+            <a:spAutoFit/>
+          </a:bodyPr>
+          <a:lstStyle/>
+          <a:p>
+            <a:r>
+              <a:rPr lang="es-MX" sz="2000" dirty="0" smtClean="0"/>
+              <a:t>UX</a:t>
+            </a:r>
+            <a:endParaRPr lang="es-MX" sz="2000" dirty="0" smtClean="0"/>
+          </a:p>
+          <a:p>
+            <a:r>
+              <a:rPr lang="es-MX" sz="2000" dirty="0" smtClean="0"/>
+              <a:t>S</a:t>
+            </a:r>
+            <a:r>
+              <a:rPr lang="es-MX" dirty="0" smtClean="0"/>
+              <a:t>encillo inicio de sesión con alternativa a iniciar sesión con una cuenta Facebook.</a:t>
+            </a:r>
+            <a:endParaRPr lang="es-MX" dirty="0" smtClean="0"/>
+          </a:p>
+          <a:p>
+            <a:endParaRPr lang="es-MX" dirty="0" smtClean="0"/>
+          </a:p>
+          <a:p>
+            <a:r>
+              <a:rPr lang="es-MX" sz="2000" dirty="0" smtClean="0"/>
+              <a:t>UI</a:t>
+            </a:r>
+            <a:endParaRPr lang="es-MX" sz="2000" dirty="0" smtClean="0"/>
+          </a:p>
+          <a:p>
+            <a:r>
+              <a:rPr lang="es-MX" sz="2000" dirty="0" smtClean="0"/>
+              <a:t>C</a:t>
+            </a:r>
+            <a:r>
+              <a:rPr lang="es-MX" dirty="0" smtClean="0"/>
+              <a:t>on un solo botón se inicia sesión desde Facebook o solo introduciendo usuario y contraseña para iniciar, también un botón en caso de no contar con una cuenta existente.</a:t>
+            </a:r>
+            <a:endParaRPr lang="es-MX" dirty="0" smtClean="0"/>
+          </a:p>
+          <a:p>
+            <a:endParaRPr lang="es-MX" dirty="0"/>
+          </a:p>
+        </p:txBody>
+      </p:sp>
+    </p:spTree>
+  </p:cSld>
+  <p:clrMapOvr>
+    <a:masterClrMapping/>
+  </p:clrMapOvr>
+  <p:transition>
+    <p:fade thruBlk="1"/>
+  </p:transition>
+  <p:timing>
+    <p:tnLst>
+      <p:par>
+        <p:cTn id="1" dur="indefinite" restart="never" nodeType="tmRoot"/>
+      </p:par>
+    </p:tnLst>
+  </p:timing>
+</p:sld>
+</file>
+
+<file path=ppt/slides/slide6.xml><?xml version="1.0" encoding="utf-8"?>
+<p:sld xmlns:a="http://schemas.openxmlformats.org/drawingml/2006/main" xmlns:r="http://schemas.openxmlformats.org/officeDocument/2006/relationships" xmlns:p="http://schemas.openxmlformats.org/presentationml/2006/main" showMasterSp="0">
+  <p:cSld>
+    <p:spTree>
+      <p:nvGrpSpPr>
+        <p:cNvPr id="1" name=""/>
+        <p:cNvGrpSpPr/>
+        <p:nvPr/>
+      </p:nvGrpSpPr>
+      <p:grpSpPr>
+        <a:xfrm>
+          <a:off x="0" y="0"/>
+          <a:ext cx="0" cy="0"/>
+          <a:chOff x="0" y="0"/>
+          <a:chExt cx="0" cy="0"/>
+        </a:xfrm>
+      </p:grpSpPr>
+      <p:sp>
+        <p:nvSpPr>
+          <p:cNvPr id="2" name="Título 1"/>
+          <p:cNvSpPr>
+            <a:spLocks noGrp="1"/>
+          </p:cNvSpPr>
+          <p:nvPr>
+            <p:ph type="title"/>
+          </p:nvPr>
+        </p:nvSpPr>
+        <p:spPr>
+          <a:xfrm>
+            <a:off x="1797685" y="124460"/>
+            <a:ext cx="8596630" cy="760730"/>
+          </a:xfrm>
+        </p:spPr>
+        <p:txBody>
+          <a:bodyPr/>
+          <a:lstStyle/>
+          <a:p>
+            <a:pPr algn="ctr"/>
+            <a:r>
+              <a:rPr lang="es-MX" u="sng" dirty="0" smtClean="0">
+                <a:solidFill>
+                  <a:schemeClr val="tx1"/>
+                </a:solidFill>
+                <a:latin typeface="Bahnschrift Light SemiCondensed" panose="020B0502040204020203" charset="0"/>
+                <a:cs typeface="Bahnschrift Light SemiCondensed" panose="020B0502040204020203" charset="0"/>
+              </a:rPr>
+              <a:t>Reproductor de </a:t>
+            </a:r>
+            <a:r>
+              <a:rPr lang="es-MX" u="sng" dirty="0" err="1" smtClean="0">
+                <a:solidFill>
+                  <a:schemeClr val="tx1"/>
+                </a:solidFill>
+                <a:latin typeface="Bahnschrift Light SemiCondensed" panose="020B0502040204020203" charset="0"/>
+                <a:cs typeface="Bahnschrift Light SemiCondensed" panose="020B0502040204020203" charset="0"/>
+              </a:rPr>
+              <a:t>música</a:t>
+            </a:r>
+            <a:endParaRPr lang="es-MX" u="sng" dirty="0" err="1" smtClean="0">
+              <a:solidFill>
+                <a:schemeClr val="tx1"/>
+              </a:solidFill>
+              <a:latin typeface="Bahnschrift Light SemiCondensed" panose="020B0502040204020203" charset="0"/>
+              <a:cs typeface="Bahnschrift Light SemiCondensed" panose="020B0502040204020203" charset="0"/>
+            </a:endParaRPr>
+          </a:p>
+        </p:txBody>
+      </p:sp>
+      <p:pic>
+        <p:nvPicPr>
+          <p:cNvPr id="4" name="Marcador de contenido 3"/>
+          <p:cNvPicPr>
+            <a:picLocks noGrp="1" noChangeAspect="1"/>
+          </p:cNvPicPr>
+          <p:nvPr>
+            <p:ph idx="1"/>
+          </p:nvPr>
+        </p:nvPicPr>
+        <p:blipFill>
+          <a:blip r:embed="rId1">
+            <a:extLst>
+              <a:ext uri="{28A0092B-C50C-407E-A947-70E740481C1C}">
+                <a14:useLocalDpi xmlns:a14="http://schemas.microsoft.com/office/drawing/2010/main" val="0"/>
+              </a:ext>
+            </a:extLst>
+          </a:blip>
+          <a:stretch>
+            <a:fillRect/>
+          </a:stretch>
+        </p:blipFill>
+        <p:spPr>
+          <a:xfrm>
+            <a:off x="2019300" y="885190"/>
+            <a:ext cx="8152765" cy="4135755"/>
+          </a:xfrm>
+        </p:spPr>
+      </p:pic>
+      <p:sp>
+        <p:nvSpPr>
+          <p:cNvPr id="5" name="CuadroTexto 4"/>
+          <p:cNvSpPr txBox="1"/>
+          <p:nvPr/>
+        </p:nvSpPr>
+        <p:spPr>
+          <a:xfrm>
+            <a:off x="226695" y="5198745"/>
+            <a:ext cx="5653405" cy="1229995"/>
+          </a:xfrm>
+          <a:prstGeom prst="rect">
+            <a:avLst/>
+          </a:prstGeom>
+          <a:noFill/>
+        </p:spPr>
+        <p:txBody>
+          <a:bodyPr wrap="square" rtlCol="0">
+            <a:spAutoFit/>
+          </a:bodyPr>
+          <a:lstStyle/>
+          <a:p>
+            <a:r>
+              <a:rPr lang="es-MX" sz="2000" dirty="0" smtClean="0"/>
+              <a:t>UX</a:t>
+            </a:r>
+            <a:endParaRPr lang="es-MX" dirty="0" smtClean="0"/>
+          </a:p>
+          <a:p>
+            <a:r>
+              <a:rPr lang="es-MX" dirty="0" err="1" smtClean="0"/>
+              <a:t>Funcinamiento</a:t>
+            </a:r>
+            <a:r>
+              <a:rPr lang="es-MX" dirty="0" smtClean="0"/>
+              <a:t> muy intuitivo para seleccionar y reproducir cualquier canción, y el reproductor esta visible en todo momento.</a:t>
+            </a:r>
+            <a:endParaRPr lang="es-MX" dirty="0"/>
+          </a:p>
+        </p:txBody>
+      </p:sp>
+      <p:sp>
+        <p:nvSpPr>
+          <p:cNvPr id="3" name="CuadroTexto 4"/>
+          <p:cNvSpPr txBox="1"/>
+          <p:nvPr/>
+        </p:nvSpPr>
+        <p:spPr>
+          <a:xfrm>
+            <a:off x="5784215" y="5198745"/>
+            <a:ext cx="6213475" cy="1229995"/>
+          </a:xfrm>
+          <a:prstGeom prst="rect">
+            <a:avLst/>
+          </a:prstGeom>
+          <a:noFill/>
+        </p:spPr>
+        <p:txBody>
+          <a:bodyPr wrap="square" rtlCol="0">
+            <a:spAutoFit/>
+          </a:bodyPr>
+          <a:p>
+            <a:r>
+              <a:rPr lang="es-MX" sz="2000" dirty="0" smtClean="0"/>
+              <a:t>UI</a:t>
+            </a:r>
+            <a:endParaRPr lang="es-MX" dirty="0" smtClean="0"/>
+          </a:p>
+          <a:p>
+            <a:r>
+              <a:rPr lang="es-MX" dirty="0" smtClean="0"/>
+              <a:t>El seleccionar un álbum o lista de reproducción se muestra el repertorio de esta y el reproductor cuenta con sencillas configuraciones(pausa, </a:t>
+            </a:r>
+            <a:r>
+              <a:rPr lang="es-MX" dirty="0" err="1" smtClean="0"/>
+              <a:t>play</a:t>
+            </a:r>
+            <a:r>
+              <a:rPr lang="es-MX" dirty="0" smtClean="0"/>
+              <a:t>, aleatorio, etc.)</a:t>
+            </a:r>
+            <a:endParaRPr lang="es-MX" dirty="0"/>
+          </a:p>
+        </p:txBody>
+      </p:sp>
+    </p:spTree>
+  </p:cSld>
+  <p:clrMapOvr>
+    <a:masterClrMapping/>
+  </p:clrMapOvr>
+  <p:transition>
+    <p:fade thruBlk="1"/>
+  </p:transition>
+  <p:timing>
+    <p:tnLst>
+      <p:par>
+        <p:cTn id="1" dur="indefinite" restart="never" nodeType="tmRoot"/>
+      </p:par>
+    </p:tnLst>
+  </p:timing>
+</p:sld>
+</file>
+
+<file path=ppt/slides/slide7.xml><?xml version="1.0" encoding="utf-8"?>
+<p:sld xmlns:a="http://schemas.openxmlformats.org/drawingml/2006/main" xmlns:r="http://schemas.openxmlformats.org/officeDocument/2006/relationships" xmlns:p="http://schemas.openxmlformats.org/presentationml/2006/main" showMasterSp="0">
+  <p:cSld>
+    <p:spTree>
+      <p:nvGrpSpPr>
+        <p:cNvPr id="1" name=""/>
+        <p:cNvGrpSpPr/>
+        <p:nvPr/>
+      </p:nvGrpSpPr>
+      <p:grpSpPr>
+        <a:xfrm>
+          <a:off x="0" y="0"/>
+          <a:ext cx="0" cy="0"/>
+          <a:chOff x="0" y="0"/>
+          <a:chExt cx="0" cy="0"/>
+        </a:xfrm>
+      </p:grpSpPr>
+      <p:sp>
+        <p:nvSpPr>
+          <p:cNvPr id="2" name="Título 1"/>
+          <p:cNvSpPr>
+            <a:spLocks noGrp="1"/>
+          </p:cNvSpPr>
+          <p:nvPr>
+            <p:ph type="title"/>
+          </p:nvPr>
+        </p:nvSpPr>
+        <p:spPr>
+          <a:xfrm>
+            <a:off x="280035" y="335915"/>
+            <a:ext cx="2183765" cy="746125"/>
+          </a:xfrm>
+        </p:spPr>
+        <p:txBody>
+          <a:bodyPr/>
+          <a:lstStyle/>
+          <a:p>
+            <a:r>
+              <a:rPr lang="es-MX" u="sng" dirty="0" smtClean="0">
+                <a:solidFill>
+                  <a:schemeClr val="tx1"/>
+                </a:solidFill>
+                <a:latin typeface="Bahnschrift Light SemiCondensed" panose="020B0502040204020203" charset="0"/>
+                <a:cs typeface="Bahnschrift Light SemiCondensed" panose="020B0502040204020203" charset="0"/>
+              </a:rPr>
+              <a:t>Buscador</a:t>
+            </a:r>
+            <a:endParaRPr lang="es-MX" u="sng" dirty="0" smtClean="0">
+              <a:solidFill>
+                <a:schemeClr val="tx1"/>
+              </a:solidFill>
+              <a:latin typeface="Bahnschrift Light SemiCondensed" panose="020B0502040204020203" charset="0"/>
+              <a:cs typeface="Bahnschrift Light SemiCondensed" panose="020B0502040204020203" charset="0"/>
+            </a:endParaRPr>
+          </a:p>
+        </p:txBody>
+      </p:sp>
+      <p:pic>
+        <p:nvPicPr>
+          <p:cNvPr id="4" name="Marcador de contenido 3"/>
+          <p:cNvPicPr>
+            <a:picLocks noGrp="1" noChangeAspect="1"/>
+          </p:cNvPicPr>
+          <p:nvPr>
+            <p:ph idx="1"/>
+          </p:nvPr>
+        </p:nvPicPr>
+        <p:blipFill>
+          <a:blip r:embed="rId1" cstate="print">
+            <a:extLst>
+              <a:ext uri="{28A0092B-C50C-407E-A947-70E740481C1C}">
+                <a14:useLocalDpi xmlns:a14="http://schemas.microsoft.com/office/drawing/2010/main" val="0"/>
+              </a:ext>
+            </a:extLst>
+          </a:blip>
+          <a:stretch>
+            <a:fillRect/>
+          </a:stretch>
+        </p:blipFill>
+        <p:spPr>
+          <a:xfrm>
+            <a:off x="163195" y="1184275"/>
+            <a:ext cx="5740400" cy="2912745"/>
+          </a:xfrm>
+        </p:spPr>
+      </p:pic>
+      <p:pic>
+        <p:nvPicPr>
+          <p:cNvPr id="5" name="Imagen 4"/>
+          <p:cNvPicPr>
+            <a:picLocks noChangeAspect="1"/>
+          </p:cNvPicPr>
+          <p:nvPr/>
         </p:nvPicPr>
         <p:blipFill>
           <a:blip r:embed="rId2" cstate="print">
@@ -6029,21 +7779,24 @@
         </p:blipFill>
         <p:spPr>
           <a:xfrm>
-            <a:off x="5715000" y="846353"/>
-            <a:ext cx="6071821" cy="5626225"/>
+            <a:off x="6235065" y="1184275"/>
+            <a:ext cx="5740400" cy="2912745"/>
           </a:xfrm>
+          <a:prstGeom prst="rect">
+            <a:avLst/>
+          </a:prstGeom>
         </p:spPr>
       </p:pic>
       <p:sp>
         <p:nvSpPr>
-          <p:cNvPr id="5" name="CuadroTexto 4"/>
+          <p:cNvPr id="6" name="CuadroTexto 5"/>
           <p:cNvSpPr txBox="1"/>
           <p:nvPr/>
         </p:nvSpPr>
         <p:spPr>
           <a:xfrm>
-            <a:off x="677334" y="1467853"/>
-            <a:ext cx="4700782" cy="2862322"/>
+            <a:off x="163452" y="4261452"/>
+            <a:ext cx="5520492" cy="1845310"/>
           </a:xfrm>
           <a:prstGeom prst="rect">
             <a:avLst/>
@@ -6058,115 +7811,37 @@
           <a:p>
             <a:r>
               <a:rPr lang="es-MX" sz="2000" dirty="0" smtClean="0"/>
-              <a:t>UX: tiene una gamma de colores llamativos y un acceso fácil a crear una cuenta nueva o iniciar una cuenta existente, además de una interfaz limpia</a:t>
-            </a:r>
+              <a:t>UX</a:t>
+            </a:r>
+            <a:endParaRPr lang="es-MX" dirty="0" smtClean="0"/>
+          </a:p>
+          <a:p>
+            <a:r>
+              <a:rPr lang="es-MX" dirty="0" smtClean="0"/>
+              <a:t>Un buscador muy básico y nada complicado para solo empezar a buscar canciones o artistas</a:t>
+            </a:r>
+            <a:endParaRPr lang="es-MX" dirty="0" smtClean="0"/>
           </a:p>
           <a:p>
             <a:r>
               <a:rPr lang="es-MX" sz="2000" dirty="0" smtClean="0"/>
-              <a:t>UI: tiene un navbar con las opciones mas imprescindibles un botón, footer con opciones mas información sobre la compañía</a:t>
-            </a:r>
-            <a:endParaRPr lang="es-MX" sz="2000" dirty="0"/>
-          </a:p>
-        </p:txBody>
-      </p:sp>
-    </p:spTree>
-    <p:extLst>
-      <p:ext uri="{BB962C8B-B14F-4D97-AF65-F5344CB8AC3E}">
-        <p14:creationId xmlns:p14="http://schemas.microsoft.com/office/powerpoint/2010/main" val="3710513090"/>
-      </p:ext>
-    </p:extLst>
-  </p:cSld>
-  <p:clrMapOvr>
-    <a:masterClrMapping/>
-  </p:clrMapOvr>
-  <p:timing>
-    <p:tnLst>
-      <p:par>
-        <p:cTn id="1" dur="indefinite" restart="never" nodeType="tmRoot"/>
-      </p:par>
-    </p:tnLst>
-  </p:timing>
-</p:sld>
-</file>
-
-<file path=ppt/slides/slide3.xml><?xml version="1.0" encoding="utf-8"?>
-<p:sld xmlns:a="http://schemas.openxmlformats.org/drawingml/2006/main" xmlns:r="http://schemas.openxmlformats.org/officeDocument/2006/relationships" xmlns:p="http://schemas.openxmlformats.org/presentationml/2006/main">
-  <p:cSld>
-    <p:spTree>
-      <p:nvGrpSpPr>
-        <p:cNvPr id="1" name=""/>
-        <p:cNvGrpSpPr/>
-        <p:nvPr/>
-      </p:nvGrpSpPr>
-      <p:grpSpPr>
-        <a:xfrm>
-          <a:off x="0" y="0"/>
-          <a:ext cx="0" cy="0"/>
-          <a:chOff x="0" y="0"/>
-          <a:chExt cx="0" cy="0"/>
-        </a:xfrm>
-      </p:grpSpPr>
-      <p:sp>
-        <p:nvSpPr>
-          <p:cNvPr id="2" name="Título 1"/>
-          <p:cNvSpPr>
-            <a:spLocks noGrp="1"/>
-          </p:cNvSpPr>
-          <p:nvPr>
-            <p:ph type="title"/>
-          </p:nvPr>
-        </p:nvSpPr>
-        <p:spPr>
-          <a:xfrm>
-            <a:off x="1585107" y="0"/>
-            <a:ext cx="8596668" cy="1320800"/>
-          </a:xfrm>
-        </p:spPr>
-        <p:txBody>
-          <a:bodyPr>
-            <a:normAutofit/>
-          </a:bodyPr>
-          <a:lstStyle/>
-          <a:p>
-            <a:pPr algn="ctr"/>
-            <a:r>
-              <a:rPr lang="es-MX" sz="4000" dirty="0" smtClean="0"/>
-              <a:t>interfaz</a:t>
-            </a:r>
-            <a:endParaRPr lang="es-MX" sz="4000" dirty="0"/>
-          </a:p>
-        </p:txBody>
-      </p:sp>
-      <p:pic>
-        <p:nvPicPr>
-          <p:cNvPr id="4" name="Marcador de contenido 3"/>
-          <p:cNvPicPr>
-            <a:picLocks noGrp="1" noChangeAspect="1"/>
-          </p:cNvPicPr>
-          <p:nvPr>
-            <p:ph idx="1"/>
-          </p:nvPr>
-        </p:nvPicPr>
-        <p:blipFill>
-          <a:blip r:embed="rId2" cstate="print">
-            <a:extLst>
-              <a:ext uri="{28A0092B-C50C-407E-A947-70E740481C1C}">
-                <a14:useLocalDpi xmlns:a14="http://schemas.microsoft.com/office/drawing/2010/main" val="0"/>
-              </a:ext>
-            </a:extLst>
-          </a:blip>
-          <a:stretch>
-            <a:fillRect/>
-          </a:stretch>
-        </p:blipFill>
-        <p:spPr>
-          <a:xfrm>
-            <a:off x="6191824" y="1150534"/>
-            <a:ext cx="5329989" cy="2704013"/>
-          </a:xfrm>
-        </p:spPr>
-      </p:pic>
+              <a:t>UI</a:t>
+            </a:r>
+            <a:endParaRPr lang="es-MX" sz="2000" dirty="0" smtClean="0"/>
+          </a:p>
+          <a:p>
+            <a:r>
+              <a:rPr lang="es-MX" sz="2000" dirty="0" smtClean="0"/>
+              <a:t>U</a:t>
+            </a:r>
+            <a:r>
+              <a:rPr lang="es-MX" dirty="0" smtClean="0"/>
+              <a:t>n sencillo input que inmediatamente comienza a buscar todos los resultados coincidentes</a:t>
+            </a:r>
+            <a:endParaRPr lang="es-MX" dirty="0"/>
+          </a:p>
+        </p:txBody>
+      </p:sp>
       <p:sp>
         <p:nvSpPr>
           <p:cNvPr id="7" name="CuadroTexto 6"/>
@@ -6175,8 +7850,8 @@
         </p:nvSpPr>
         <p:spPr>
           <a:xfrm>
-            <a:off x="553452" y="4051410"/>
-            <a:ext cx="5005136" cy="2308324"/>
+            <a:off x="6235165" y="4261452"/>
+            <a:ext cx="5257361" cy="1876425"/>
           </a:xfrm>
           <a:prstGeom prst="rect">
             <a:avLst/>
@@ -6190,712 +7865,50 @@
           <a:lstStyle/>
           <a:p>
             <a:r>
+              <a:rPr lang="es-MX" sz="2000" dirty="0" smtClean="0"/>
+              <a:t>UX</a:t>
+            </a:r>
+            <a:endParaRPr lang="es-MX" sz="2000" dirty="0" smtClean="0"/>
+          </a:p>
+          <a:p>
+            <a:r>
+              <a:rPr lang="es-MX" sz="2000" dirty="0" smtClean="0"/>
+              <a:t>R</a:t>
+            </a:r>
+            <a:r>
               <a:rPr lang="es-MX" dirty="0" smtClean="0"/>
-              <a:t>UX: tiene un inicio fácil de comprender desde los apartados de los distintos tipos de contenido hasta una muestra del contenido que se maneja </a:t>
-            </a:r>
-          </a:p>
-          <a:p>
+              <a:t>espuesta en caso de no encontrar nada parecido a la búsqueda solicitada</a:t>
+            </a:r>
+            <a:endParaRPr lang="es-MX" dirty="0" smtClean="0"/>
+          </a:p>
+          <a:p>
+            <a:r>
+              <a:rPr lang="es-MX" sz="2000" dirty="0" smtClean="0"/>
+              <a:t>UI</a:t>
+            </a:r>
+            <a:endParaRPr lang="es-MX" sz="2000" dirty="0" smtClean="0"/>
+          </a:p>
+          <a:p>
+            <a:r>
+              <a:rPr lang="es-MX" sz="2000" dirty="0" smtClean="0"/>
+              <a:t>R</a:t>
+            </a:r>
             <a:r>
               <a:rPr lang="es-MX" dirty="0" smtClean="0"/>
-              <a:t>UI: tiene directamente visibles los botones de inicio de sesión y registro de nueva cuenta, además de que es completamente gratuito el registro</a:t>
+              <a:t>espuesta por default en caso de que se de la excepción de ningún resultado encontrado</a:t>
             </a:r>
             <a:endParaRPr lang="es-MX" dirty="0"/>
           </a:p>
         </p:txBody>
       </p:sp>
-      <p:sp>
-        <p:nvSpPr>
-          <p:cNvPr id="8" name="Rectángulo 7"/>
-          <p:cNvSpPr/>
-          <p:nvPr/>
-        </p:nvSpPr>
-        <p:spPr>
-          <a:xfrm>
-            <a:off x="6191824" y="4051410"/>
-            <a:ext cx="5190051" cy="2308324"/>
-          </a:xfrm>
-          <a:prstGeom prst="rect">
-            <a:avLst/>
-          </a:prstGeom>
-        </p:spPr>
-        <p:txBody>
-          <a:bodyPr wrap="square">
-            <a:spAutoFit/>
-          </a:bodyPr>
-          <a:lstStyle/>
-          <a:p>
-            <a:r>
-              <a:rPr lang="es-MX" dirty="0" smtClean="0"/>
-              <a:t>UX: muestra principalmente una serie de listas personalizadas al usuario, a la vista listas personalizadas por el usuario y el nombre del usuario</a:t>
-            </a:r>
-          </a:p>
-          <a:p>
-            <a:r>
-              <a:rPr lang="es-MX" dirty="0" smtClean="0"/>
-              <a:t>UI: la interfaz muestra listas creadas en base a los gustos del usuario, listas creadas o guardadas por el mismo usuario, su biblioteca personal y buscador</a:t>
-            </a:r>
-            <a:endParaRPr lang="es-MX" dirty="0"/>
-          </a:p>
-        </p:txBody>
-      </p:sp>
-      <p:pic>
-        <p:nvPicPr>
-          <p:cNvPr id="9" name="Imagen 8"/>
-          <p:cNvPicPr>
-            <a:picLocks noChangeAspect="1"/>
-          </p:cNvPicPr>
-          <p:nvPr/>
-        </p:nvPicPr>
-        <p:blipFill>
-          <a:blip r:embed="rId3" cstate="print">
-            <a:extLst>
-              <a:ext uri="{28A0092B-C50C-407E-A947-70E740481C1C}">
-                <a14:useLocalDpi xmlns:a14="http://schemas.microsoft.com/office/drawing/2010/main" val="0"/>
-              </a:ext>
-            </a:extLst>
-          </a:blip>
-          <a:stretch>
-            <a:fillRect/>
-          </a:stretch>
-        </p:blipFill>
-        <p:spPr>
-          <a:xfrm>
-            <a:off x="553452" y="1150535"/>
-            <a:ext cx="5329989" cy="2704013"/>
-          </a:xfrm>
-          <a:prstGeom prst="rect">
-            <a:avLst/>
-          </a:prstGeom>
-        </p:spPr>
-      </p:pic>
     </p:spTree>
-    <p:extLst>
-      <p:ext uri="{BB962C8B-B14F-4D97-AF65-F5344CB8AC3E}">
-        <p14:creationId xmlns:p14="http://schemas.microsoft.com/office/powerpoint/2010/main" val="2532223793"/>
-      </p:ext>
-    </p:extLst>
   </p:cSld>
   <p:clrMapOvr>
     <a:masterClrMapping/>
   </p:clrMapOvr>
-  <p:timing>
-    <p:tnLst>
-      <p:par>
-        <p:cTn id="1" dur="indefinite" restart="never" nodeType="tmRoot"/>
-      </p:par>
-    </p:tnLst>
-  </p:timing>
-</p:sld>
-</file>
-
-<file path=ppt/slides/slide4.xml><?xml version="1.0" encoding="utf-8"?>
-<p:sld xmlns:a="http://schemas.openxmlformats.org/drawingml/2006/main" xmlns:r="http://schemas.openxmlformats.org/officeDocument/2006/relationships" xmlns:p="http://schemas.openxmlformats.org/presentationml/2006/main">
-  <p:cSld>
-    <p:spTree>
-      <p:nvGrpSpPr>
-        <p:cNvPr id="1" name=""/>
-        <p:cNvGrpSpPr/>
-        <p:nvPr/>
-      </p:nvGrpSpPr>
-      <p:grpSpPr>
-        <a:xfrm>
-          <a:off x="0" y="0"/>
-          <a:ext cx="0" cy="0"/>
-          <a:chOff x="0" y="0"/>
-          <a:chExt cx="0" cy="0"/>
-        </a:xfrm>
-      </p:grpSpPr>
-      <p:sp>
-        <p:nvSpPr>
-          <p:cNvPr id="2" name="Título 1"/>
-          <p:cNvSpPr>
-            <a:spLocks noGrp="1"/>
-          </p:cNvSpPr>
-          <p:nvPr>
-            <p:ph type="title"/>
-          </p:nvPr>
-        </p:nvSpPr>
-        <p:spPr/>
-        <p:txBody>
-          <a:bodyPr/>
-          <a:lstStyle/>
-          <a:p>
-            <a:r>
-              <a:rPr lang="es-MX" dirty="0" smtClean="0"/>
-              <a:t>Crear cuenta</a:t>
-            </a:r>
-            <a:endParaRPr lang="es-MX" dirty="0"/>
-          </a:p>
-        </p:txBody>
-      </p:sp>
-      <p:pic>
-        <p:nvPicPr>
-          <p:cNvPr id="4" name="Marcador de contenido 3"/>
-          <p:cNvPicPr>
-            <a:picLocks noGrp="1" noChangeAspect="1"/>
-          </p:cNvPicPr>
-          <p:nvPr>
-            <p:ph idx="1"/>
-          </p:nvPr>
-        </p:nvPicPr>
-        <p:blipFill rotWithShape="1">
-          <a:blip r:embed="rId2" cstate="print">
-            <a:extLst>
-              <a:ext uri="{28A0092B-C50C-407E-A947-70E740481C1C}">
-                <a14:useLocalDpi xmlns:a14="http://schemas.microsoft.com/office/drawing/2010/main" val="0"/>
-              </a:ext>
-            </a:extLst>
-          </a:blip>
-          <a:srcRect l="13505" r="13205"/>
-          <a:stretch/>
-        </p:blipFill>
-        <p:spPr>
-          <a:xfrm>
-            <a:off x="5991727" y="609600"/>
-            <a:ext cx="4860758" cy="5142581"/>
-          </a:xfrm>
-        </p:spPr>
-      </p:pic>
-      <p:sp>
-        <p:nvSpPr>
-          <p:cNvPr id="5" name="CuadroTexto 4"/>
-          <p:cNvSpPr txBox="1"/>
-          <p:nvPr/>
-        </p:nvSpPr>
-        <p:spPr>
-          <a:xfrm>
-            <a:off x="677334" y="1600200"/>
-            <a:ext cx="4797034" cy="2862322"/>
-          </a:xfrm>
-          <a:prstGeom prst="rect">
-            <a:avLst/>
-          </a:prstGeom>
-          <a:noFill/>
-        </p:spPr>
-        <p:txBody>
-          <a:bodyPr wrap="square" rtlCol="0">
-            <a:spAutoFit/>
-          </a:bodyPr>
-          <a:lstStyle/>
-          <a:p>
-            <a:r>
-              <a:rPr lang="es-MX" dirty="0" smtClean="0"/>
-              <a:t>UX: la creación de una nueva cuenta es sencilla pero muy completa además de contar con la opcion de registrarse a </a:t>
-            </a:r>
-            <a:r>
-              <a:rPr lang="es-MX" dirty="0" err="1" smtClean="0"/>
-              <a:t>travez</a:t>
-            </a:r>
-            <a:r>
-              <a:rPr lang="es-MX" dirty="0" smtClean="0"/>
-              <a:t> de una cuenta de Facebook</a:t>
-            </a:r>
-          </a:p>
-          <a:p>
-            <a:r>
-              <a:rPr lang="es-MX" dirty="0" smtClean="0"/>
-              <a:t>UI: principalmente cuenta un botón para ligar una nueva cuenta </a:t>
-            </a:r>
-            <a:r>
-              <a:rPr lang="es-MX" dirty="0" err="1" smtClean="0"/>
-              <a:t>spotify</a:t>
-            </a:r>
-            <a:r>
-              <a:rPr lang="es-MX" dirty="0" smtClean="0"/>
-              <a:t> con una cuenta de Facebook ya existente, el registro requiere datos básicos como e-mail, contraseña, sexo, </a:t>
-            </a:r>
-            <a:r>
-              <a:rPr lang="es-MX" dirty="0" err="1" smtClean="0"/>
-              <a:t>etc</a:t>
-            </a:r>
-            <a:r>
-              <a:rPr lang="es-MX" dirty="0" smtClean="0"/>
-              <a:t>, además de la confirmación de “no soy un robot”</a:t>
-            </a:r>
-            <a:endParaRPr lang="es-MX" dirty="0"/>
-          </a:p>
-        </p:txBody>
-      </p:sp>
-    </p:spTree>
-    <p:extLst>
-      <p:ext uri="{BB962C8B-B14F-4D97-AF65-F5344CB8AC3E}">
-        <p14:creationId xmlns:p14="http://schemas.microsoft.com/office/powerpoint/2010/main" val="1295471624"/>
-      </p:ext>
-    </p:extLst>
-  </p:cSld>
-  <p:clrMapOvr>
-    <a:masterClrMapping/>
-  </p:clrMapOvr>
-  <p:timing>
-    <p:tnLst>
-      <p:par>
-        <p:cTn id="1" dur="indefinite" restart="never" nodeType="tmRoot"/>
-      </p:par>
-    </p:tnLst>
-  </p:timing>
-</p:sld>
-</file>
-
-<file path=ppt/slides/slide5.xml><?xml version="1.0" encoding="utf-8"?>
-<p:sld xmlns:a="http://schemas.openxmlformats.org/drawingml/2006/main" xmlns:r="http://schemas.openxmlformats.org/officeDocument/2006/relationships" xmlns:p="http://schemas.openxmlformats.org/presentationml/2006/main">
-  <p:cSld>
-    <p:spTree>
-      <p:nvGrpSpPr>
-        <p:cNvPr id="1" name=""/>
-        <p:cNvGrpSpPr/>
-        <p:nvPr/>
-      </p:nvGrpSpPr>
-      <p:grpSpPr>
-        <a:xfrm>
-          <a:off x="0" y="0"/>
-          <a:ext cx="0" cy="0"/>
-          <a:chOff x="0" y="0"/>
-          <a:chExt cx="0" cy="0"/>
-        </a:xfrm>
-      </p:grpSpPr>
-      <p:sp>
-        <p:nvSpPr>
-          <p:cNvPr id="2" name="Título 1"/>
-          <p:cNvSpPr>
-            <a:spLocks noGrp="1"/>
-          </p:cNvSpPr>
-          <p:nvPr>
-            <p:ph type="title"/>
-          </p:nvPr>
-        </p:nvSpPr>
-        <p:spPr/>
-        <p:txBody>
-          <a:bodyPr/>
-          <a:lstStyle/>
-          <a:p>
-            <a:pPr algn="ctr"/>
-            <a:r>
-              <a:rPr lang="es-MX" dirty="0" smtClean="0"/>
-              <a:t>Inicio de sesión</a:t>
-            </a:r>
-            <a:endParaRPr lang="es-MX" dirty="0"/>
-          </a:p>
-        </p:txBody>
-      </p:sp>
-      <p:pic>
-        <p:nvPicPr>
-          <p:cNvPr id="4" name="Marcador de contenido 3"/>
-          <p:cNvPicPr>
-            <a:picLocks noGrp="1" noChangeAspect="1"/>
-          </p:cNvPicPr>
-          <p:nvPr>
-            <p:ph idx="1"/>
-          </p:nvPr>
-        </p:nvPicPr>
-        <p:blipFill>
-          <a:blip r:embed="rId2">
-            <a:extLst>
-              <a:ext uri="{28A0092B-C50C-407E-A947-70E740481C1C}">
-                <a14:useLocalDpi xmlns:a14="http://schemas.microsoft.com/office/drawing/2010/main" val="0"/>
-              </a:ext>
-            </a:extLst>
-          </a:blip>
-          <a:stretch>
-            <a:fillRect/>
-          </a:stretch>
-        </p:blipFill>
-        <p:spPr>
-          <a:xfrm>
-            <a:off x="5056695" y="1744580"/>
-            <a:ext cx="6357379" cy="3525070"/>
-          </a:xfrm>
-        </p:spPr>
-      </p:pic>
-      <p:sp>
-        <p:nvSpPr>
-          <p:cNvPr id="5" name="CuadroTexto 4"/>
-          <p:cNvSpPr txBox="1"/>
-          <p:nvPr/>
-        </p:nvSpPr>
-        <p:spPr>
-          <a:xfrm>
-            <a:off x="905934" y="1845699"/>
-            <a:ext cx="3104148" cy="3693319"/>
-          </a:xfrm>
-          <a:prstGeom prst="rect">
-            <a:avLst/>
-          </a:prstGeom>
-          <a:noFill/>
-        </p:spPr>
-        <p:txBody>
-          <a:bodyPr wrap="square" rtlCol="0">
-            <a:spAutoFit/>
-          </a:bodyPr>
-          <a:lstStyle/>
-          <a:p>
-            <a:r>
-              <a:rPr lang="es-MX" dirty="0" smtClean="0"/>
-              <a:t>UX: sencillo inicio de sesión con alternativa a iniciar sesión con una cuenta Facebook</a:t>
-            </a:r>
-          </a:p>
-          <a:p>
-            <a:r>
-              <a:rPr lang="es-MX" dirty="0" smtClean="0"/>
-              <a:t>UI: con un solo botón se inicia sesión desde Facebook o solo introduciendo usuario y contraseña para iniciar, también un botón en caso de no contar con una cuenta existente </a:t>
-            </a:r>
-          </a:p>
-          <a:p>
-            <a:endParaRPr lang="es-MX" dirty="0"/>
-          </a:p>
-        </p:txBody>
-      </p:sp>
-    </p:spTree>
-    <p:extLst>
-      <p:ext uri="{BB962C8B-B14F-4D97-AF65-F5344CB8AC3E}">
-        <p14:creationId xmlns:p14="http://schemas.microsoft.com/office/powerpoint/2010/main" val="3758400620"/>
-      </p:ext>
-    </p:extLst>
-  </p:cSld>
-  <p:clrMapOvr>
-    <a:masterClrMapping/>
-  </p:clrMapOvr>
-  <p:timing>
-    <p:tnLst>
-      <p:par>
-        <p:cTn id="1" dur="indefinite" restart="never" nodeType="tmRoot"/>
-      </p:par>
-    </p:tnLst>
-  </p:timing>
-</p:sld>
-</file>
-
-<file path=ppt/slides/slide6.xml><?xml version="1.0" encoding="utf-8"?>
-<p:sld xmlns:a="http://schemas.openxmlformats.org/drawingml/2006/main" xmlns:r="http://schemas.openxmlformats.org/officeDocument/2006/relationships" xmlns:p="http://schemas.openxmlformats.org/presentationml/2006/main">
-  <p:cSld>
-    <p:spTree>
-      <p:nvGrpSpPr>
-        <p:cNvPr id="1" name=""/>
-        <p:cNvGrpSpPr/>
-        <p:nvPr/>
-      </p:nvGrpSpPr>
-      <p:grpSpPr>
-        <a:xfrm>
-          <a:off x="0" y="0"/>
-          <a:ext cx="0" cy="0"/>
-          <a:chOff x="0" y="0"/>
-          <a:chExt cx="0" cy="0"/>
-        </a:xfrm>
-      </p:grpSpPr>
-      <p:sp>
-        <p:nvSpPr>
-          <p:cNvPr id="2" name="Título 1"/>
-          <p:cNvSpPr>
-            <a:spLocks noGrp="1"/>
-          </p:cNvSpPr>
-          <p:nvPr>
-            <p:ph type="title"/>
-          </p:nvPr>
-        </p:nvSpPr>
-        <p:spPr>
-          <a:xfrm>
-            <a:off x="677334" y="537408"/>
-            <a:ext cx="8596668" cy="1320800"/>
-          </a:xfrm>
-        </p:spPr>
-        <p:txBody>
-          <a:bodyPr/>
-          <a:lstStyle/>
-          <a:p>
-            <a:pPr algn="ctr"/>
-            <a:r>
-              <a:rPr lang="es-MX" dirty="0" smtClean="0"/>
-              <a:t>Reproductor de </a:t>
-            </a:r>
-            <a:r>
-              <a:rPr lang="es-MX" dirty="0" err="1" smtClean="0"/>
-              <a:t>musica</a:t>
-            </a:r>
-            <a:endParaRPr lang="es-MX" dirty="0"/>
-          </a:p>
-        </p:txBody>
-      </p:sp>
-      <p:pic>
-        <p:nvPicPr>
-          <p:cNvPr id="4" name="Marcador de contenido 3"/>
-          <p:cNvPicPr>
-            <a:picLocks noGrp="1" noChangeAspect="1"/>
-          </p:cNvPicPr>
-          <p:nvPr>
-            <p:ph idx="1"/>
-          </p:nvPr>
-        </p:nvPicPr>
-        <p:blipFill>
-          <a:blip r:embed="rId2">
-            <a:extLst>
-              <a:ext uri="{28A0092B-C50C-407E-A947-70E740481C1C}">
-                <a14:useLocalDpi xmlns:a14="http://schemas.microsoft.com/office/drawing/2010/main" val="0"/>
-              </a:ext>
-            </a:extLst>
-          </a:blip>
-          <a:stretch>
-            <a:fillRect/>
-          </a:stretch>
-        </p:blipFill>
-        <p:spPr>
-          <a:xfrm>
-            <a:off x="1150240" y="1270000"/>
-            <a:ext cx="7650855" cy="3881437"/>
-          </a:xfrm>
-        </p:spPr>
-      </p:pic>
-      <p:sp>
-        <p:nvSpPr>
-          <p:cNvPr id="5" name="CuadroTexto 4"/>
-          <p:cNvSpPr txBox="1"/>
-          <p:nvPr/>
-        </p:nvSpPr>
-        <p:spPr>
-          <a:xfrm>
-            <a:off x="890337" y="5390142"/>
-            <a:ext cx="8999621" cy="1200329"/>
-          </a:xfrm>
-          <a:prstGeom prst="rect">
-            <a:avLst/>
-          </a:prstGeom>
-          <a:noFill/>
-        </p:spPr>
-        <p:txBody>
-          <a:bodyPr wrap="square" rtlCol="0">
-            <a:spAutoFit/>
-          </a:bodyPr>
-          <a:lstStyle/>
-          <a:p>
-            <a:r>
-              <a:rPr lang="es-MX" dirty="0" smtClean="0"/>
-              <a:t>UX: </a:t>
-            </a:r>
-            <a:r>
-              <a:rPr lang="es-MX" dirty="0" err="1" smtClean="0"/>
-              <a:t>funcinamiento</a:t>
-            </a:r>
-            <a:r>
-              <a:rPr lang="es-MX" dirty="0" smtClean="0"/>
-              <a:t> muy intuitivo para seleccionar y reproducir cualquier canción, y el reproductor esta visible en todo momento</a:t>
-            </a:r>
-          </a:p>
-          <a:p>
-            <a:r>
-              <a:rPr lang="es-MX" dirty="0" smtClean="0"/>
-              <a:t>IU: el seleccionar un álbum o lista de reproducción se muestra el repertorio de esta y el reproductor cuenta con sencillas configuraciones(pausa, </a:t>
-            </a:r>
-            <a:r>
-              <a:rPr lang="es-MX" dirty="0" err="1" smtClean="0"/>
-              <a:t>play</a:t>
-            </a:r>
-            <a:r>
-              <a:rPr lang="es-MX" dirty="0" smtClean="0"/>
-              <a:t>, aleatorio, etc.)</a:t>
-            </a:r>
-            <a:endParaRPr lang="es-MX" dirty="0"/>
-          </a:p>
-        </p:txBody>
-      </p:sp>
-    </p:spTree>
-    <p:extLst>
-      <p:ext uri="{BB962C8B-B14F-4D97-AF65-F5344CB8AC3E}">
-        <p14:creationId xmlns:p14="http://schemas.microsoft.com/office/powerpoint/2010/main" val="2602911456"/>
-      </p:ext>
-    </p:extLst>
-  </p:cSld>
-  <p:clrMapOvr>
-    <a:masterClrMapping/>
-  </p:clrMapOvr>
-  <p:timing>
-    <p:tnLst>
-      <p:par>
-        <p:cTn id="1" dur="indefinite" restart="never" nodeType="tmRoot"/>
-      </p:par>
-    </p:tnLst>
-  </p:timing>
-</p:sld>
-</file>
-
-<file path=ppt/slides/slide7.xml><?xml version="1.0" encoding="utf-8"?>
-<p:sld xmlns:a="http://schemas.openxmlformats.org/drawingml/2006/main" xmlns:r="http://schemas.openxmlformats.org/officeDocument/2006/relationships" xmlns:p="http://schemas.openxmlformats.org/presentationml/2006/main">
-  <p:cSld>
-    <p:spTree>
-      <p:nvGrpSpPr>
-        <p:cNvPr id="1" name=""/>
-        <p:cNvGrpSpPr/>
-        <p:nvPr/>
-      </p:nvGrpSpPr>
-      <p:grpSpPr>
-        <a:xfrm>
-          <a:off x="0" y="0"/>
-          <a:ext cx="0" cy="0"/>
-          <a:chOff x="0" y="0"/>
-          <a:chExt cx="0" cy="0"/>
-        </a:xfrm>
-      </p:grpSpPr>
-      <p:sp>
-        <p:nvSpPr>
-          <p:cNvPr id="2" name="Título 1"/>
-          <p:cNvSpPr>
-            <a:spLocks noGrp="1"/>
-          </p:cNvSpPr>
-          <p:nvPr>
-            <p:ph type="title"/>
-          </p:nvPr>
-        </p:nvSpPr>
-        <p:spPr/>
-        <p:txBody>
-          <a:bodyPr/>
-          <a:lstStyle/>
-          <a:p>
-            <a:r>
-              <a:rPr lang="es-MX" dirty="0" smtClean="0"/>
-              <a:t>Buscador</a:t>
-            </a:r>
-            <a:endParaRPr lang="es-MX" dirty="0"/>
-          </a:p>
-        </p:txBody>
-      </p:sp>
-      <p:pic>
-        <p:nvPicPr>
-          <p:cNvPr id="4" name="Marcador de contenido 3"/>
-          <p:cNvPicPr>
-            <a:picLocks noGrp="1" noChangeAspect="1"/>
-          </p:cNvPicPr>
-          <p:nvPr>
-            <p:ph idx="1"/>
-          </p:nvPr>
-        </p:nvPicPr>
-        <p:blipFill>
-          <a:blip r:embed="rId2" cstate="print">
-            <a:extLst>
-              <a:ext uri="{28A0092B-C50C-407E-A947-70E740481C1C}">
-                <a14:useLocalDpi xmlns:a14="http://schemas.microsoft.com/office/drawing/2010/main" val="0"/>
-              </a:ext>
-            </a:extLst>
-          </a:blip>
-          <a:stretch>
-            <a:fillRect/>
-          </a:stretch>
-        </p:blipFill>
-        <p:spPr>
-          <a:xfrm>
-            <a:off x="280292" y="1540042"/>
-            <a:ext cx="5364081" cy="2721309"/>
-          </a:xfrm>
-        </p:spPr>
-      </p:pic>
-      <p:pic>
-        <p:nvPicPr>
-          <p:cNvPr id="5" name="Imagen 4"/>
-          <p:cNvPicPr>
-            <a:picLocks noChangeAspect="1"/>
-          </p:cNvPicPr>
-          <p:nvPr/>
-        </p:nvPicPr>
-        <p:blipFill>
-          <a:blip r:embed="rId3" cstate="print">
-            <a:extLst>
-              <a:ext uri="{28A0092B-C50C-407E-A947-70E740481C1C}">
-                <a14:useLocalDpi xmlns:a14="http://schemas.microsoft.com/office/drawing/2010/main" val="0"/>
-              </a:ext>
-            </a:extLst>
-          </a:blip>
-          <a:stretch>
-            <a:fillRect/>
-          </a:stretch>
-        </p:blipFill>
-        <p:spPr>
-          <a:xfrm>
-            <a:off x="5800784" y="1540042"/>
-            <a:ext cx="5364082" cy="2721309"/>
-          </a:xfrm>
-          <a:prstGeom prst="rect">
-            <a:avLst/>
-          </a:prstGeom>
-        </p:spPr>
-      </p:pic>
-      <p:sp>
-        <p:nvSpPr>
-          <p:cNvPr id="6" name="CuadroTexto 5"/>
-          <p:cNvSpPr txBox="1"/>
-          <p:nvPr/>
-        </p:nvSpPr>
-        <p:spPr>
-          <a:xfrm>
-            <a:off x="280292" y="4584032"/>
-            <a:ext cx="5520492" cy="1200329"/>
-          </a:xfrm>
-          <a:prstGeom prst="rect">
-            <a:avLst/>
-          </a:prstGeom>
-          <a:noFill/>
-        </p:spPr>
-        <p:txBody>
-          <a:bodyPr wrap="square" rtlCol="0">
-            <a:spAutoFit/>
-          </a:bodyPr>
-          <a:lstStyle/>
-          <a:p>
-            <a:r>
-              <a:rPr lang="es-MX" dirty="0" smtClean="0"/>
-              <a:t>UX: un buscador muy básico y nada complicado para solo empezar a buscar canciones o artistas</a:t>
-            </a:r>
-          </a:p>
-          <a:p>
-            <a:r>
-              <a:rPr lang="es-MX" dirty="0" smtClean="0"/>
-              <a:t>UI: un sencillo input que inmediatamente comienza a buscar todos los resultados coincidentes</a:t>
-            </a:r>
-            <a:endParaRPr lang="es-MX" dirty="0"/>
-          </a:p>
-        </p:txBody>
-      </p:sp>
-      <p:sp>
-        <p:nvSpPr>
-          <p:cNvPr id="7" name="CuadroTexto 6"/>
-          <p:cNvSpPr txBox="1"/>
-          <p:nvPr/>
-        </p:nvSpPr>
-        <p:spPr>
-          <a:xfrm>
-            <a:off x="5907505" y="4584032"/>
-            <a:ext cx="5257361" cy="1200329"/>
-          </a:xfrm>
-          <a:prstGeom prst="rect">
-            <a:avLst/>
-          </a:prstGeom>
-          <a:noFill/>
-        </p:spPr>
-        <p:txBody>
-          <a:bodyPr wrap="square" rtlCol="0">
-            <a:spAutoFit/>
-          </a:bodyPr>
-          <a:lstStyle/>
-          <a:p>
-            <a:r>
-              <a:rPr lang="es-MX" dirty="0" smtClean="0"/>
-              <a:t>UX: respuesta en caso de no encontrar nada parecido a la búsqueda solicitada</a:t>
-            </a:r>
-          </a:p>
-          <a:p>
-            <a:r>
-              <a:rPr lang="es-MX" dirty="0" smtClean="0"/>
-              <a:t>UI: respuesta por default en caso de que se de la excepción de ningún resultado encontrado</a:t>
-            </a:r>
-            <a:endParaRPr lang="es-MX" dirty="0"/>
-          </a:p>
-        </p:txBody>
-      </p:sp>
-    </p:spTree>
-    <p:extLst>
-      <p:ext uri="{BB962C8B-B14F-4D97-AF65-F5344CB8AC3E}">
-        <p14:creationId xmlns:p14="http://schemas.microsoft.com/office/powerpoint/2010/main" val="2819177282"/>
-      </p:ext>
-    </p:extLst>
-  </p:cSld>
-  <p:clrMapOvr>
-    <a:masterClrMapping/>
-  </p:clrMapOvr>
+  <p:transition>
+    <p:fade thruBlk="1"/>
+  </p:transition>
   <p:timing>
     <p:tnLst>
       <p:par>
@@ -6949,7 +7962,7 @@
     </a:clrScheme>
     <a:fontScheme name="Faceta">
       <a:majorFont>
-        <a:latin typeface="Trebuchet MS" panose="020B0603020202020204"/>
+        <a:latin typeface="Trebuchet MS"/>
         <a:ea typeface=""/>
         <a:cs typeface=""/>
         <a:font script="Jpan" typeface="メイリオ"/>
@@ -6984,7 +7997,7 @@
         <a:font script="Geor" typeface="Sylfaen"/>
       </a:majorFont>
       <a:minorFont>
-        <a:latin typeface="Trebuchet MS" panose="020B0603020202020204"/>
+        <a:latin typeface="Trebuchet MS"/>
         <a:ea typeface=""/>
         <a:cs typeface=""/>
         <a:font script="Jpan" typeface="メイリオ"/>
@@ -7153,11 +8166,9 @@
       </a:bgFillStyleLst>
     </a:fmtScheme>
   </a:themeElements>
-  <a:objectDefaults/>
-  <a:extraClrSchemeLst/>
   <a:extLst>
     <a:ext uri="{05A4C25C-085E-4340-85A3-A5531E510DB2}">
-      <thm15:themeFamily xmlns:thm15="http://schemas.microsoft.com/office/thememl/2012/main" name="Facet" id="{C0C680CD-088A-49FC-A102-D699147F32B2}" vid="{8C59B386-999D-4CB6-B907-9F3997C027CC}"/>
+      <thm15:themeFamily xmlns:thm15="http://schemas.microsoft.com/office/thememl/2012/main" name="Office Theme" id="{62F939B6-93AF-4DB8-9C6B-D6C7DFDC589F}" vid="{4A3C46E8-61CC-4603-A589-7422A47A8E4A}"/>
     </a:ext>
   </a:extLst>
 </a:theme>

--- a/tarea/Spotify.pptx
+++ b/tarea/Spotify.pptx
@@ -5,13 +5,13 @@
     <p:sldMasterId id="2147483648" r:id="rId1"/>
   </p:sldMasterIdLst>
   <p:sldIdLst>
-    <p:sldId id="256" r:id="rId3"/>
-    <p:sldId id="258" r:id="rId4"/>
-    <p:sldId id="257" r:id="rId5"/>
-    <p:sldId id="260" r:id="rId6"/>
-    <p:sldId id="259" r:id="rId7"/>
-    <p:sldId id="261" r:id="rId8"/>
-    <p:sldId id="262" r:id="rId9"/>
+    <p:sldId id="256" r:id="rId2"/>
+    <p:sldId id="258" r:id="rId3"/>
+    <p:sldId id="257" r:id="rId4"/>
+    <p:sldId id="260" r:id="rId5"/>
+    <p:sldId id="259" r:id="rId6"/>
+    <p:sldId id="261" r:id="rId7"/>
+    <p:sldId id="262" r:id="rId8"/>
   </p:sldIdLst>
   <p:sldSz cx="12192000" cy="6858000"/>
   <p:notesSz cx="6858000" cy="9144000"/>
@@ -110,11 +110,16 @@
       </a:defRPr>
     </a:lvl9pPr>
   </p:defaultTextStyle>
+  <p:extLst>
+    <p:ext uri="{EFAFB233-063F-42B5-8137-9DF3F51BA10A}">
+      <p15:sldGuideLst xmlns:p15="http://schemas.microsoft.com/office/powerpoint/2012/main"/>
+    </p:ext>
+  </p:extLst>
 </p:presentation>
 </file>
 
 <file path=ppt/slideLayouts/slideLayout1.xml><?xml version="1.0" encoding="utf-8"?>
-<p:sldLayout xmlns:a="http://schemas.openxmlformats.org/drawingml/2006/main" xmlns:r="http://schemas.openxmlformats.org/officeDocument/2006/relationships" xmlns:p="http://schemas.openxmlformats.org/presentationml/2006/main" type="title" preserve="1" showMasterSp="0">
+<p:sldLayout xmlns:a="http://schemas.openxmlformats.org/drawingml/2006/main" xmlns:r="http://schemas.openxmlformats.org/officeDocument/2006/relationships" xmlns:p="http://schemas.openxmlformats.org/presentationml/2006/main" showMasterSp="0" type="title" preserve="1">
   <p:cSld name="Diapositiva de título">
     <p:spTree>
       <p:nvGrpSpPr>
@@ -837,6 +842,7 @@
           <a:p>
             <a:fld id="{849D8D26-A748-46E9-A542-215C52EC9E7C}" type="datetimeFigureOut">
               <a:rPr lang="en-US" smtClean="0"/>
+              <a:t>10/4/2019</a:t>
             </a:fld>
             <a:endParaRPr lang="en-US"/>
           </a:p>
@@ -878,6 +884,7 @@
           <a:p>
             <a:fld id="{24130969-5BD5-4700-B021-68CBC9F29885}" type="slidenum">
               <a:rPr lang="en-US" smtClean="0"/>
+              <a:t>‹Nº›</a:t>
             </a:fld>
             <a:endParaRPr lang="en-US"/>
           </a:p>
@@ -888,13 +895,13 @@
   <p:clrMapOvr>
     <a:masterClrMapping/>
   </p:clrMapOvr>
-  <mc:AlternateContent xmlns:mc="http://schemas.openxmlformats.org/markup-compatibility/2006">
-    <mc:Choice xmlns:p14="http://schemas.microsoft.com/office/powerpoint/2010/main" Requires="p14">
-      <p:transition p14:dur="500">
+  <mc:AlternateContent xmlns:mc="http://schemas.openxmlformats.org/markup-compatibility/2006" xmlns:p14="http://schemas.microsoft.com/office/powerpoint/2010/main">
+    <mc:Choice Requires="p14">
+      <p:transition>
         <p:fade thruBlk="1"/>
       </p:transition>
     </mc:Choice>
-    <mc:Fallback>
+    <mc:Fallback xmlns="">
       <p:transition>
         <p:fade thruBlk="1"/>
       </p:transition>
@@ -904,7 +911,7 @@
 </file>
 
 <file path=ppt/slideLayouts/slideLayout10.xml><?xml version="1.0" encoding="utf-8"?>
-<p:sldLayout xmlns:a="http://schemas.openxmlformats.org/drawingml/2006/main" xmlns:r="http://schemas.openxmlformats.org/officeDocument/2006/relationships" xmlns:p="http://schemas.openxmlformats.org/presentationml/2006/main" preserve="1" showMasterSp="0">
+<p:sldLayout xmlns:a="http://schemas.openxmlformats.org/drawingml/2006/main" xmlns:r="http://schemas.openxmlformats.org/officeDocument/2006/relationships" xmlns:p="http://schemas.openxmlformats.org/presentationml/2006/main" showMasterSp="0" preserve="1">
   <p:cSld name="Título y descripción">
     <p:spTree>
       <p:nvGrpSpPr>
@@ -1073,7 +1080,6 @@
               <a:rPr lang="es-ES" smtClean="0"/>
               <a:t>Haga clic para modificar el estilo de texto del patrón</a:t>
             </a:r>
-            <a:endParaRPr lang="es-ES" smtClean="0"/>
           </a:p>
         </p:txBody>
       </p:sp>
@@ -1094,6 +1100,7 @@
           <a:p>
             <a:fld id="{849D8D26-A748-46E9-A542-215C52EC9E7C}" type="datetimeFigureOut">
               <a:rPr lang="en-US" smtClean="0"/>
+              <a:t>10/4/2019</a:t>
             </a:fld>
             <a:endParaRPr lang="en-US"/>
           </a:p>
@@ -1135,6 +1142,7 @@
           <a:p>
             <a:fld id="{24130969-5BD5-4700-B021-68CBC9F29885}" type="slidenum">
               <a:rPr lang="en-US" smtClean="0"/>
+              <a:t>‹Nº›</a:t>
             </a:fld>
             <a:endParaRPr lang="en-US"/>
           </a:p>
@@ -1145,13 +1153,13 @@
   <p:clrMapOvr>
     <a:masterClrMapping/>
   </p:clrMapOvr>
-  <mc:AlternateContent xmlns:mc="http://schemas.openxmlformats.org/markup-compatibility/2006">
-    <mc:Choice xmlns:p14="http://schemas.microsoft.com/office/powerpoint/2010/main" Requires="p14">
-      <p:transition p14:dur="500">
+  <mc:AlternateContent xmlns:mc="http://schemas.openxmlformats.org/markup-compatibility/2006" xmlns:p14="http://schemas.microsoft.com/office/powerpoint/2010/main">
+    <mc:Choice Requires="p14">
+      <p:transition>
         <p:fade thruBlk="1"/>
       </p:transition>
     </mc:Choice>
-    <mc:Fallback>
+    <mc:Fallback xmlns="">
       <p:transition>
         <p:fade thruBlk="1"/>
       </p:transition>
@@ -1161,7 +1169,7 @@
 </file>
 
 <file path=ppt/slideLayouts/slideLayout11.xml><?xml version="1.0" encoding="utf-8"?>
-<p:sldLayout xmlns:a="http://schemas.openxmlformats.org/drawingml/2006/main" xmlns:r="http://schemas.openxmlformats.org/officeDocument/2006/relationships" xmlns:p="http://schemas.openxmlformats.org/presentationml/2006/main" preserve="1" showMasterSp="0">
+<p:sldLayout xmlns:a="http://schemas.openxmlformats.org/drawingml/2006/main" xmlns:r="http://schemas.openxmlformats.org/officeDocument/2006/relationships" xmlns:p="http://schemas.openxmlformats.org/presentationml/2006/main" showMasterSp="0" preserve="1">
   <p:cSld name="Cita con descripción">
     <p:spTree>
       <p:nvGrpSpPr>
@@ -1271,7 +1279,6 @@
               <a:rPr lang="es-ES" smtClean="0"/>
               <a:t>Haga clic para modificar el estilo de texto del patrón</a:t>
             </a:r>
-            <a:endParaRPr lang="es-ES" smtClean="0"/>
           </a:p>
         </p:txBody>
       </p:sp>
@@ -1394,7 +1401,6 @@
               <a:rPr lang="es-ES" smtClean="0"/>
               <a:t>Haga clic para modificar el estilo de texto del patrón</a:t>
             </a:r>
-            <a:endParaRPr lang="es-ES" smtClean="0"/>
           </a:p>
         </p:txBody>
       </p:sp>
@@ -1415,6 +1421,7 @@
           <a:p>
             <a:fld id="{849D8D26-A748-46E9-A542-215C52EC9E7C}" type="datetimeFigureOut">
               <a:rPr lang="en-US" smtClean="0"/>
+              <a:t>10/4/2019</a:t>
             </a:fld>
             <a:endParaRPr lang="en-US"/>
           </a:p>
@@ -1456,6 +1463,7 @@
           <a:p>
             <a:fld id="{24130969-5BD5-4700-B021-68CBC9F29885}" type="slidenum">
               <a:rPr lang="en-US" smtClean="0"/>
+              <a:t>‹Nº›</a:t>
             </a:fld>
             <a:endParaRPr lang="en-US"/>
           </a:p>
@@ -1496,16 +1504,6 @@
               </a:rPr>
               <a:t>“</a:t>
             </a:r>
-            <a:endParaRPr lang="en-US" sz="8000" baseline="0" dirty="0">
-              <a:ln w="3175" cmpd="sng">
-                <a:noFill/>
-              </a:ln>
-              <a:solidFill>
-                <a:schemeClr val="accent1"/>
-              </a:solidFill>
-              <a:effectLst/>
-              <a:latin typeface="Arial" panose="020B0604020202020204"/>
-            </a:endParaRPr>
           </a:p>
         </p:txBody>
       </p:sp>
@@ -1544,16 +1542,6 @@
               </a:rPr>
               <a:t>”</a:t>
             </a:r>
-            <a:endParaRPr lang="en-US" sz="8000" baseline="0" dirty="0">
-              <a:ln w="3175" cmpd="sng">
-                <a:noFill/>
-              </a:ln>
-              <a:solidFill>
-                <a:schemeClr val="accent1"/>
-              </a:solidFill>
-              <a:effectLst/>
-              <a:latin typeface="Arial" panose="020B0604020202020204"/>
-            </a:endParaRPr>
           </a:p>
         </p:txBody>
       </p:sp>
@@ -1562,13 +1550,13 @@
   <p:clrMapOvr>
     <a:masterClrMapping/>
   </p:clrMapOvr>
-  <mc:AlternateContent xmlns:mc="http://schemas.openxmlformats.org/markup-compatibility/2006">
-    <mc:Choice xmlns:p14="http://schemas.microsoft.com/office/powerpoint/2010/main" Requires="p14">
-      <p:transition p14:dur="500">
+  <mc:AlternateContent xmlns:mc="http://schemas.openxmlformats.org/markup-compatibility/2006" xmlns:p14="http://schemas.microsoft.com/office/powerpoint/2010/main">
+    <mc:Choice Requires="p14">
+      <p:transition>
         <p:fade thruBlk="1"/>
       </p:transition>
     </mc:Choice>
-    <mc:Fallback>
+    <mc:Fallback xmlns="">
       <p:transition>
         <p:fade thruBlk="1"/>
       </p:transition>
@@ -1578,7 +1566,7 @@
 </file>
 
 <file path=ppt/slideLayouts/slideLayout12.xml><?xml version="1.0" encoding="utf-8"?>
-<p:sldLayout xmlns:a="http://schemas.openxmlformats.org/drawingml/2006/main" xmlns:r="http://schemas.openxmlformats.org/officeDocument/2006/relationships" xmlns:p="http://schemas.openxmlformats.org/presentationml/2006/main" preserve="1" showMasterSp="0">
+<p:sldLayout xmlns:a="http://schemas.openxmlformats.org/drawingml/2006/main" xmlns:r="http://schemas.openxmlformats.org/officeDocument/2006/relationships" xmlns:p="http://schemas.openxmlformats.org/presentationml/2006/main" showMasterSp="0" preserve="1">
   <p:cSld name="Tarjeta de nombre">
     <p:spTree>
       <p:nvGrpSpPr>
@@ -1747,7 +1735,6 @@
               <a:rPr lang="es-ES" smtClean="0"/>
               <a:t>Haga clic para modificar el estilo de texto del patrón</a:t>
             </a:r>
-            <a:endParaRPr lang="es-ES" smtClean="0"/>
           </a:p>
         </p:txBody>
       </p:sp>
@@ -1768,6 +1755,7 @@
           <a:p>
             <a:fld id="{849D8D26-A748-46E9-A542-215C52EC9E7C}" type="datetimeFigureOut">
               <a:rPr lang="en-US" smtClean="0"/>
+              <a:t>10/4/2019</a:t>
             </a:fld>
             <a:endParaRPr lang="en-US"/>
           </a:p>
@@ -1809,6 +1797,7 @@
           <a:p>
             <a:fld id="{24130969-5BD5-4700-B021-68CBC9F29885}" type="slidenum">
               <a:rPr lang="en-US" smtClean="0"/>
+              <a:t>‹Nº›</a:t>
             </a:fld>
             <a:endParaRPr lang="en-US"/>
           </a:p>
@@ -1819,13 +1808,13 @@
   <p:clrMapOvr>
     <a:masterClrMapping/>
   </p:clrMapOvr>
-  <mc:AlternateContent xmlns:mc="http://schemas.openxmlformats.org/markup-compatibility/2006">
-    <mc:Choice xmlns:p14="http://schemas.microsoft.com/office/powerpoint/2010/main" Requires="p14">
-      <p:transition p14:dur="500">
+  <mc:AlternateContent xmlns:mc="http://schemas.openxmlformats.org/markup-compatibility/2006" xmlns:p14="http://schemas.microsoft.com/office/powerpoint/2010/main">
+    <mc:Choice Requires="p14">
+      <p:transition>
         <p:fade thruBlk="1"/>
       </p:transition>
     </mc:Choice>
-    <mc:Fallback>
+    <mc:Fallback xmlns="">
       <p:transition>
         <p:fade thruBlk="1"/>
       </p:transition>
@@ -1835,7 +1824,7 @@
 </file>
 
 <file path=ppt/slideLayouts/slideLayout13.xml><?xml version="1.0" encoding="utf-8"?>
-<p:sldLayout xmlns:a="http://schemas.openxmlformats.org/drawingml/2006/main" xmlns:r="http://schemas.openxmlformats.org/officeDocument/2006/relationships" xmlns:p="http://schemas.openxmlformats.org/presentationml/2006/main" preserve="1" showMasterSp="0">
+<p:sldLayout xmlns:a="http://schemas.openxmlformats.org/drawingml/2006/main" xmlns:r="http://schemas.openxmlformats.org/officeDocument/2006/relationships" xmlns:p="http://schemas.openxmlformats.org/presentationml/2006/main" showMasterSp="0" preserve="1">
   <p:cSld name="Citar la tarjeta de nombre">
     <p:spTree>
       <p:nvGrpSpPr>
@@ -1945,7 +1934,6 @@
               <a:rPr lang="es-ES" smtClean="0"/>
               <a:t>Haga clic para modificar el estilo de texto del patrón</a:t>
             </a:r>
-            <a:endParaRPr lang="es-ES" smtClean="0"/>
           </a:p>
         </p:txBody>
       </p:sp>
@@ -2068,7 +2056,6 @@
               <a:rPr lang="es-ES" smtClean="0"/>
               <a:t>Haga clic para modificar el estilo de texto del patrón</a:t>
             </a:r>
-            <a:endParaRPr lang="es-ES" smtClean="0"/>
           </a:p>
         </p:txBody>
       </p:sp>
@@ -2089,6 +2076,7 @@
           <a:p>
             <a:fld id="{849D8D26-A748-46E9-A542-215C52EC9E7C}" type="datetimeFigureOut">
               <a:rPr lang="en-US" smtClean="0"/>
+              <a:t>10/4/2019</a:t>
             </a:fld>
             <a:endParaRPr lang="en-US"/>
           </a:p>
@@ -2130,6 +2118,7 @@
           <a:p>
             <a:fld id="{24130969-5BD5-4700-B021-68CBC9F29885}" type="slidenum">
               <a:rPr lang="en-US" smtClean="0"/>
+              <a:t>‹Nº›</a:t>
             </a:fld>
             <a:endParaRPr lang="en-US"/>
           </a:p>
@@ -2170,16 +2159,6 @@
               </a:rPr>
               <a:t>“</a:t>
             </a:r>
-            <a:endParaRPr lang="en-US" sz="8000" baseline="0" dirty="0">
-              <a:ln w="3175" cmpd="sng">
-                <a:noFill/>
-              </a:ln>
-              <a:solidFill>
-                <a:schemeClr val="accent1"/>
-              </a:solidFill>
-              <a:effectLst/>
-              <a:latin typeface="Arial" panose="020B0604020202020204"/>
-            </a:endParaRPr>
           </a:p>
         </p:txBody>
       </p:sp>
@@ -2218,16 +2197,6 @@
               </a:rPr>
               <a:t>”</a:t>
             </a:r>
-            <a:endParaRPr lang="en-US" sz="8000" baseline="0" dirty="0">
-              <a:ln w="3175" cmpd="sng">
-                <a:noFill/>
-              </a:ln>
-              <a:solidFill>
-                <a:schemeClr val="accent1"/>
-              </a:solidFill>
-              <a:effectLst/>
-              <a:latin typeface="Arial" panose="020B0604020202020204"/>
-            </a:endParaRPr>
           </a:p>
         </p:txBody>
       </p:sp>
@@ -2236,13 +2205,13 @@
   <p:clrMapOvr>
     <a:masterClrMapping/>
   </p:clrMapOvr>
-  <mc:AlternateContent xmlns:mc="http://schemas.openxmlformats.org/markup-compatibility/2006">
-    <mc:Choice xmlns:p14="http://schemas.microsoft.com/office/powerpoint/2010/main" Requires="p14">
-      <p:transition p14:dur="500">
+  <mc:AlternateContent xmlns:mc="http://schemas.openxmlformats.org/markup-compatibility/2006" xmlns:p14="http://schemas.microsoft.com/office/powerpoint/2010/main">
+    <mc:Choice Requires="p14">
+      <p:transition>
         <p:fade thruBlk="1"/>
       </p:transition>
     </mc:Choice>
-    <mc:Fallback>
+    <mc:Fallback xmlns="">
       <p:transition>
         <p:fade thruBlk="1"/>
       </p:transition>
@@ -2252,7 +2221,7 @@
 </file>
 
 <file path=ppt/slideLayouts/slideLayout14.xml><?xml version="1.0" encoding="utf-8"?>
-<p:sldLayout xmlns:a="http://schemas.openxmlformats.org/drawingml/2006/main" xmlns:r="http://schemas.openxmlformats.org/officeDocument/2006/relationships" xmlns:p="http://schemas.openxmlformats.org/presentationml/2006/main" preserve="1" showMasterSp="0">
+<p:sldLayout xmlns:a="http://schemas.openxmlformats.org/drawingml/2006/main" xmlns:r="http://schemas.openxmlformats.org/officeDocument/2006/relationships" xmlns:p="http://schemas.openxmlformats.org/presentationml/2006/main" showMasterSp="0" preserve="1">
   <p:cSld name="Verdadero o falso">
     <p:spTree>
       <p:nvGrpSpPr>
@@ -2359,7 +2328,6 @@
               <a:rPr lang="es-ES" smtClean="0"/>
               <a:t>Haga clic para modificar el estilo de texto del patrón</a:t>
             </a:r>
-            <a:endParaRPr lang="es-ES" smtClean="0"/>
           </a:p>
         </p:txBody>
       </p:sp>
@@ -2482,7 +2450,6 @@
               <a:rPr lang="es-ES" smtClean="0"/>
               <a:t>Haga clic para modificar el estilo de texto del patrón</a:t>
             </a:r>
-            <a:endParaRPr lang="es-ES" smtClean="0"/>
           </a:p>
         </p:txBody>
       </p:sp>
@@ -2503,6 +2470,7 @@
           <a:p>
             <a:fld id="{849D8D26-A748-46E9-A542-215C52EC9E7C}" type="datetimeFigureOut">
               <a:rPr lang="en-US" smtClean="0"/>
+              <a:t>10/4/2019</a:t>
             </a:fld>
             <a:endParaRPr lang="en-US"/>
           </a:p>
@@ -2544,6 +2512,7 @@
           <a:p>
             <a:fld id="{24130969-5BD5-4700-B021-68CBC9F29885}" type="slidenum">
               <a:rPr lang="en-US" smtClean="0"/>
+              <a:t>‹Nº›</a:t>
             </a:fld>
             <a:endParaRPr lang="en-US"/>
           </a:p>
@@ -2554,13 +2523,13 @@
   <p:clrMapOvr>
     <a:masterClrMapping/>
   </p:clrMapOvr>
-  <mc:AlternateContent xmlns:mc="http://schemas.openxmlformats.org/markup-compatibility/2006">
-    <mc:Choice xmlns:p14="http://schemas.microsoft.com/office/powerpoint/2010/main" Requires="p14">
-      <p:transition p14:dur="500">
+  <mc:AlternateContent xmlns:mc="http://schemas.openxmlformats.org/markup-compatibility/2006" xmlns:p14="http://schemas.microsoft.com/office/powerpoint/2010/main">
+    <mc:Choice Requires="p14">
+      <p:transition>
         <p:fade thruBlk="1"/>
       </p:transition>
     </mc:Choice>
-    <mc:Fallback>
+    <mc:Fallback xmlns="">
       <p:transition>
         <p:fade thruBlk="1"/>
       </p:transition>
@@ -2570,7 +2539,7 @@
 </file>
 
 <file path=ppt/slideLayouts/slideLayout15.xml><?xml version="1.0" encoding="utf-8"?>
-<p:sldLayout xmlns:a="http://schemas.openxmlformats.org/drawingml/2006/main" xmlns:r="http://schemas.openxmlformats.org/officeDocument/2006/relationships" xmlns:p="http://schemas.openxmlformats.org/presentationml/2006/main" type="vertTx" preserve="1" showMasterSp="0">
+<p:sldLayout xmlns:a="http://schemas.openxmlformats.org/drawingml/2006/main" xmlns:r="http://schemas.openxmlformats.org/officeDocument/2006/relationships" xmlns:p="http://schemas.openxmlformats.org/presentationml/2006/main" showMasterSp="0" type="vertTx" preserve="1">
   <p:cSld name="Título y texto vertical">
     <p:spTree>
       <p:nvGrpSpPr>
@@ -2629,7 +2598,6 @@
               <a:rPr lang="es-ES" smtClean="0"/>
               <a:t>Haga clic para modificar el estilo de texto del patrón</a:t>
             </a:r>
-            <a:endParaRPr lang="es-ES" smtClean="0"/>
           </a:p>
           <a:p>
             <a:pPr lvl="1"/>
@@ -2637,7 +2605,6 @@
               <a:rPr lang="es-ES" smtClean="0"/>
               <a:t>Segundo nivel</a:t>
             </a:r>
-            <a:endParaRPr lang="es-ES" smtClean="0"/>
           </a:p>
           <a:p>
             <a:pPr lvl="2"/>
@@ -2645,7 +2612,6 @@
               <a:rPr lang="es-ES" smtClean="0"/>
               <a:t>Tercer nivel</a:t>
             </a:r>
-            <a:endParaRPr lang="es-ES" smtClean="0"/>
           </a:p>
           <a:p>
             <a:pPr lvl="3"/>
@@ -2653,7 +2619,6 @@
               <a:rPr lang="es-ES" smtClean="0"/>
               <a:t>Cuarto nivel</a:t>
             </a:r>
-            <a:endParaRPr lang="es-ES" smtClean="0"/>
           </a:p>
           <a:p>
             <a:pPr lvl="4"/>
@@ -2682,6 +2647,7 @@
           <a:p>
             <a:fld id="{849D8D26-A748-46E9-A542-215C52EC9E7C}" type="datetimeFigureOut">
               <a:rPr lang="en-US" smtClean="0"/>
+              <a:t>10/4/2019</a:t>
             </a:fld>
             <a:endParaRPr lang="en-US"/>
           </a:p>
@@ -2723,6 +2689,7 @@
           <a:p>
             <a:fld id="{24130969-5BD5-4700-B021-68CBC9F29885}" type="slidenum">
               <a:rPr lang="en-US" smtClean="0"/>
+              <a:t>‹Nº›</a:t>
             </a:fld>
             <a:endParaRPr lang="en-US"/>
           </a:p>
@@ -2733,13 +2700,13 @@
   <p:clrMapOvr>
     <a:masterClrMapping/>
   </p:clrMapOvr>
-  <mc:AlternateContent xmlns:mc="http://schemas.openxmlformats.org/markup-compatibility/2006">
-    <mc:Choice xmlns:p14="http://schemas.microsoft.com/office/powerpoint/2010/main" Requires="p14">
-      <p:transition p14:dur="500">
+  <mc:AlternateContent xmlns:mc="http://schemas.openxmlformats.org/markup-compatibility/2006" xmlns:p14="http://schemas.microsoft.com/office/powerpoint/2010/main">
+    <mc:Choice Requires="p14">
+      <p:transition>
         <p:fade thruBlk="1"/>
       </p:transition>
     </mc:Choice>
-    <mc:Fallback>
+    <mc:Fallback xmlns="">
       <p:transition>
         <p:fade thruBlk="1"/>
       </p:transition>
@@ -2749,7 +2716,7 @@
 </file>
 
 <file path=ppt/slideLayouts/slideLayout16.xml><?xml version="1.0" encoding="utf-8"?>
-<p:sldLayout xmlns:a="http://schemas.openxmlformats.org/drawingml/2006/main" xmlns:r="http://schemas.openxmlformats.org/officeDocument/2006/relationships" xmlns:p="http://schemas.openxmlformats.org/presentationml/2006/main" type="vertTitleAndTx" preserve="1" showMasterSp="0">
+<p:sldLayout xmlns:a="http://schemas.openxmlformats.org/drawingml/2006/main" xmlns:r="http://schemas.openxmlformats.org/officeDocument/2006/relationships" xmlns:p="http://schemas.openxmlformats.org/presentationml/2006/main" showMasterSp="0" type="vertTitleAndTx" preserve="1">
   <p:cSld name="Título vertical y texto">
     <p:spTree>
       <p:nvGrpSpPr>
@@ -2818,7 +2785,6 @@
               <a:rPr lang="es-ES" smtClean="0"/>
               <a:t>Haga clic para modificar el estilo de texto del patrón</a:t>
             </a:r>
-            <a:endParaRPr lang="es-ES" smtClean="0"/>
           </a:p>
           <a:p>
             <a:pPr lvl="1"/>
@@ -2826,7 +2792,6 @@
               <a:rPr lang="es-ES" smtClean="0"/>
               <a:t>Segundo nivel</a:t>
             </a:r>
-            <a:endParaRPr lang="es-ES" smtClean="0"/>
           </a:p>
           <a:p>
             <a:pPr lvl="2"/>
@@ -2834,7 +2799,6 @@
               <a:rPr lang="es-ES" smtClean="0"/>
               <a:t>Tercer nivel</a:t>
             </a:r>
-            <a:endParaRPr lang="es-ES" smtClean="0"/>
           </a:p>
           <a:p>
             <a:pPr lvl="3"/>
@@ -2842,7 +2806,6 @@
               <a:rPr lang="es-ES" smtClean="0"/>
               <a:t>Cuarto nivel</a:t>
             </a:r>
-            <a:endParaRPr lang="es-ES" smtClean="0"/>
           </a:p>
           <a:p>
             <a:pPr lvl="4"/>
@@ -2871,6 +2834,7 @@
           <a:p>
             <a:fld id="{849D8D26-A748-46E9-A542-215C52EC9E7C}" type="datetimeFigureOut">
               <a:rPr lang="en-US" smtClean="0"/>
+              <a:t>10/4/2019</a:t>
             </a:fld>
             <a:endParaRPr lang="en-US"/>
           </a:p>
@@ -2912,6 +2876,7 @@
           <a:p>
             <a:fld id="{24130969-5BD5-4700-B021-68CBC9F29885}" type="slidenum">
               <a:rPr lang="en-US" smtClean="0"/>
+              <a:t>‹Nº›</a:t>
             </a:fld>
             <a:endParaRPr lang="en-US"/>
           </a:p>
@@ -2922,13 +2887,13 @@
   <p:clrMapOvr>
     <a:masterClrMapping/>
   </p:clrMapOvr>
-  <mc:AlternateContent xmlns:mc="http://schemas.openxmlformats.org/markup-compatibility/2006">
-    <mc:Choice xmlns:p14="http://schemas.microsoft.com/office/powerpoint/2010/main" Requires="p14">
-      <p:transition p14:dur="500">
+  <mc:AlternateContent xmlns:mc="http://schemas.openxmlformats.org/markup-compatibility/2006" xmlns:p14="http://schemas.microsoft.com/office/powerpoint/2010/main">
+    <mc:Choice Requires="p14">
+      <p:transition>
         <p:fade thruBlk="1"/>
       </p:transition>
     </mc:Choice>
-    <mc:Fallback>
+    <mc:Fallback xmlns="">
       <p:transition>
         <p:fade thruBlk="1"/>
       </p:transition>
@@ -2938,7 +2903,7 @@
 </file>
 
 <file path=ppt/slideLayouts/slideLayout2.xml><?xml version="1.0" encoding="utf-8"?>
-<p:sldLayout xmlns:a="http://schemas.openxmlformats.org/drawingml/2006/main" xmlns:r="http://schemas.openxmlformats.org/officeDocument/2006/relationships" xmlns:p="http://schemas.openxmlformats.org/presentationml/2006/main" type="obj" preserve="1" showMasterSp="0">
+<p:sldLayout xmlns:a="http://schemas.openxmlformats.org/drawingml/2006/main" xmlns:r="http://schemas.openxmlformats.org/officeDocument/2006/relationships" xmlns:p="http://schemas.openxmlformats.org/presentationml/2006/main" showMasterSp="0" type="obj" preserve="1">
   <p:cSld name="Título y objetos">
     <p:spTree>
       <p:nvGrpSpPr>
@@ -3003,7 +2968,6 @@
               <a:rPr lang="es-ES" smtClean="0"/>
               <a:t>Haga clic para modificar el estilo de texto del patrón</a:t>
             </a:r>
-            <a:endParaRPr lang="es-ES" smtClean="0"/>
           </a:p>
           <a:p>
             <a:pPr lvl="1"/>
@@ -3011,7 +2975,6 @@
               <a:rPr lang="es-ES" smtClean="0"/>
               <a:t>Segundo nivel</a:t>
             </a:r>
-            <a:endParaRPr lang="es-ES" smtClean="0"/>
           </a:p>
           <a:p>
             <a:pPr lvl="2"/>
@@ -3019,7 +2982,6 @@
               <a:rPr lang="es-ES" smtClean="0"/>
               <a:t>Tercer nivel</a:t>
             </a:r>
-            <a:endParaRPr lang="es-ES" smtClean="0"/>
           </a:p>
           <a:p>
             <a:pPr lvl="3"/>
@@ -3027,7 +2989,6 @@
               <a:rPr lang="es-ES" smtClean="0"/>
               <a:t>Cuarto nivel</a:t>
             </a:r>
-            <a:endParaRPr lang="es-ES" smtClean="0"/>
           </a:p>
           <a:p>
             <a:pPr lvl="4"/>
@@ -3056,6 +3017,7 @@
           <a:p>
             <a:fld id="{849D8D26-A748-46E9-A542-215C52EC9E7C}" type="datetimeFigureOut">
               <a:rPr lang="en-US" smtClean="0"/>
+              <a:t>10/4/2019</a:t>
             </a:fld>
             <a:endParaRPr lang="en-US"/>
           </a:p>
@@ -3097,6 +3059,7 @@
           <a:p>
             <a:fld id="{24130969-5BD5-4700-B021-68CBC9F29885}" type="slidenum">
               <a:rPr lang="en-US" smtClean="0"/>
+              <a:t>‹Nº›</a:t>
             </a:fld>
             <a:endParaRPr lang="en-US"/>
           </a:p>
@@ -3107,13 +3070,13 @@
   <p:clrMapOvr>
     <a:masterClrMapping/>
   </p:clrMapOvr>
-  <mc:AlternateContent xmlns:mc="http://schemas.openxmlformats.org/markup-compatibility/2006">
-    <mc:Choice xmlns:p14="http://schemas.microsoft.com/office/powerpoint/2010/main" Requires="p14">
-      <p:transition p14:dur="500">
+  <mc:AlternateContent xmlns:mc="http://schemas.openxmlformats.org/markup-compatibility/2006" xmlns:p14="http://schemas.microsoft.com/office/powerpoint/2010/main">
+    <mc:Choice Requires="p14">
+      <p:transition>
         <p:fade thruBlk="1"/>
       </p:transition>
     </mc:Choice>
-    <mc:Fallback>
+    <mc:Fallback xmlns="">
       <p:transition>
         <p:fade thruBlk="1"/>
       </p:transition>
@@ -3123,7 +3086,7 @@
 </file>
 
 <file path=ppt/slideLayouts/slideLayout3.xml><?xml version="1.0" encoding="utf-8"?>
-<p:sldLayout xmlns:a="http://schemas.openxmlformats.org/drawingml/2006/main" xmlns:r="http://schemas.openxmlformats.org/officeDocument/2006/relationships" xmlns:p="http://schemas.openxmlformats.org/presentationml/2006/main" type="secHead" preserve="1" showMasterSp="0">
+<p:sldLayout xmlns:a="http://schemas.openxmlformats.org/drawingml/2006/main" xmlns:r="http://schemas.openxmlformats.org/officeDocument/2006/relationships" xmlns:p="http://schemas.openxmlformats.org/presentationml/2006/main" showMasterSp="0" type="secHead" preserve="1">
   <p:cSld name="Encabezado de sección">
     <p:spTree>
       <p:nvGrpSpPr>
@@ -3288,7 +3251,6 @@
               <a:rPr lang="es-ES" smtClean="0"/>
               <a:t>Haga clic para modificar el estilo de texto del patrón</a:t>
             </a:r>
-            <a:endParaRPr lang="es-ES" smtClean="0"/>
           </a:p>
         </p:txBody>
       </p:sp>
@@ -3309,6 +3271,7 @@
           <a:p>
             <a:fld id="{849D8D26-A748-46E9-A542-215C52EC9E7C}" type="datetimeFigureOut">
               <a:rPr lang="en-US" smtClean="0"/>
+              <a:t>10/4/2019</a:t>
             </a:fld>
             <a:endParaRPr lang="en-US"/>
           </a:p>
@@ -3350,6 +3313,7 @@
           <a:p>
             <a:fld id="{24130969-5BD5-4700-B021-68CBC9F29885}" type="slidenum">
               <a:rPr lang="en-US" smtClean="0"/>
+              <a:t>‹Nº›</a:t>
             </a:fld>
             <a:endParaRPr lang="en-US"/>
           </a:p>
@@ -3360,13 +3324,13 @@
   <p:clrMapOvr>
     <a:masterClrMapping/>
   </p:clrMapOvr>
-  <mc:AlternateContent xmlns:mc="http://schemas.openxmlformats.org/markup-compatibility/2006">
-    <mc:Choice xmlns:p14="http://schemas.microsoft.com/office/powerpoint/2010/main" Requires="p14">
-      <p:transition p14:dur="500">
+  <mc:AlternateContent xmlns:mc="http://schemas.openxmlformats.org/markup-compatibility/2006" xmlns:p14="http://schemas.microsoft.com/office/powerpoint/2010/main">
+    <mc:Choice Requires="p14">
+      <p:transition>
         <p:fade thruBlk="1"/>
       </p:transition>
     </mc:Choice>
-    <mc:Fallback>
+    <mc:Fallback xmlns="">
       <p:transition>
         <p:fade thruBlk="1"/>
       </p:transition>
@@ -3376,7 +3340,7 @@
 </file>
 
 <file path=ppt/slideLayouts/slideLayout4.xml><?xml version="1.0" encoding="utf-8"?>
-<p:sldLayout xmlns:a="http://schemas.openxmlformats.org/drawingml/2006/main" xmlns:r="http://schemas.openxmlformats.org/officeDocument/2006/relationships" xmlns:p="http://schemas.openxmlformats.org/presentationml/2006/main" type="twoObj" preserve="1" showMasterSp="0">
+<p:sldLayout xmlns:a="http://schemas.openxmlformats.org/drawingml/2006/main" xmlns:r="http://schemas.openxmlformats.org/officeDocument/2006/relationships" xmlns:p="http://schemas.openxmlformats.org/presentationml/2006/main" showMasterSp="0" type="twoObj" preserve="1">
   <p:cSld name="Dos objetos">
     <p:spTree>
       <p:nvGrpSpPr>
@@ -3440,7 +3404,6 @@
               <a:rPr lang="es-ES" smtClean="0"/>
               <a:t>Haga clic para modificar el estilo de texto del patrón</a:t>
             </a:r>
-            <a:endParaRPr lang="es-ES" smtClean="0"/>
           </a:p>
           <a:p>
             <a:pPr lvl="1"/>
@@ -3448,7 +3411,6 @@
               <a:rPr lang="es-ES" smtClean="0"/>
               <a:t>Segundo nivel</a:t>
             </a:r>
-            <a:endParaRPr lang="es-ES" smtClean="0"/>
           </a:p>
           <a:p>
             <a:pPr lvl="2"/>
@@ -3456,7 +3418,6 @@
               <a:rPr lang="es-ES" smtClean="0"/>
               <a:t>Tercer nivel</a:t>
             </a:r>
-            <a:endParaRPr lang="es-ES" smtClean="0"/>
           </a:p>
           <a:p>
             <a:pPr lvl="3"/>
@@ -3464,7 +3425,6 @@
               <a:rPr lang="es-ES" smtClean="0"/>
               <a:t>Cuarto nivel</a:t>
             </a:r>
-            <a:endParaRPr lang="es-ES" smtClean="0"/>
           </a:p>
           <a:p>
             <a:pPr lvl="4"/>
@@ -3501,7 +3461,6 @@
               <a:rPr lang="es-ES" smtClean="0"/>
               <a:t>Haga clic para modificar el estilo de texto del patrón</a:t>
             </a:r>
-            <a:endParaRPr lang="es-ES" smtClean="0"/>
           </a:p>
           <a:p>
             <a:pPr lvl="1"/>
@@ -3509,7 +3468,6 @@
               <a:rPr lang="es-ES" smtClean="0"/>
               <a:t>Segundo nivel</a:t>
             </a:r>
-            <a:endParaRPr lang="es-ES" smtClean="0"/>
           </a:p>
           <a:p>
             <a:pPr lvl="2"/>
@@ -3517,7 +3475,6 @@
               <a:rPr lang="es-ES" smtClean="0"/>
               <a:t>Tercer nivel</a:t>
             </a:r>
-            <a:endParaRPr lang="es-ES" smtClean="0"/>
           </a:p>
           <a:p>
             <a:pPr lvl="3"/>
@@ -3525,7 +3482,6 @@
               <a:rPr lang="es-ES" smtClean="0"/>
               <a:t>Cuarto nivel</a:t>
             </a:r>
-            <a:endParaRPr lang="es-ES" smtClean="0"/>
           </a:p>
           <a:p>
             <a:pPr lvl="4"/>
@@ -3554,6 +3510,7 @@
           <a:p>
             <a:fld id="{849D8D26-A748-46E9-A542-215C52EC9E7C}" type="datetimeFigureOut">
               <a:rPr lang="en-US" smtClean="0"/>
+              <a:t>10/4/2019</a:t>
             </a:fld>
             <a:endParaRPr lang="en-US"/>
           </a:p>
@@ -3595,6 +3552,7 @@
           <a:p>
             <a:fld id="{24130969-5BD5-4700-B021-68CBC9F29885}" type="slidenum">
               <a:rPr lang="en-US" smtClean="0"/>
+              <a:t>‹Nº›</a:t>
             </a:fld>
             <a:endParaRPr lang="en-US"/>
           </a:p>
@@ -3605,13 +3563,13 @@
   <p:clrMapOvr>
     <a:masterClrMapping/>
   </p:clrMapOvr>
-  <mc:AlternateContent xmlns:mc="http://schemas.openxmlformats.org/markup-compatibility/2006">
-    <mc:Choice xmlns:p14="http://schemas.microsoft.com/office/powerpoint/2010/main" Requires="p14">
-      <p:transition p14:dur="500">
+  <mc:AlternateContent xmlns:mc="http://schemas.openxmlformats.org/markup-compatibility/2006" xmlns:p14="http://schemas.microsoft.com/office/powerpoint/2010/main">
+    <mc:Choice Requires="p14">
+      <p:transition>
         <p:fade thruBlk="1"/>
       </p:transition>
     </mc:Choice>
-    <mc:Fallback>
+    <mc:Fallback xmlns="">
       <p:transition>
         <p:fade thruBlk="1"/>
       </p:transition>
@@ -3621,7 +3579,7 @@
 </file>
 
 <file path=ppt/slideLayouts/slideLayout5.xml><?xml version="1.0" encoding="utf-8"?>
-<p:sldLayout xmlns:a="http://schemas.openxmlformats.org/drawingml/2006/main" xmlns:r="http://schemas.openxmlformats.org/officeDocument/2006/relationships" xmlns:p="http://schemas.openxmlformats.org/presentationml/2006/main" type="twoTxTwoObj" preserve="1" showMasterSp="0">
+<p:sldLayout xmlns:a="http://schemas.openxmlformats.org/drawingml/2006/main" xmlns:r="http://schemas.openxmlformats.org/officeDocument/2006/relationships" xmlns:p="http://schemas.openxmlformats.org/presentationml/2006/main" showMasterSp="0" type="twoTxTwoObj" preserve="1">
   <p:cSld name="Comparación">
     <p:spTree>
       <p:nvGrpSpPr>
@@ -3728,7 +3686,6 @@
               <a:rPr lang="es-ES" smtClean="0"/>
               <a:t>Haga clic para modificar el estilo de texto del patrón</a:t>
             </a:r>
-            <a:endParaRPr lang="es-ES" smtClean="0"/>
           </a:p>
         </p:txBody>
       </p:sp>
@@ -3759,7 +3716,6 @@
               <a:rPr lang="es-ES" smtClean="0"/>
               <a:t>Haga clic para modificar el estilo de texto del patrón</a:t>
             </a:r>
-            <a:endParaRPr lang="es-ES" smtClean="0"/>
           </a:p>
           <a:p>
             <a:pPr lvl="1"/>
@@ -3767,7 +3723,6 @@
               <a:rPr lang="es-ES" smtClean="0"/>
               <a:t>Segundo nivel</a:t>
             </a:r>
-            <a:endParaRPr lang="es-ES" smtClean="0"/>
           </a:p>
           <a:p>
             <a:pPr lvl="2"/>
@@ -3775,7 +3730,6 @@
               <a:rPr lang="es-ES" smtClean="0"/>
               <a:t>Tercer nivel</a:t>
             </a:r>
-            <a:endParaRPr lang="es-ES" smtClean="0"/>
           </a:p>
           <a:p>
             <a:pPr lvl="3"/>
@@ -3783,7 +3737,6 @@
               <a:rPr lang="es-ES" smtClean="0"/>
               <a:t>Cuarto nivel</a:t>
             </a:r>
-            <a:endParaRPr lang="es-ES" smtClean="0"/>
           </a:p>
           <a:p>
             <a:pPr lvl="4"/>
@@ -3859,7 +3812,6 @@
               <a:rPr lang="es-ES" smtClean="0"/>
               <a:t>Haga clic para modificar el estilo de texto del patrón</a:t>
             </a:r>
-            <a:endParaRPr lang="es-ES" smtClean="0"/>
           </a:p>
         </p:txBody>
       </p:sp>
@@ -3890,7 +3842,6 @@
               <a:rPr lang="es-ES" smtClean="0"/>
               <a:t>Haga clic para modificar el estilo de texto del patrón</a:t>
             </a:r>
-            <a:endParaRPr lang="es-ES" smtClean="0"/>
           </a:p>
           <a:p>
             <a:pPr lvl="1"/>
@@ -3898,7 +3849,6 @@
               <a:rPr lang="es-ES" smtClean="0"/>
               <a:t>Segundo nivel</a:t>
             </a:r>
-            <a:endParaRPr lang="es-ES" smtClean="0"/>
           </a:p>
           <a:p>
             <a:pPr lvl="2"/>
@@ -3906,7 +3856,6 @@
               <a:rPr lang="es-ES" smtClean="0"/>
               <a:t>Tercer nivel</a:t>
             </a:r>
-            <a:endParaRPr lang="es-ES" smtClean="0"/>
           </a:p>
           <a:p>
             <a:pPr lvl="3"/>
@@ -3914,7 +3863,6 @@
               <a:rPr lang="es-ES" smtClean="0"/>
               <a:t>Cuarto nivel</a:t>
             </a:r>
-            <a:endParaRPr lang="es-ES" smtClean="0"/>
           </a:p>
           <a:p>
             <a:pPr lvl="4"/>
@@ -3943,6 +3891,7 @@
           <a:p>
             <a:fld id="{849D8D26-A748-46E9-A542-215C52EC9E7C}" type="datetimeFigureOut">
               <a:rPr lang="en-US" smtClean="0"/>
+              <a:t>10/4/2019</a:t>
             </a:fld>
             <a:endParaRPr lang="en-US"/>
           </a:p>
@@ -3984,6 +3933,7 @@
           <a:p>
             <a:fld id="{24130969-5BD5-4700-B021-68CBC9F29885}" type="slidenum">
               <a:rPr lang="en-US" smtClean="0"/>
+              <a:t>‹Nº›</a:t>
             </a:fld>
             <a:endParaRPr lang="en-US"/>
           </a:p>
@@ -3994,13 +3944,13 @@
   <p:clrMapOvr>
     <a:masterClrMapping/>
   </p:clrMapOvr>
-  <mc:AlternateContent xmlns:mc="http://schemas.openxmlformats.org/markup-compatibility/2006">
-    <mc:Choice xmlns:p14="http://schemas.microsoft.com/office/powerpoint/2010/main" Requires="p14">
-      <p:transition p14:dur="500">
+  <mc:AlternateContent xmlns:mc="http://schemas.openxmlformats.org/markup-compatibility/2006" xmlns:p14="http://schemas.microsoft.com/office/powerpoint/2010/main">
+    <mc:Choice Requires="p14">
+      <p:transition>
         <p:fade thruBlk="1"/>
       </p:transition>
     </mc:Choice>
-    <mc:Fallback>
+    <mc:Fallback xmlns="">
       <p:transition>
         <p:fade thruBlk="1"/>
       </p:transition>
@@ -4010,7 +3960,7 @@
 </file>
 
 <file path=ppt/slideLayouts/slideLayout6.xml><?xml version="1.0" encoding="utf-8"?>
-<p:sldLayout xmlns:a="http://schemas.openxmlformats.org/drawingml/2006/main" xmlns:r="http://schemas.openxmlformats.org/officeDocument/2006/relationships" xmlns:p="http://schemas.openxmlformats.org/presentationml/2006/main" type="titleOnly" preserve="1" showMasterSp="0">
+<p:sldLayout xmlns:a="http://schemas.openxmlformats.org/drawingml/2006/main" xmlns:r="http://schemas.openxmlformats.org/officeDocument/2006/relationships" xmlns:p="http://schemas.openxmlformats.org/presentationml/2006/main" showMasterSp="0" type="titleOnly" preserve="1">
   <p:cSld name="Solo el título">
     <p:spTree>
       <p:nvGrpSpPr>
@@ -4071,6 +4021,7 @@
           <a:p>
             <a:fld id="{849D8D26-A748-46E9-A542-215C52EC9E7C}" type="datetimeFigureOut">
               <a:rPr lang="en-US" smtClean="0"/>
+              <a:t>10/4/2019</a:t>
             </a:fld>
             <a:endParaRPr lang="en-US"/>
           </a:p>
@@ -4112,6 +4063,7 @@
           <a:p>
             <a:fld id="{24130969-5BD5-4700-B021-68CBC9F29885}" type="slidenum">
               <a:rPr lang="en-US" smtClean="0"/>
+              <a:t>‹Nº›</a:t>
             </a:fld>
             <a:endParaRPr lang="en-US"/>
           </a:p>
@@ -4122,13 +4074,13 @@
   <p:clrMapOvr>
     <a:masterClrMapping/>
   </p:clrMapOvr>
-  <mc:AlternateContent xmlns:mc="http://schemas.openxmlformats.org/markup-compatibility/2006">
-    <mc:Choice xmlns:p14="http://schemas.microsoft.com/office/powerpoint/2010/main" Requires="p14">
-      <p:transition p14:dur="500">
+  <mc:AlternateContent xmlns:mc="http://schemas.openxmlformats.org/markup-compatibility/2006" xmlns:p14="http://schemas.microsoft.com/office/powerpoint/2010/main">
+    <mc:Choice Requires="p14">
+      <p:transition>
         <p:fade thruBlk="1"/>
       </p:transition>
     </mc:Choice>
-    <mc:Fallback>
+    <mc:Fallback xmlns="">
       <p:transition>
         <p:fade thruBlk="1"/>
       </p:transition>
@@ -4138,7 +4090,7 @@
 </file>
 
 <file path=ppt/slideLayouts/slideLayout7.xml><?xml version="1.0" encoding="utf-8"?>
-<p:sldLayout xmlns:a="http://schemas.openxmlformats.org/drawingml/2006/main" xmlns:r="http://schemas.openxmlformats.org/officeDocument/2006/relationships" xmlns:p="http://schemas.openxmlformats.org/presentationml/2006/main" type="blank" preserve="1" showMasterSp="0">
+<p:sldLayout xmlns:a="http://schemas.openxmlformats.org/drawingml/2006/main" xmlns:r="http://schemas.openxmlformats.org/officeDocument/2006/relationships" xmlns:p="http://schemas.openxmlformats.org/presentationml/2006/main" showMasterSp="0" type="blank" preserve="1">
   <p:cSld name="En blanco">
     <p:spTree>
       <p:nvGrpSpPr>
@@ -4171,6 +4123,7 @@
           <a:p>
             <a:fld id="{849D8D26-A748-46E9-A542-215C52EC9E7C}" type="datetimeFigureOut">
               <a:rPr lang="en-US" smtClean="0"/>
+              <a:t>10/4/2019</a:t>
             </a:fld>
             <a:endParaRPr lang="en-US"/>
           </a:p>
@@ -4212,6 +4165,7 @@
           <a:p>
             <a:fld id="{24130969-5BD5-4700-B021-68CBC9F29885}" type="slidenum">
               <a:rPr lang="en-US" smtClean="0"/>
+              <a:t>‹Nº›</a:t>
             </a:fld>
             <a:endParaRPr lang="en-US"/>
           </a:p>
@@ -4222,13 +4176,13 @@
   <p:clrMapOvr>
     <a:masterClrMapping/>
   </p:clrMapOvr>
-  <mc:AlternateContent xmlns:mc="http://schemas.openxmlformats.org/markup-compatibility/2006">
-    <mc:Choice xmlns:p14="http://schemas.microsoft.com/office/powerpoint/2010/main" Requires="p14">
-      <p:transition p14:dur="500">
+  <mc:AlternateContent xmlns:mc="http://schemas.openxmlformats.org/markup-compatibility/2006" xmlns:p14="http://schemas.microsoft.com/office/powerpoint/2010/main">
+    <mc:Choice Requires="p14">
+      <p:transition>
         <p:fade thruBlk="1"/>
       </p:transition>
     </mc:Choice>
-    <mc:Fallback>
+    <mc:Fallback xmlns="">
       <p:transition>
         <p:fade thruBlk="1"/>
       </p:transition>
@@ -4238,7 +4192,7 @@
 </file>
 
 <file path=ppt/slideLayouts/slideLayout8.xml><?xml version="1.0" encoding="utf-8"?>
-<p:sldLayout xmlns:a="http://schemas.openxmlformats.org/drawingml/2006/main" xmlns:r="http://schemas.openxmlformats.org/officeDocument/2006/relationships" xmlns:p="http://schemas.openxmlformats.org/presentationml/2006/main" type="objTx" preserve="1" showMasterSp="0">
+<p:sldLayout xmlns:a="http://schemas.openxmlformats.org/drawingml/2006/main" xmlns:r="http://schemas.openxmlformats.org/officeDocument/2006/relationships" xmlns:p="http://schemas.openxmlformats.org/presentationml/2006/main" showMasterSp="0" type="objTx" preserve="1">
   <p:cSld name="Contenido con título">
     <p:spTree>
       <p:nvGrpSpPr>
@@ -4315,7 +4269,6 @@
               <a:rPr lang="es-ES" smtClean="0"/>
               <a:t>Haga clic para modificar el estilo de texto del patrón</a:t>
             </a:r>
-            <a:endParaRPr lang="es-ES" smtClean="0"/>
           </a:p>
           <a:p>
             <a:pPr lvl="1"/>
@@ -4323,7 +4276,6 @@
               <a:rPr lang="es-ES" smtClean="0"/>
               <a:t>Segundo nivel</a:t>
             </a:r>
-            <a:endParaRPr lang="es-ES" smtClean="0"/>
           </a:p>
           <a:p>
             <a:pPr lvl="2"/>
@@ -4331,7 +4283,6 @@
               <a:rPr lang="es-ES" smtClean="0"/>
               <a:t>Tercer nivel</a:t>
             </a:r>
-            <a:endParaRPr lang="es-ES" smtClean="0"/>
           </a:p>
           <a:p>
             <a:pPr lvl="3"/>
@@ -4339,7 +4290,6 @@
               <a:rPr lang="es-ES" smtClean="0"/>
               <a:t>Cuarto nivel</a:t>
             </a:r>
-            <a:endParaRPr lang="es-ES" smtClean="0"/>
           </a:p>
           <a:p>
             <a:pPr lvl="4"/>
@@ -4415,7 +4365,6 @@
               <a:rPr lang="es-ES" smtClean="0"/>
               <a:t>Haga clic para modificar el estilo de texto del patrón</a:t>
             </a:r>
-            <a:endParaRPr lang="es-ES" smtClean="0"/>
           </a:p>
         </p:txBody>
       </p:sp>
@@ -4436,6 +4385,7 @@
           <a:p>
             <a:fld id="{849D8D26-A748-46E9-A542-215C52EC9E7C}" type="datetimeFigureOut">
               <a:rPr lang="en-US" smtClean="0"/>
+              <a:t>10/4/2019</a:t>
             </a:fld>
             <a:endParaRPr lang="en-US"/>
           </a:p>
@@ -4477,6 +4427,7 @@
           <a:p>
             <a:fld id="{24130969-5BD5-4700-B021-68CBC9F29885}" type="slidenum">
               <a:rPr lang="en-US" smtClean="0"/>
+              <a:t>‹Nº›</a:t>
             </a:fld>
             <a:endParaRPr lang="en-US"/>
           </a:p>
@@ -4487,13 +4438,13 @@
   <p:clrMapOvr>
     <a:masterClrMapping/>
   </p:clrMapOvr>
-  <mc:AlternateContent xmlns:mc="http://schemas.openxmlformats.org/markup-compatibility/2006">
-    <mc:Choice xmlns:p14="http://schemas.microsoft.com/office/powerpoint/2010/main" Requires="p14">
-      <p:transition p14:dur="500">
+  <mc:AlternateContent xmlns:mc="http://schemas.openxmlformats.org/markup-compatibility/2006" xmlns:p14="http://schemas.microsoft.com/office/powerpoint/2010/main">
+    <mc:Choice Requires="p14">
+      <p:transition>
         <p:fade thruBlk="1"/>
       </p:transition>
     </mc:Choice>
-    <mc:Fallback>
+    <mc:Fallback xmlns="">
       <p:transition>
         <p:fade thruBlk="1"/>
       </p:transition>
@@ -4503,7 +4454,7 @@
 </file>
 
 <file path=ppt/slideLayouts/slideLayout9.xml><?xml version="1.0" encoding="utf-8"?>
-<p:sldLayout xmlns:a="http://schemas.openxmlformats.org/drawingml/2006/main" xmlns:r="http://schemas.openxmlformats.org/officeDocument/2006/relationships" xmlns:p="http://schemas.openxmlformats.org/presentationml/2006/main" type="picTx" preserve="1" showMasterSp="0">
+<p:sldLayout xmlns:a="http://schemas.openxmlformats.org/drawingml/2006/main" xmlns:r="http://schemas.openxmlformats.org/officeDocument/2006/relationships" xmlns:p="http://schemas.openxmlformats.org/presentationml/2006/main" showMasterSp="0" type="picTx" preserve="1">
   <p:cSld name="Imagen con título">
     <p:spTree>
       <p:nvGrpSpPr>
@@ -4684,7 +4635,6 @@
               <a:rPr lang="es-ES" smtClean="0"/>
               <a:t>Haga clic para modificar el estilo de texto del patrón</a:t>
             </a:r>
-            <a:endParaRPr lang="es-ES" smtClean="0"/>
           </a:p>
         </p:txBody>
       </p:sp>
@@ -4705,6 +4655,7 @@
           <a:p>
             <a:fld id="{849D8D26-A748-46E9-A542-215C52EC9E7C}" type="datetimeFigureOut">
               <a:rPr lang="en-US" smtClean="0"/>
+              <a:t>10/4/2019</a:t>
             </a:fld>
             <a:endParaRPr lang="en-US"/>
           </a:p>
@@ -4746,6 +4697,7 @@
           <a:p>
             <a:fld id="{24130969-5BD5-4700-B021-68CBC9F29885}" type="slidenum">
               <a:rPr lang="en-US" smtClean="0"/>
+              <a:t>‹Nº›</a:t>
             </a:fld>
             <a:endParaRPr lang="en-US"/>
           </a:p>
@@ -4756,13 +4708,13 @@
   <p:clrMapOvr>
     <a:masterClrMapping/>
   </p:clrMapOvr>
-  <mc:AlternateContent xmlns:mc="http://schemas.openxmlformats.org/markup-compatibility/2006">
-    <mc:Choice xmlns:p14="http://schemas.microsoft.com/office/powerpoint/2010/main" Requires="p14">
-      <p:transition p14:dur="500">
+  <mc:AlternateContent xmlns:mc="http://schemas.openxmlformats.org/markup-compatibility/2006" xmlns:p14="http://schemas.microsoft.com/office/powerpoint/2010/main">
+    <mc:Choice Requires="p14">
+      <p:transition>
         <p:fade thruBlk="1"/>
       </p:transition>
     </mc:Choice>
-    <mc:Fallback>
+    <mc:Fallback xmlns="">
       <p:transition>
         <p:fade thruBlk="1"/>
       </p:transition>
@@ -4776,12 +4728,17 @@
   <p:cSld>
     <p:bg>
       <p:bgPr>
-        <a:blipFill rotWithShape="0">
-          <a:blip r:embed="rId17"/>
-          <a:stretch>
-            <a:fillRect/>
-          </a:stretch>
-        </a:blipFill>
+        <a:gradFill rotWithShape="0">
+          <a:gsLst>
+            <a:gs pos="0">
+              <a:srgbClr val="14CD68"/>
+            </a:gs>
+            <a:gs pos="100000">
+              <a:srgbClr val="035C7D"/>
+            </a:gs>
+          </a:gsLst>
+          <a:lin scaled="0"/>
+        </a:gradFill>
         <a:effectLst/>
       </p:bgPr>
     </p:bg>
@@ -5394,7 +5351,6 @@
               <a:rPr lang="es-ES" smtClean="0"/>
               <a:t>Haga clic para modificar el estilo de texto del patrón</a:t>
             </a:r>
-            <a:endParaRPr lang="es-ES" smtClean="0"/>
           </a:p>
           <a:p>
             <a:pPr lvl="1"/>
@@ -5402,7 +5358,6 @@
               <a:rPr lang="es-ES" smtClean="0"/>
               <a:t>Segundo nivel</a:t>
             </a:r>
-            <a:endParaRPr lang="es-ES" smtClean="0"/>
           </a:p>
           <a:p>
             <a:pPr lvl="2"/>
@@ -5410,7 +5365,6 @@
               <a:rPr lang="es-ES" smtClean="0"/>
               <a:t>Tercer nivel</a:t>
             </a:r>
-            <a:endParaRPr lang="es-ES" smtClean="0"/>
           </a:p>
           <a:p>
             <a:pPr lvl="3"/>
@@ -5418,7 +5372,6 @@
               <a:rPr lang="es-ES" smtClean="0"/>
               <a:t>Cuarto nivel</a:t>
             </a:r>
-            <a:endParaRPr lang="es-ES" smtClean="0"/>
           </a:p>
           <a:p>
             <a:pPr lvl="4"/>
@@ -5465,6 +5418,7 @@
           <a:p>
             <a:fld id="{849D8D26-A748-46E9-A542-215C52EC9E7C}" type="datetimeFigureOut">
               <a:rPr lang="en-US" smtClean="0"/>
+              <a:t>10/4/2019</a:t>
             </a:fld>
             <a:endParaRPr lang="en-US"/>
           </a:p>
@@ -5540,6 +5494,7 @@
           <a:p>
             <a:fld id="{24130969-5BD5-4700-B021-68CBC9F29885}" type="slidenum">
               <a:rPr lang="en-US" smtClean="0"/>
+              <a:t>‹Nº›</a:t>
             </a:fld>
             <a:endParaRPr lang="en-US"/>
           </a:p>
@@ -5566,13 +5521,13 @@
     <p:sldLayoutId id="2147483663" r:id="rId15"/>
     <p:sldLayoutId id="2147483664" r:id="rId16"/>
   </p:sldLayoutIdLst>
-  <mc:AlternateContent xmlns:mc="http://schemas.openxmlformats.org/markup-compatibility/2006">
-    <mc:Choice xmlns:p14="http://schemas.microsoft.com/office/powerpoint/2010/main" Requires="p14">
-      <p:transition p14:dur="500">
+  <mc:AlternateContent xmlns:mc="http://schemas.openxmlformats.org/markup-compatibility/2006" xmlns:p14="http://schemas.microsoft.com/office/powerpoint/2010/main">
+    <mc:Choice Requires="p14">
+      <p:transition>
         <p:fade thruBlk="1"/>
       </p:transition>
     </mc:Choice>
-    <mc:Fallback>
+    <mc:Fallback xmlns="">
       <p:transition>
         <p:fade thruBlk="1"/>
       </p:transition>
@@ -6012,7 +5967,7 @@
         </p:spPr>
         <p:txBody>
           <a:bodyPr>
-            <a:normAutofit lnSpcReduction="20000"/>
+            <a:normAutofit fontScale="92500"/>
           </a:bodyPr>
           <a:lstStyle/>
           <a:p>
@@ -6029,7 +5984,6 @@
               <a:rPr lang="es-MX" dirty="0" smtClean="0"/>
               <a:t>Juan Enrique Espinoza de los Santos</a:t>
             </a:r>
-            <a:endParaRPr lang="es-MX" dirty="0" smtClean="0"/>
           </a:p>
           <a:p>
             <a:pPr algn="l"/>
@@ -6050,7 +6004,7 @@
           <p:nvPr/>
         </p:nvPicPr>
         <p:blipFill>
-          <a:blip r:embed="rId1"/>
+          <a:blip r:embed="rId2"/>
           <a:srcRect t="32845" b="30294"/>
           <a:stretch>
             <a:fillRect/>
@@ -6312,7 +6266,6 @@
               <a:rPr lang="es-MX" dirty="0" smtClean="0"/>
               <a:t>Juan Daniel Cano Pasillas</a:t>
             </a:r>
-            <a:endParaRPr lang="es-MX" dirty="0" smtClean="0"/>
           </a:p>
           <a:p>
             <a:pPr algn="l"/>
@@ -6320,19 +6273,13 @@
               <a:rPr lang="es-MX" dirty="0" smtClean="0"/>
               <a:t>Juan Gerardo Adame Torres</a:t>
             </a:r>
-            <a:endParaRPr lang="es-MX" dirty="0" smtClean="0"/>
           </a:p>
           <a:p>
             <a:pPr algn="l"/>
             <a:r>
               <a:rPr lang="es-MX" dirty="0" smtClean="0"/>
-              <a:t>Raúl </a:t>
-            </a:r>
-            <a:r>
-              <a:rPr lang="es-MX" dirty="0" smtClean="0"/>
-              <a:t>Alejandro Lira Mesta</a:t>
-            </a:r>
-            <a:endParaRPr lang="es-MX" dirty="0" smtClean="0"/>
+              <a:t>Raúl Alejandro Lira Mesta</a:t>
+            </a:r>
           </a:p>
           <a:p>
             <a:pPr algn="l"/>
@@ -6360,6 +6307,7 @@
           <a:bodyPr wrap="square" rtlCol="0">
             <a:spAutoFit/>
           </a:bodyPr>
+          <a:lstStyle/>
           <a:p>
             <a:pPr algn="ctr"/>
             <a:r>
@@ -6369,10 +6317,6 @@
               </a:rPr>
               <a:t>ANÁLISIS DE USER INTERFACE Y USER EXPERIENCE DE SPOTIFY</a:t>
             </a:r>
-            <a:endParaRPr lang="es-MX" altLang="en-US" sz="4000">
-              <a:latin typeface="Bahnschrift Light SemiCondensed" panose="020B0502040204020203" charset="0"/>
-              <a:cs typeface="Bahnschrift Light SemiCondensed" panose="020B0502040204020203" charset="0"/>
-            </a:endParaRPr>
           </a:p>
         </p:txBody>
       </p:sp>
@@ -6696,9 +6640,9 @@
       </p:par>
     </p:tnLst>
     <p:bldLst>
-      <p:bldP spid="8" grpId="1"/>
       <p:bldP spid="3" grpId="0" uiExpand="1" build="p"/>
       <p:bldP spid="7" grpId="0"/>
+      <p:bldP spid="8" grpId="1"/>
     </p:bldLst>
   </p:timing>
 </p:sld>
@@ -6751,13 +6695,6 @@
               </a:rPr>
               <a:t>Página principal</a:t>
             </a:r>
-            <a:endParaRPr lang="es-MX" u="sng" dirty="0" smtClean="0">
-              <a:solidFill>
-                <a:schemeClr val="tx1"/>
-              </a:solidFill>
-              <a:latin typeface="Bahnschrift Light SemiCondensed" panose="020B0502040204020203" charset="0"/>
-              <a:cs typeface="Bahnschrift Light SemiCondensed" panose="020B0502040204020203" charset="0"/>
-            </a:endParaRPr>
           </a:p>
         </p:txBody>
       </p:sp>
@@ -6772,7 +6709,7 @@
           </p:nvPr>
         </p:nvPicPr>
         <p:blipFill>
-          <a:blip r:embed="rId1" cstate="print">
+          <a:blip r:embed="rId2" cstate="print">
             <a:extLst>
               <a:ext uri="{28A0092B-C50C-407E-A947-70E740481C1C}">
                 <a14:useLocalDpi xmlns:a14="http://schemas.microsoft.com/office/drawing/2010/main" val="0"/>
@@ -6823,7 +6760,6 @@
               <a:rPr lang="es-MX" sz="2000" dirty="0" smtClean="0"/>
               <a:t>Tiene una gamma de colores llamativos y un acceso fácil para crear una cuenta nueva o iniciar una cuenta existente, además de una interfaz limpia.</a:t>
             </a:r>
-            <a:endParaRPr lang="es-MX" sz="2000" dirty="0" smtClean="0"/>
           </a:p>
           <a:p>
             <a:endParaRPr lang="es-MX" sz="2000" dirty="0" smtClean="0"/>
@@ -6911,12 +6847,6 @@
               </a:rPr>
               <a:t>Interfaz</a:t>
             </a:r>
-            <a:endParaRPr lang="es-MX" sz="4000" u="sng" dirty="0" smtClean="0">
-              <a:solidFill>
-                <a:schemeClr val="tx1"/>
-              </a:solidFill>
-              <a:effectLst/>
-            </a:endParaRPr>
           </a:p>
         </p:txBody>
       </p:sp>
@@ -6931,7 +6861,7 @@
           </p:nvPr>
         </p:nvPicPr>
         <p:blipFill>
-          <a:blip r:embed="rId1" cstate="print">
+          <a:blip r:embed="rId2" cstate="print">
             <a:extLst>
               <a:ext uri="{28A0092B-C50C-407E-A947-70E740481C1C}">
                 <a14:useLocalDpi xmlns:a14="http://schemas.microsoft.com/office/drawing/2010/main" val="0"/>
@@ -6982,7 +6912,6 @@
               <a:rPr lang="es-MX" dirty="0" smtClean="0"/>
               <a:t>Cuenta con un inicio fácil de comprender. Los apartados de la parte superior brindan accesos claros y la interfaz muestra recomendaciones acordes.</a:t>
             </a:r>
-            <a:endParaRPr lang="es-MX" dirty="0" smtClean="0"/>
           </a:p>
           <a:p>
             <a:r>
@@ -7041,21 +6970,18 @@
               <a:rPr lang="es-MX" sz="2000" dirty="0" smtClean="0"/>
               <a:t>UX</a:t>
             </a:r>
-            <a:endParaRPr lang="es-MX" sz="2000" dirty="0" smtClean="0"/>
           </a:p>
           <a:p>
             <a:r>
               <a:rPr lang="es-MX" dirty="0" smtClean="0"/>
               <a:t>Brinda fácil acceso a las listas de reproducción personalizadas del usuario y recomendaciones.</a:t>
             </a:r>
-            <a:endParaRPr lang="es-MX" dirty="0" smtClean="0"/>
           </a:p>
           <a:p>
             <a:r>
               <a:rPr lang="es-MX" sz="2000" dirty="0" smtClean="0"/>
               <a:t>UI</a:t>
             </a:r>
-            <a:endParaRPr lang="es-MX" sz="2000" dirty="0" smtClean="0"/>
           </a:p>
           <a:p>
             <a:r>
@@ -7079,7 +7005,7 @@
           <p:nvPr/>
         </p:nvPicPr>
         <p:blipFill>
-          <a:blip r:embed="rId2" cstate="print">
+          <a:blip r:embed="rId3" cstate="print">
             <a:extLst>
               <a:ext uri="{28A0092B-C50C-407E-A947-70E740481C1C}">
                 <a14:useLocalDpi xmlns:a14="http://schemas.microsoft.com/office/drawing/2010/main" val="0"/>
@@ -7165,13 +7091,6 @@
               </a:rPr>
               <a:t>Crear cuenta</a:t>
             </a:r>
-            <a:endParaRPr lang="es-MX" u="sng" dirty="0" smtClean="0">
-              <a:solidFill>
-                <a:schemeClr val="tx1"/>
-              </a:solidFill>
-              <a:latin typeface="Bahnschrift Light SemiCondensed" panose="020B0502040204020203" charset="0"/>
-              <a:cs typeface="Bahnschrift Light SemiCondensed" panose="020B0502040204020203" charset="0"/>
-            </a:endParaRPr>
           </a:p>
         </p:txBody>
       </p:sp>
@@ -7186,7 +7105,7 @@
           </p:nvPr>
         </p:nvPicPr>
         <p:blipFill rotWithShape="1">
-          <a:blip r:embed="rId1" cstate="print">
+          <a:blip r:embed="rId2" cstate="print">
             <a:extLst>
               <a:ext uri="{28A0092B-C50C-407E-A947-70E740481C1C}">
                 <a14:useLocalDpi xmlns:a14="http://schemas.microsoft.com/office/drawing/2010/main" val="0"/>
@@ -7246,7 +7165,6 @@
               <a:rPr lang="es-MX" dirty="0" smtClean="0"/>
               <a:t> de una cuenta de Facebook.</a:t>
             </a:r>
-            <a:endParaRPr lang="es-MX" dirty="0" smtClean="0"/>
           </a:p>
           <a:p>
             <a:endParaRPr lang="es-MX" dirty="0" smtClean="0"/>
@@ -7349,13 +7267,6 @@
               </a:rPr>
               <a:t>Inicio de sesión</a:t>
             </a:r>
-            <a:endParaRPr lang="es-MX" u="sng" dirty="0" smtClean="0">
-              <a:solidFill>
-                <a:schemeClr val="tx1"/>
-              </a:solidFill>
-              <a:latin typeface="Bahnschrift Light SemiCondensed" panose="020B0502040204020203" charset="0"/>
-              <a:cs typeface="Bahnschrift Light SemiCondensed" panose="020B0502040204020203" charset="0"/>
-            </a:endParaRPr>
           </a:p>
         </p:txBody>
       </p:sp>
@@ -7370,7 +7281,7 @@
           </p:nvPr>
         </p:nvPicPr>
         <p:blipFill>
-          <a:blip r:embed="rId1">
+          <a:blip r:embed="rId2">
             <a:extLst>
               <a:ext uri="{28A0092B-C50C-407E-A947-70E740481C1C}">
                 <a14:useLocalDpi xmlns:a14="http://schemas.microsoft.com/office/drawing/2010/main" val="0"/>
@@ -7414,7 +7325,6 @@
               <a:rPr lang="es-MX" sz="2000" dirty="0" smtClean="0"/>
               <a:t>UX</a:t>
             </a:r>
-            <a:endParaRPr lang="es-MX" sz="2000" dirty="0" smtClean="0"/>
           </a:p>
           <a:p>
             <a:r>
@@ -7425,7 +7335,6 @@
               <a:rPr lang="es-MX" dirty="0" smtClean="0"/>
               <a:t>encillo inicio de sesión con alternativa a iniciar sesión con una cuenta Facebook.</a:t>
             </a:r>
-            <a:endParaRPr lang="es-MX" dirty="0" smtClean="0"/>
           </a:p>
           <a:p>
             <a:endParaRPr lang="es-MX" dirty="0" smtClean="0"/>
@@ -7435,7 +7344,6 @@
               <a:rPr lang="es-MX" sz="2000" dirty="0" smtClean="0"/>
               <a:t>UI</a:t>
             </a:r>
-            <a:endParaRPr lang="es-MX" sz="2000" dirty="0" smtClean="0"/>
           </a:p>
           <a:p>
             <a:r>
@@ -7446,7 +7354,6 @@
               <a:rPr lang="es-MX" dirty="0" smtClean="0"/>
               <a:t>on un solo botón se inicia sesión desde Facebook o solo introduciendo usuario y contraseña para iniciar, también un botón en caso de no contar con una cuenta existente.</a:t>
             </a:r>
-            <a:endParaRPr lang="es-MX" dirty="0" smtClean="0"/>
           </a:p>
           <a:p>
             <a:endParaRPr lang="es-MX" dirty="0"/>
@@ -7517,25 +7424,8 @@
                 <a:latin typeface="Bahnschrift Light SemiCondensed" panose="020B0502040204020203" charset="0"/>
                 <a:cs typeface="Bahnschrift Light SemiCondensed" panose="020B0502040204020203" charset="0"/>
               </a:rPr>
-              <a:t>Reproductor de </a:t>
-            </a:r>
-            <a:r>
-              <a:rPr lang="es-MX" u="sng" dirty="0" err="1" smtClean="0">
-                <a:solidFill>
-                  <a:schemeClr val="tx1"/>
-                </a:solidFill>
-                <a:latin typeface="Bahnschrift Light SemiCondensed" panose="020B0502040204020203" charset="0"/>
-                <a:cs typeface="Bahnschrift Light SemiCondensed" panose="020B0502040204020203" charset="0"/>
-              </a:rPr>
-              <a:t>música</a:t>
-            </a:r>
-            <a:endParaRPr lang="es-MX" u="sng" dirty="0" err="1" smtClean="0">
-              <a:solidFill>
-                <a:schemeClr val="tx1"/>
-              </a:solidFill>
-              <a:latin typeface="Bahnschrift Light SemiCondensed" panose="020B0502040204020203" charset="0"/>
-              <a:cs typeface="Bahnschrift Light SemiCondensed" panose="020B0502040204020203" charset="0"/>
-            </a:endParaRPr>
+              <a:t>Reproductor de música</a:t>
+            </a:r>
           </a:p>
         </p:txBody>
       </p:sp>
@@ -7550,7 +7440,7 @@
           </p:nvPr>
         </p:nvPicPr>
         <p:blipFill>
-          <a:blip r:embed="rId1">
+          <a:blip r:embed="rId2">
             <a:extLst>
               <a:ext uri="{28A0092B-C50C-407E-A947-70E740481C1C}">
                 <a14:useLocalDpi xmlns:a14="http://schemas.microsoft.com/office/drawing/2010/main" val="0"/>
@@ -7598,12 +7488,12 @@
           </a:p>
           <a:p>
             <a:r>
-              <a:rPr lang="es-MX" dirty="0" err="1" smtClean="0"/>
-              <a:t>Funcinamiento</a:t>
-            </a:r>
-            <a:r>
               <a:rPr lang="es-MX" dirty="0" smtClean="0"/>
-              <a:t> muy intuitivo para seleccionar y reproducir cualquier canción, y el reproductor esta visible en todo momento.</a:t>
+              <a:t>Funcionamiento </a:t>
+            </a:r>
+            <a:r>
+              <a:rPr lang="es-MX" dirty="0" smtClean="0"/>
+              <a:t>muy intuitivo para seleccionar y reproducir cualquier canción, y el reproductor esta visible en todo momento.</a:t>
             </a:r>
             <a:endParaRPr lang="es-MX" dirty="0"/>
           </a:p>
@@ -7629,6 +7519,7 @@
           <a:bodyPr wrap="square" rtlCol="0">
             <a:spAutoFit/>
           </a:bodyPr>
+          <a:lstStyle/>
           <a:p>
             <a:r>
               <a:rPr lang="es-MX" sz="2000" dirty="0" smtClean="0"/>
@@ -7718,13 +7609,6 @@
               </a:rPr>
               <a:t>Buscador</a:t>
             </a:r>
-            <a:endParaRPr lang="es-MX" u="sng" dirty="0" smtClean="0">
-              <a:solidFill>
-                <a:schemeClr val="tx1"/>
-              </a:solidFill>
-              <a:latin typeface="Bahnschrift Light SemiCondensed" panose="020B0502040204020203" charset="0"/>
-              <a:cs typeface="Bahnschrift Light SemiCondensed" panose="020B0502040204020203" charset="0"/>
-            </a:endParaRPr>
           </a:p>
         </p:txBody>
       </p:sp>
@@ -7739,7 +7623,7 @@
           </p:nvPr>
         </p:nvPicPr>
         <p:blipFill>
-          <a:blip r:embed="rId1" cstate="print">
+          <a:blip r:embed="rId2" cstate="print">
             <a:extLst>
               <a:ext uri="{28A0092B-C50C-407E-A947-70E740481C1C}">
                 <a14:useLocalDpi xmlns:a14="http://schemas.microsoft.com/office/drawing/2010/main" val="0"/>
@@ -7766,7 +7650,7 @@
           <p:nvPr/>
         </p:nvPicPr>
         <p:blipFill>
-          <a:blip r:embed="rId2" cstate="print">
+          <a:blip r:embed="rId3" cstate="print">
             <a:extLst>
               <a:ext uri="{28A0092B-C50C-407E-A947-70E740481C1C}">
                 <a14:useLocalDpi xmlns:a14="http://schemas.microsoft.com/office/drawing/2010/main" val="0"/>
@@ -7820,14 +7704,12 @@
               <a:rPr lang="es-MX" dirty="0" smtClean="0"/>
               <a:t>Un buscador muy básico y nada complicado para solo empezar a buscar canciones o artistas</a:t>
             </a:r>
-            <a:endParaRPr lang="es-MX" dirty="0" smtClean="0"/>
           </a:p>
           <a:p>
             <a:r>
               <a:rPr lang="es-MX" sz="2000" dirty="0" smtClean="0"/>
               <a:t>UI</a:t>
             </a:r>
-            <a:endParaRPr lang="es-MX" sz="2000" dirty="0" smtClean="0"/>
           </a:p>
           <a:p>
             <a:r>
@@ -7868,7 +7750,6 @@
               <a:rPr lang="es-MX" sz="2000" dirty="0" smtClean="0"/>
               <a:t>UX</a:t>
             </a:r>
-            <a:endParaRPr lang="es-MX" sz="2000" dirty="0" smtClean="0"/>
           </a:p>
           <a:p>
             <a:r>
@@ -7879,14 +7760,12 @@
               <a:rPr lang="es-MX" dirty="0" smtClean="0"/>
               <a:t>espuesta en caso de no encontrar nada parecido a la búsqueda solicitada</a:t>
             </a:r>
-            <a:endParaRPr lang="es-MX" dirty="0" smtClean="0"/>
           </a:p>
           <a:p>
             <a:r>
               <a:rPr lang="es-MX" sz="2000" dirty="0" smtClean="0"/>
               <a:t>UI</a:t>
             </a:r>
-            <a:endParaRPr lang="es-MX" sz="2000" dirty="0" smtClean="0"/>
           </a:p>
           <a:p>
             <a:r>
@@ -8166,6 +8045,8 @@
       </a:bgFillStyleLst>
     </a:fmtScheme>
   </a:themeElements>
+  <a:objectDefaults/>
+  <a:extraClrSchemeLst/>
   <a:extLst>
     <a:ext uri="{05A4C25C-085E-4340-85A3-A5531E510DB2}">
       <thm15:themeFamily xmlns:thm15="http://schemas.microsoft.com/office/thememl/2012/main" name="Office Theme" id="{62F939B6-93AF-4DB8-9C6B-D6C7DFDC589F}" vid="{4A3C46E8-61CC-4603-A589-7422A47A8E4A}"/>
